--- a/data-viz-02/component/recommendations-barcharts.pptx
+++ b/data-viz-02/component/recommendations-barcharts.pptx
@@ -5,7 +5,7 @@
     <p:sldMasterId id="2147483648" r:id="rId1"/>
   </p:sldMasterIdLst>
   <p:notesMasterIdLst>
-    <p:NotesMasterId r:id="rId7"/>
+    <p:NotesMasterId r:id="rId11"/>
   </p:notesMasterIdLst>
   <p:sldIdLst>
     <p:sldId id="256" r:id="rId2"/>
@@ -13,6 +13,10 @@
     <p:sldId id="258" r:id="rId4"/>
     <p:sldId id="259" r:id="rId5"/>
     <p:sldId id="260" r:id="rId6"/>
+    <p:sldId id="261" r:id="rId7"/>
+    <p:sldId id="262" r:id="rId8"/>
+    <p:sldId id="263" r:id="rId9"/>
+    <p:sldId id="264" r:id="rId10"/>
   </p:sldIdLst>
   <p:sldSz cx="9144000" cy="6858000" type="screen4x3"/>
   <p:notesSz cx="6858000" cy="9144000"/>
@@ -2362,84 +2366,6 @@
               <a:t>wide.</a:t>
             </a:r>
           </a:p>
-          <a:p>
-            <a:pPr lvl="0" marL="0" indent="0">
-              <a:buNone/>
-            </a:pPr>
-          </a:p>
-          <a:p>
-            <a:pPr lvl="0" marL="0" indent="0">
-              <a:buNone/>
-            </a:pPr>
-            <a:r>
-              <a:rPr/>
-              <a:t>((Show</a:t>
-            </a:r>
-            <a:r>
-              <a:rPr/>
-              <a:t> </a:t>
-            </a:r>
-            <a:r>
-              <a:rPr/>
-              <a:t>an</a:t>
-            </a:r>
-            <a:r>
-              <a:rPr/>
-              <a:t> </a:t>
-            </a:r>
-            <a:r>
-              <a:rPr/>
-              <a:t>example</a:t>
-            </a:r>
-            <a:r>
-              <a:rPr/>
-              <a:t> </a:t>
-            </a:r>
-            <a:r>
-              <a:rPr/>
-              <a:t>of</a:t>
-            </a:r>
-            <a:r>
-              <a:rPr/>
-              <a:t> </a:t>
-            </a:r>
-            <a:r>
-              <a:rPr/>
-              <a:t>this</a:t>
-            </a:r>
-            <a:r>
-              <a:rPr/>
-              <a:t> </a:t>
-            </a:r>
-            <a:r>
-              <a:rPr/>
-              <a:t>using</a:t>
-            </a:r>
-            <a:r>
-              <a:rPr/>
-              <a:t> </a:t>
-            </a:r>
-            <a:r>
-              <a:rPr/>
-              <a:t>the</a:t>
-            </a:r>
-            <a:r>
-              <a:rPr/>
-              <a:t> </a:t>
-            </a:r>
-            <a:r>
-              <a:rPr/>
-              <a:t>scotus</a:t>
-            </a:r>
-            <a:r>
-              <a:rPr/>
-              <a:t> </a:t>
-            </a:r>
-            <a:r>
-              <a:rPr/>
-              <a:t>data))</a:t>
-            </a:r>
-          </a:p>
         </p:txBody>
       </p:sp>
       <p:sp>
@@ -3029,6 +2955,172 @@
             </a:pPr>
             <a:r>
               <a:rPr/>
+              <a:t>If</a:t>
+            </a:r>
+            <a:r>
+              <a:rPr/>
+              <a:t> </a:t>
+            </a:r>
+            <a:r>
+              <a:rPr/>
+              <a:t>you</a:t>
+            </a:r>
+            <a:r>
+              <a:rPr/>
+              <a:t> </a:t>
+            </a:r>
+            <a:r>
+              <a:rPr/>
+              <a:t>have</a:t>
+            </a:r>
+            <a:r>
+              <a:rPr/>
+              <a:t> </a:t>
+            </a:r>
+            <a:r>
+              <a:rPr/>
+              <a:t>a</a:t>
+            </a:r>
+            <a:r>
+              <a:rPr/>
+              <a:t> </a:t>
+            </a:r>
+            <a:r>
+              <a:rPr/>
+              <a:t>very</a:t>
+            </a:r>
+            <a:r>
+              <a:rPr/>
+              <a:t> </a:t>
+            </a:r>
+            <a:r>
+              <a:rPr/>
+              <a:t>large</a:t>
+            </a:r>
+            <a:r>
+              <a:rPr/>
+              <a:t> </a:t>
+            </a:r>
+            <a:r>
+              <a:rPr/>
+              <a:t>number</a:t>
+            </a:r>
+            <a:r>
+              <a:rPr/>
+              <a:t> </a:t>
+            </a:r>
+            <a:r>
+              <a:rPr/>
+              <a:t>of</a:t>
+            </a:r>
+            <a:r>
+              <a:rPr/>
+              <a:t> </a:t>
+            </a:r>
+            <a:r>
+              <a:rPr/>
+              <a:t>bars,</a:t>
+            </a:r>
+            <a:r>
+              <a:rPr/>
+              <a:t> </a:t>
+            </a:r>
+            <a:r>
+              <a:rPr/>
+              <a:t>then</a:t>
+            </a:r>
+            <a:r>
+              <a:rPr/>
+              <a:t> </a:t>
+            </a:r>
+            <a:r>
+              <a:rPr/>
+              <a:t>a</a:t>
+            </a:r>
+            <a:r>
+              <a:rPr/>
+              <a:t> </a:t>
+            </a:r>
+            <a:r>
+              <a:rPr/>
+              <a:t>vertical</a:t>
+            </a:r>
+            <a:r>
+              <a:rPr/>
+              <a:t> </a:t>
+            </a:r>
+            <a:r>
+              <a:rPr/>
+              <a:t>format</a:t>
+            </a:r>
+            <a:r>
+              <a:rPr/>
+              <a:t> </a:t>
+            </a:r>
+            <a:r>
+              <a:rPr/>
+              <a:t>will</a:t>
+            </a:r>
+            <a:r>
+              <a:rPr/>
+              <a:t> </a:t>
+            </a:r>
+            <a:r>
+              <a:rPr/>
+              <a:t>allow</a:t>
+            </a:r>
+            <a:r>
+              <a:rPr/>
+              <a:t> </a:t>
+            </a:r>
+            <a:r>
+              <a:rPr/>
+              <a:t>those</a:t>
+            </a:r>
+            <a:r>
+              <a:rPr/>
+              <a:t> </a:t>
+            </a:r>
+            <a:r>
+              <a:rPr/>
+              <a:t>bars</a:t>
+            </a:r>
+            <a:r>
+              <a:rPr/>
+              <a:t> </a:t>
+            </a:r>
+            <a:r>
+              <a:rPr/>
+              <a:t>to</a:t>
+            </a:r>
+            <a:r>
+              <a:rPr/>
+              <a:t> </a:t>
+            </a:r>
+            <a:r>
+              <a:rPr/>
+              <a:t>fit</a:t>
+            </a:r>
+            <a:r>
+              <a:rPr/>
+              <a:t> </a:t>
+            </a:r>
+            <a:r>
+              <a:rPr/>
+              <a:t>better.</a:t>
+            </a:r>
+          </a:p>
+          <a:p>
+            <a:pPr lvl="0" marL="0" indent="0">
+              <a:buNone/>
+            </a:pPr>
+          </a:p>
+          <a:p>
+            <a:pPr lvl="0" marL="0" indent="0">
+              <a:buNone/>
+            </a:pPr>
+            <a:r>
+              <a:rPr/>
               <a:t>Remember</a:t>
             </a:r>
             <a:r>
@@ -3502,6 +3594,434 @@
             <a:fld id="{18BDFEC3-8487-43E8-A154-7C12CBC1FFF2}" type="slidenum">
               <a:rPr lang="en-US"/>
               <a:t>5</a:t>
+            </a:fld>
+            <a:endParaRPr lang="en-US"/>
+          </a:p>
+        </p:txBody>
+      </p:sp>
+    </p:spTree>
+  </p:cSld>
+</p:notes>
+</file>
+
+<file path=ppt/notesSlides/notesSlide5.xml><?xml version="1.0" encoding="utf-8"?>
+<p:notes xmlns:a="http://schemas.openxmlformats.org/drawingml/2006/main" xmlns:r="http://schemas.openxmlformats.org/officeDocument/2006/relationships" xmlns:p="http://schemas.openxmlformats.org/presentationml/2006/main">
+  <p:cSld>
+    <p:spTree>
+      <p:nvGrpSpPr>
+        <p:cNvPr id="1" name=""/>
+        <p:cNvGrpSpPr/>
+        <p:nvPr/>
+      </p:nvGrpSpPr>
+      <p:grpSpPr>
+        <a:xfrm>
+          <a:off x="0" y="0"/>
+          <a:ext cx="0" cy="0"/>
+          <a:chOff x="0" y="0"/>
+          <a:chExt cx="0" cy="0"/>
+        </a:xfrm>
+      </p:grpSpPr>
+      <p:sp>
+        <p:nvSpPr>
+          <p:cNvPr id="2" name="Slide Image Placeholder 1"/>
+          <p:cNvSpPr>
+            <a:spLocks noGrp="1" noRot="1" noChangeAspect="1"/>
+          </p:cNvSpPr>
+          <p:nvPr>
+            <p:ph type="sldImg"/>
+          </p:nvPr>
+        </p:nvSpPr>
+        <p:spPr/>
+      </p:sp>
+      <p:sp>
+        <p:nvSpPr>
+          <p:cNvPr id="3" name="Notes Placeholder 2"/>
+          <p:cNvSpPr>
+            <a:spLocks noGrp="1"/>
+          </p:cNvSpPr>
+          <p:nvPr>
+            <p:ph type="body" idx="1"/>
+          </p:nvPr>
+        </p:nvSpPr>
+        <p:spPr/>
+        <p:txBody>
+          <a:bodyPr/>
+          <a:lstStyle/>
+          <a:p>
+            <a:pPr lvl="0" marL="0" indent="0">
+              <a:buNone/>
+            </a:pPr>
+            <a:r>
+              <a:rPr/>
+              <a:t>You</a:t>
+            </a:r>
+            <a:r>
+              <a:rPr/>
+              <a:t> </a:t>
+            </a:r>
+            <a:r>
+              <a:rPr/>
+              <a:t>can</a:t>
+            </a:r>
+            <a:r>
+              <a:rPr/>
+              <a:t> </a:t>
+            </a:r>
+            <a:r>
+              <a:rPr/>
+              <a:t>turn</a:t>
+            </a:r>
+            <a:r>
+              <a:rPr/>
+              <a:t> </a:t>
+            </a:r>
+            <a:r>
+              <a:rPr/>
+              <a:t>the</a:t>
+            </a:r>
+            <a:r>
+              <a:rPr/>
+              <a:t> </a:t>
+            </a:r>
+            <a:r>
+              <a:rPr/>
+              <a:t>x-axis</a:t>
+            </a:r>
+            <a:r>
+              <a:rPr/>
+              <a:t> </a:t>
+            </a:r>
+            <a:r>
+              <a:rPr/>
+              <a:t>text</a:t>
+            </a:r>
+            <a:r>
+              <a:rPr/>
+              <a:t> </a:t>
+            </a:r>
+            <a:r>
+              <a:rPr/>
+              <a:t>by</a:t>
+            </a:r>
+            <a:r>
+              <a:rPr/>
+              <a:t> </a:t>
+            </a:r>
+            <a:r>
+              <a:rPr/>
+              <a:t>90</a:t>
+            </a:r>
+            <a:r>
+              <a:rPr/>
+              <a:t> </a:t>
+            </a:r>
+            <a:r>
+              <a:rPr/>
+              <a:t>degrees</a:t>
+            </a:r>
+            <a:r>
+              <a:rPr/>
+              <a:t> </a:t>
+            </a:r>
+            <a:r>
+              <a:rPr/>
+              <a:t>to</a:t>
+            </a:r>
+            <a:r>
+              <a:rPr/>
+              <a:t> </a:t>
+            </a:r>
+            <a:r>
+              <a:rPr/>
+              <a:t>make</a:t>
+            </a:r>
+            <a:r>
+              <a:rPr/>
+              <a:t> </a:t>
+            </a:r>
+            <a:r>
+              <a:rPr/>
+              <a:t>it</a:t>
+            </a:r>
+            <a:r>
+              <a:rPr/>
+              <a:t> </a:t>
+            </a:r>
+            <a:r>
+              <a:rPr/>
+              <a:t>fit</a:t>
+            </a:r>
+            <a:r>
+              <a:rPr/>
+              <a:t> </a:t>
+            </a:r>
+            <a:r>
+              <a:rPr/>
+              <a:t>better.</a:t>
+            </a:r>
+            <a:r>
+              <a:rPr/>
+              <a:t> </a:t>
+            </a:r>
+            <a:r>
+              <a:rPr/>
+              <a:t>But</a:t>
+            </a:r>
+            <a:r>
+              <a:rPr/>
+              <a:t> </a:t>
+            </a:r>
+            <a:r>
+              <a:rPr/>
+              <a:t>it</a:t>
+            </a:r>
+            <a:r>
+              <a:rPr/>
+              <a:t> </a:t>
+            </a:r>
+            <a:r>
+              <a:rPr/>
+              <a:t>is</a:t>
+            </a:r>
+            <a:r>
+              <a:rPr/>
+              <a:t> </a:t>
+            </a:r>
+            <a:r>
+              <a:rPr/>
+              <a:t>harder</a:t>
+            </a:r>
+            <a:r>
+              <a:rPr/>
+              <a:t> </a:t>
+            </a:r>
+            <a:r>
+              <a:rPr/>
+              <a:t>to</a:t>
+            </a:r>
+            <a:r>
+              <a:rPr/>
+              <a:t> </a:t>
+            </a:r>
+            <a:r>
+              <a:rPr/>
+              <a:t>read</a:t>
+            </a:r>
+            <a:r>
+              <a:rPr/>
+              <a:t> </a:t>
+            </a:r>
+            <a:r>
+              <a:rPr/>
+              <a:t>text</a:t>
+            </a:r>
+            <a:r>
+              <a:rPr/>
+              <a:t> </a:t>
+            </a:r>
+            <a:r>
+              <a:rPr/>
+              <a:t>that</a:t>
+            </a:r>
+            <a:r>
+              <a:rPr/>
+              <a:t> </a:t>
+            </a:r>
+            <a:r>
+              <a:rPr/>
+              <a:t>is</a:t>
+            </a:r>
+            <a:r>
+              <a:rPr/>
+              <a:t> </a:t>
+            </a:r>
+            <a:r>
+              <a:rPr/>
+              <a:t>turned</a:t>
+            </a:r>
+            <a:r>
+              <a:rPr/>
+              <a:t> </a:t>
+            </a:r>
+            <a:r>
+              <a:rPr/>
+              <a:t>90</a:t>
+            </a:r>
+            <a:r>
+              <a:rPr/>
+              <a:t> </a:t>
+            </a:r>
+            <a:r>
+              <a:rPr/>
+              <a:t>degrees.</a:t>
+            </a:r>
+          </a:p>
+        </p:txBody>
+      </p:sp>
+      <p:sp>
+        <p:nvSpPr>
+          <p:cNvPr id="4" name="Slide Number Placeholder 3"/>
+          <p:cNvSpPr>
+            <a:spLocks noGrp="1"/>
+          </p:cNvSpPr>
+          <p:nvPr>
+            <p:ph type="sldNum" sz="quarter" idx="10"/>
+          </p:nvPr>
+        </p:nvSpPr>
+        <p:spPr/>
+        <p:txBody>
+          <a:bodyPr/>
+          <a:lstStyle/>
+          <a:p>
+            <a:fld id="{18BDFEC3-8487-43E8-A154-7C12CBC1FFF2}" type="slidenum">
+              <a:rPr lang="en-US"/>
+              <a:t>6</a:t>
+            </a:fld>
+            <a:endParaRPr lang="en-US"/>
+          </a:p>
+        </p:txBody>
+      </p:sp>
+    </p:spTree>
+  </p:cSld>
+</p:notes>
+</file>
+
+<file path=ppt/notesSlides/notesSlide6.xml><?xml version="1.0" encoding="utf-8"?>
+<p:notes xmlns:a="http://schemas.openxmlformats.org/drawingml/2006/main" xmlns:r="http://schemas.openxmlformats.org/officeDocument/2006/relationships" xmlns:p="http://schemas.openxmlformats.org/presentationml/2006/main">
+  <p:cSld>
+    <p:spTree>
+      <p:nvGrpSpPr>
+        <p:cNvPr id="1" name=""/>
+        <p:cNvGrpSpPr/>
+        <p:nvPr/>
+      </p:nvGrpSpPr>
+      <p:grpSpPr>
+        <a:xfrm>
+          <a:off x="0" y="0"/>
+          <a:ext cx="0" cy="0"/>
+          <a:chOff x="0" y="0"/>
+          <a:chExt cx="0" cy="0"/>
+        </a:xfrm>
+      </p:grpSpPr>
+      <p:sp>
+        <p:nvSpPr>
+          <p:cNvPr id="2" name="Slide Image Placeholder 1"/>
+          <p:cNvSpPr>
+            <a:spLocks noGrp="1" noRot="1" noChangeAspect="1"/>
+          </p:cNvSpPr>
+          <p:nvPr>
+            <p:ph type="sldImg"/>
+          </p:nvPr>
+        </p:nvSpPr>
+        <p:spPr/>
+      </p:sp>
+      <p:sp>
+        <p:nvSpPr>
+          <p:cNvPr id="3" name="Notes Placeholder 2"/>
+          <p:cNvSpPr>
+            <a:spLocks noGrp="1"/>
+          </p:cNvSpPr>
+          <p:nvPr>
+            <p:ph type="body" idx="1"/>
+          </p:nvPr>
+        </p:nvSpPr>
+        <p:spPr/>
+        <p:txBody>
+          <a:bodyPr/>
+          <a:lstStyle/>
+          <a:p>
+            <a:pPr lvl="0" marL="0" indent="0">
+              <a:buNone/>
+            </a:pPr>
+            <a:r>
+              <a:rPr/>
+              <a:t>Labels</a:t>
+            </a:r>
+            <a:r>
+              <a:rPr/>
+              <a:t> </a:t>
+            </a:r>
+            <a:r>
+              <a:rPr/>
+              <a:t>often</a:t>
+            </a:r>
+            <a:r>
+              <a:rPr/>
+              <a:t> </a:t>
+            </a:r>
+            <a:r>
+              <a:rPr/>
+              <a:t>fit</a:t>
+            </a:r>
+            <a:r>
+              <a:rPr/>
+              <a:t> </a:t>
+            </a:r>
+            <a:r>
+              <a:rPr/>
+              <a:t>better</a:t>
+            </a:r>
+            <a:r>
+              <a:rPr/>
+              <a:t> </a:t>
+            </a:r>
+            <a:r>
+              <a:rPr/>
+              <a:t>on</a:t>
+            </a:r>
+            <a:r>
+              <a:rPr/>
+              <a:t> </a:t>
+            </a:r>
+            <a:r>
+              <a:rPr/>
+              <a:t>a</a:t>
+            </a:r>
+            <a:r>
+              <a:rPr/>
+              <a:t> </a:t>
+            </a:r>
+            <a:r>
+              <a:rPr/>
+              <a:t>vertical</a:t>
+            </a:r>
+            <a:r>
+              <a:rPr/>
+              <a:t> </a:t>
+            </a:r>
+            <a:r>
+              <a:rPr/>
+              <a:t>bar</a:t>
+            </a:r>
+            <a:r>
+              <a:rPr/>
+              <a:t> </a:t>
+            </a:r>
+            <a:r>
+              <a:rPr/>
+              <a:t>chart.</a:t>
+            </a:r>
+          </a:p>
+        </p:txBody>
+      </p:sp>
+      <p:sp>
+        <p:nvSpPr>
+          <p:cNvPr id="4" name="Slide Number Placeholder 3"/>
+          <p:cNvSpPr>
+            <a:spLocks noGrp="1"/>
+          </p:cNvSpPr>
+          <p:nvPr>
+            <p:ph type="sldNum" sz="quarter" idx="10"/>
+          </p:nvPr>
+        </p:nvSpPr>
+        <p:spPr/>
+        <p:txBody>
+          <a:bodyPr/>
+          <a:lstStyle/>
+          <a:p>
+            <a:fld id="{18BDFEC3-8487-43E8-A154-7C12CBC1FFF2}" type="slidenum">
+              <a:rPr lang="en-US"/>
+              <a:t>7</a:t>
             </a:fld>
             <a:endParaRPr lang="en-US"/>
           </a:p>
@@ -7162,14 +7682,35 @@
             <a:pPr lvl="1"/>
             <a:r>
               <a:rPr/>
-              <a:t>Axis labels often fit better on vertical location</a:t>
+              <a:t>Axis labels often fit better next to horizontal bars</a:t>
             </a:r>
           </a:p>
           <a:p>
             <a:pPr lvl="1"/>
             <a:r>
               <a:rPr/>
-              <a:t>Cannot vary both X and Y</a:t>
+              <a:t>Bar charts with many bars</a:t>
+            </a:r>
+          </a:p>
+          <a:p>
+            <a:pPr lvl="2"/>
+            <a:r>
+              <a:rPr/>
+              <a:t>Vertical bars allow more room</a:t>
+            </a:r>
+          </a:p>
+          <a:p>
+            <a:pPr lvl="2"/>
+            <a:r>
+              <a:rPr/>
+              <a:t>Beware of rounding artefacts</a:t>
+            </a:r>
+          </a:p>
+          <a:p>
+            <a:pPr lvl="1"/>
+            <a:r>
+              <a:rPr/>
+              <a:t>Do not cut off bar charts at the knees</a:t>
             </a:r>
           </a:p>
         </p:txBody>
@@ -7232,38 +7773,46 @@
             </a:r>
             <a:r>
               <a:rPr/>
-              <a:t>Turn</a:t>
-            </a:r>
-            <a:r>
-              <a:rPr/>
-              <a:t> </a:t>
-            </a:r>
-            <a:r>
-              <a:rPr/>
-              <a:t>the</a:t>
-            </a:r>
-            <a:r>
-              <a:rPr/>
-              <a:t> </a:t>
-            </a:r>
-            <a:r>
-              <a:rPr/>
-              <a:t>chart</a:t>
-            </a:r>
-            <a:r>
-              <a:rPr/>
-              <a:t> </a:t>
-            </a:r>
-            <a:r>
-              <a:rPr/>
-              <a:t>sideways</a:t>
+              <a:t>Labels</a:t>
+            </a:r>
+            <a:r>
+              <a:rPr/>
+              <a:t> </a:t>
+            </a:r>
+            <a:r>
+              <a:rPr/>
+              <a:t>on</a:t>
+            </a:r>
+            <a:r>
+              <a:rPr/>
+              <a:t> </a:t>
+            </a:r>
+            <a:r>
+              <a:rPr/>
+              <a:t>a</a:t>
+            </a:r>
+            <a:r>
+              <a:rPr/>
+              <a:t> </a:t>
+            </a:r>
+            <a:r>
+              <a:rPr/>
+              <a:t>barchart</a:t>
+            </a:r>
+            <a:r>
+              <a:rPr/>
+              <a:t> </a:t>
+            </a:r>
+            <a:r>
+              <a:rPr/>
+              <a:t>(1/3)</a:t>
             </a:r>
           </a:p>
         </p:txBody>
       </p:sp>
       <p:pic>
         <p:nvPicPr>
-          <p:cNvPr descr="../images/r/location-vertical.png" id="0" name="Picture 1"/>
+          <p:cNvPr descr="../images/r/location-vertical-1.png" id="0" name="Picture 1"/>
           <p:cNvPicPr>
             <a:picLocks noGrp="1" noChangeAspect="1"/>
           </p:cNvPicPr>
@@ -7291,6 +7840,420 @@
           </a:ln>
         </p:spPr>
       </p:pic>
+    </p:spTree>
+  </p:cSld>
+</p:sld>
+</file>
+
+<file path=ppt/slides/slide6.xml><?xml version="1.0" encoding="utf-8"?>
+<p:sld xmlns:a="http://schemas.openxmlformats.org/drawingml/2006/main" xmlns:r="http://schemas.openxmlformats.org/officeDocument/2006/relationships" xmlns:p="http://schemas.openxmlformats.org/presentationml/2006/main">
+  <p:cSld>
+    <p:spTree>
+      <p:nvGrpSpPr>
+        <p:cNvPr id="1" name=""/>
+        <p:cNvGrpSpPr/>
+        <p:nvPr/>
+      </p:nvGrpSpPr>
+      <p:grpSpPr>
+        <a:xfrm>
+          <a:off x="0" y="0"/>
+          <a:ext cx="0" cy="0"/>
+          <a:chOff x="0" y="0"/>
+          <a:chExt cx="0" cy="0"/>
+        </a:xfrm>
+      </p:grpSpPr>
+      <p:sp>
+        <p:nvSpPr>
+          <p:cNvPr id="2" name="Title 1"/>
+          <p:cNvSpPr>
+            <a:spLocks noGrp="1"/>
+          </p:cNvSpPr>
+          <p:nvPr>
+            <p:ph type="title"/>
+          </p:nvPr>
+        </p:nvSpPr>
+        <p:spPr/>
+        <p:txBody>
+          <a:bodyPr/>
+          <a:lstStyle/>
+          <a:p>
+            <a:pPr lvl="0" marL="0" indent="0">
+              <a:buNone/>
+            </a:pPr>
+            <a:r>
+              <a:rPr/>
+              <a:t>Barchart</a:t>
+            </a:r>
+            <a:r>
+              <a:rPr/>
+              <a:t> </a:t>
+            </a:r>
+            <a:r>
+              <a:rPr/>
+              <a:t>recommendations,</a:t>
+            </a:r>
+            <a:r>
+              <a:rPr/>
+              <a:t> </a:t>
+            </a:r>
+            <a:r>
+              <a:rPr/>
+              <a:t>Labels</a:t>
+            </a:r>
+            <a:r>
+              <a:rPr/>
+              <a:t> </a:t>
+            </a:r>
+            <a:r>
+              <a:rPr/>
+              <a:t>on</a:t>
+            </a:r>
+            <a:r>
+              <a:rPr/>
+              <a:t> </a:t>
+            </a:r>
+            <a:r>
+              <a:rPr/>
+              <a:t>a</a:t>
+            </a:r>
+            <a:r>
+              <a:rPr/>
+              <a:t> </a:t>
+            </a:r>
+            <a:r>
+              <a:rPr/>
+              <a:t>barchart</a:t>
+            </a:r>
+            <a:r>
+              <a:rPr/>
+              <a:t> </a:t>
+            </a:r>
+            <a:r>
+              <a:rPr/>
+              <a:t>(2/3)</a:t>
+            </a:r>
+          </a:p>
+        </p:txBody>
+      </p:sp>
+      <p:pic>
+        <p:nvPicPr>
+          <p:cNvPr descr="../images/r/location-vertical-2.png" id="0" name="Picture 1"/>
+          <p:cNvPicPr>
+            <a:picLocks noGrp="1" noChangeAspect="1"/>
+          </p:cNvPicPr>
+          <p:nvPr/>
+        </p:nvPicPr>
+        <p:blipFill>
+          <a:blip r:embed="rId3"/>
+          <a:stretch>
+            <a:fillRect/>
+          </a:stretch>
+        </p:blipFill>
+        <p:spPr bwMode="auto">
+          <a:xfrm>
+            <a:off x="2311400" y="1600200"/>
+            <a:ext cx="4521200" cy="4521200"/>
+          </a:xfrm>
+          <a:prstGeom prst="rect">
+            <a:avLst/>
+          </a:prstGeom>
+          <a:noFill/>
+          <a:ln w="9525">
+            <a:noFill/>
+            <a:headEnd/>
+            <a:tailEnd/>
+          </a:ln>
+        </p:spPr>
+      </p:pic>
+    </p:spTree>
+  </p:cSld>
+</p:sld>
+</file>
+
+<file path=ppt/slides/slide7.xml><?xml version="1.0" encoding="utf-8"?>
+<p:sld xmlns:a="http://schemas.openxmlformats.org/drawingml/2006/main" xmlns:r="http://schemas.openxmlformats.org/officeDocument/2006/relationships" xmlns:p="http://schemas.openxmlformats.org/presentationml/2006/main">
+  <p:cSld>
+    <p:spTree>
+      <p:nvGrpSpPr>
+        <p:cNvPr id="1" name=""/>
+        <p:cNvGrpSpPr/>
+        <p:nvPr/>
+      </p:nvGrpSpPr>
+      <p:grpSpPr>
+        <a:xfrm>
+          <a:off x="0" y="0"/>
+          <a:ext cx="0" cy="0"/>
+          <a:chOff x="0" y="0"/>
+          <a:chExt cx="0" cy="0"/>
+        </a:xfrm>
+      </p:grpSpPr>
+      <p:sp>
+        <p:nvSpPr>
+          <p:cNvPr id="2" name="Title 1"/>
+          <p:cNvSpPr>
+            <a:spLocks noGrp="1"/>
+          </p:cNvSpPr>
+          <p:nvPr>
+            <p:ph type="title"/>
+          </p:nvPr>
+        </p:nvSpPr>
+        <p:spPr/>
+        <p:txBody>
+          <a:bodyPr/>
+          <a:lstStyle/>
+          <a:p>
+            <a:pPr lvl="0" marL="0" indent="0">
+              <a:buNone/>
+            </a:pPr>
+            <a:r>
+              <a:rPr/>
+              <a:t>Barchart</a:t>
+            </a:r>
+            <a:r>
+              <a:rPr/>
+              <a:t> </a:t>
+            </a:r>
+            <a:r>
+              <a:rPr/>
+              <a:t>recommendations,</a:t>
+            </a:r>
+            <a:r>
+              <a:rPr/>
+              <a:t> </a:t>
+            </a:r>
+            <a:r>
+              <a:rPr/>
+              <a:t>Labels</a:t>
+            </a:r>
+            <a:r>
+              <a:rPr/>
+              <a:t> </a:t>
+            </a:r>
+            <a:r>
+              <a:rPr/>
+              <a:t>on</a:t>
+            </a:r>
+            <a:r>
+              <a:rPr/>
+              <a:t> </a:t>
+            </a:r>
+            <a:r>
+              <a:rPr/>
+              <a:t>a</a:t>
+            </a:r>
+            <a:r>
+              <a:rPr/>
+              <a:t> </a:t>
+            </a:r>
+            <a:r>
+              <a:rPr/>
+              <a:t>barchart</a:t>
+            </a:r>
+            <a:r>
+              <a:rPr/>
+              <a:t> </a:t>
+            </a:r>
+            <a:r>
+              <a:rPr/>
+              <a:t>(3/3)</a:t>
+            </a:r>
+          </a:p>
+        </p:txBody>
+      </p:sp>
+      <p:pic>
+        <p:nvPicPr>
+          <p:cNvPr descr="../images/r/location-horizontal.png" id="0" name="Picture 1"/>
+          <p:cNvPicPr>
+            <a:picLocks noGrp="1" noChangeAspect="1"/>
+          </p:cNvPicPr>
+          <p:nvPr/>
+        </p:nvPicPr>
+        <p:blipFill>
+          <a:blip r:embed="rId3"/>
+          <a:stretch>
+            <a:fillRect/>
+          </a:stretch>
+        </p:blipFill>
+        <p:spPr bwMode="auto">
+          <a:xfrm>
+            <a:off x="2311400" y="1600200"/>
+            <a:ext cx="4521200" cy="4521200"/>
+          </a:xfrm>
+          <a:prstGeom prst="rect">
+            <a:avLst/>
+          </a:prstGeom>
+          <a:noFill/>
+          <a:ln w="9525">
+            <a:noFill/>
+            <a:headEnd/>
+            <a:tailEnd/>
+          </a:ln>
+        </p:spPr>
+      </p:pic>
+    </p:spTree>
+  </p:cSld>
+</p:sld>
+</file>
+
+<file path=ppt/slides/slide8.xml><?xml version="1.0" encoding="utf-8"?>
+<p:sld xmlns:a="http://schemas.openxmlformats.org/drawingml/2006/main" xmlns:r="http://schemas.openxmlformats.org/officeDocument/2006/relationships" xmlns:p="http://schemas.openxmlformats.org/presentationml/2006/main">
+  <p:cSld>
+    <p:spTree>
+      <p:nvGrpSpPr>
+        <p:cNvPr id="1" name=""/>
+        <p:cNvGrpSpPr/>
+        <p:nvPr/>
+      </p:nvGrpSpPr>
+      <p:grpSpPr>
+        <a:xfrm>
+          <a:off x="0" y="0"/>
+          <a:ext cx="0" cy="0"/>
+          <a:chOff x="0" y="0"/>
+          <a:chExt cx="0" cy="0"/>
+        </a:xfrm>
+      </p:grpSpPr>
+      <p:sp>
+        <p:nvSpPr>
+          <p:cNvPr id="2" name="Title 1"/>
+          <p:cNvSpPr>
+            <a:spLocks noGrp="1"/>
+          </p:cNvSpPr>
+          <p:nvPr>
+            <p:ph type="title"/>
+          </p:nvPr>
+        </p:nvSpPr>
+        <p:spPr/>
+        <p:txBody>
+          <a:bodyPr/>
+          <a:lstStyle/>
+          <a:p>
+            <a:pPr lvl="0" marL="0" indent="0">
+              <a:buNone/>
+            </a:pPr>
+            <a:r>
+              <a:rPr/>
+              <a:t>Barchart</a:t>
+            </a:r>
+            <a:r>
+              <a:rPr/>
+              <a:t> </a:t>
+            </a:r>
+            <a:r>
+              <a:rPr/>
+              <a:t>recommendations,</a:t>
+            </a:r>
+            <a:r>
+              <a:rPr/>
+              <a:t> </a:t>
+            </a:r>
+            <a:r>
+              <a:rPr/>
+              <a:t>Watch</a:t>
+            </a:r>
+            <a:r>
+              <a:rPr/>
+              <a:t> </a:t>
+            </a:r>
+            <a:r>
+              <a:rPr/>
+              <a:t>for</a:t>
+            </a:r>
+            <a:r>
+              <a:rPr/>
+              <a:t> </a:t>
+            </a:r>
+            <a:r>
+              <a:rPr/>
+              <a:t>rounding</a:t>
+            </a:r>
+            <a:r>
+              <a:rPr/>
+              <a:t> </a:t>
+            </a:r>
+            <a:r>
+              <a:rPr/>
+              <a:t>artefacts</a:t>
+            </a:r>
+          </a:p>
+        </p:txBody>
+      </p:sp>
+      <p:pic>
+        <p:nvPicPr>
+          <p:cNvPr descr="../images/r/rounding-artefacts.png" id="0" name="Picture 1"/>
+          <p:cNvPicPr>
+            <a:picLocks noGrp="1" noChangeAspect="1"/>
+          </p:cNvPicPr>
+          <p:nvPr/>
+        </p:nvPicPr>
+        <p:blipFill>
+          <a:blip r:embed="rId2"/>
+          <a:stretch>
+            <a:fillRect/>
+          </a:stretch>
+        </p:blipFill>
+        <p:spPr bwMode="auto">
+          <a:xfrm>
+            <a:off x="2311400" y="1600200"/>
+            <a:ext cx="4521200" cy="4521200"/>
+          </a:xfrm>
+          <a:prstGeom prst="rect">
+            <a:avLst/>
+          </a:prstGeom>
+          <a:noFill/>
+          <a:ln w="9525">
+            <a:noFill/>
+            <a:headEnd/>
+            <a:tailEnd/>
+          </a:ln>
+        </p:spPr>
+      </p:pic>
+    </p:spTree>
+  </p:cSld>
+</p:sld>
+</file>
+
+<file path=ppt/slides/slide9.xml><?xml version="1.0" encoding="utf-8"?>
+<p:sld xmlns:a="http://schemas.openxmlformats.org/drawingml/2006/main" xmlns:r="http://schemas.openxmlformats.org/officeDocument/2006/relationships" xmlns:p="http://schemas.openxmlformats.org/presentationml/2006/main">
+  <p:cSld>
+    <p:spTree>
+      <p:nvGrpSpPr>
+        <p:cNvPr id="1" name=""/>
+        <p:cNvGrpSpPr/>
+        <p:nvPr/>
+      </p:nvGrpSpPr>
+      <p:grpSpPr>
+        <a:xfrm>
+          <a:off x="0" y="0"/>
+          <a:ext cx="0" cy="0"/>
+          <a:chOff x="0" y="0"/>
+          <a:chExt cx="0" cy="0"/>
+        </a:xfrm>
+      </p:grpSpPr>
+      <p:sp>
+        <p:nvSpPr>
+          <p:cNvPr id="3" name="Content Placeholder 2"/>
+          <p:cNvSpPr>
+            <a:spLocks noGrp="1"/>
+          </p:cNvSpPr>
+          <p:nvPr>
+            <p:ph idx="1"/>
+          </p:nvPr>
+        </p:nvSpPr>
+        <p:spPr/>
+        <p:txBody>
+          <a:bodyPr/>
+          <a:lstStyle/>
+          <a:p>
+            <a:pPr lvl="0" marL="0" indent="0">
+              <a:buNone/>
+            </a:pPr>
+            <a:r>
+              <a:rPr/>
+              <a:t>Here’s a barchart with 66 bars. I drew the image as 480 pixels by 480 pixels. After allowing for margins, it looks like there are about 340 pixels for the 66 bars. 66 does not divide evenly into 340. If you allocate 4 pixels per bar, that uses up 264 pixels, leaving you with 76 pixels to divide among the 65 gaps between the 66 bars. So some of the gaps will be one pixel wider than others. This doesn’t seem like a lot. What’s one extra pixel between friends? But at this scale, that means that some pixels are</a:t>
+            </a:r>
+          </a:p>
+        </p:txBody>
+      </p:sp>
     </p:spTree>
   </p:cSld>
 </p:sld>

--- a/data-viz-02/component/recommendations-barcharts.pptx
+++ b/data-viz-02/component/recommendations-barcharts.pptx
@@ -5,7 +5,7 @@
     <p:sldMasterId id="2147483648" r:id="rId1"/>
   </p:sldMasterIdLst>
   <p:notesMasterIdLst>
-    <p:NotesMasterId r:id="rId11"/>
+    <p:NotesMasterId r:id="rId16"/>
   </p:notesMasterIdLst>
   <p:sldIdLst>
     <p:sldId id="256" r:id="rId2"/>
@@ -17,6 +17,11 @@
     <p:sldId id="262" r:id="rId8"/>
     <p:sldId id="263" r:id="rId9"/>
     <p:sldId id="264" r:id="rId10"/>
+    <p:sldId id="265" r:id="rId11"/>
+    <p:sldId id="266" r:id="rId12"/>
+    <p:sldId id="267" r:id="rId13"/>
+    <p:sldId id="268" r:id="rId14"/>
+    <p:sldId id="269" r:id="rId15"/>
   </p:sldIdLst>
   <p:sldSz cx="9144000" cy="6858000" type="screen4x3"/>
   <p:notesSz cx="6858000" cy="9144000"/>
@@ -4022,6 +4027,1114 @@
             <a:fld id="{18BDFEC3-8487-43E8-A154-7C12CBC1FFF2}" type="slidenum">
               <a:rPr lang="en-US"/>
               <a:t>7</a:t>
+            </a:fld>
+            <a:endParaRPr lang="en-US"/>
+          </a:p>
+        </p:txBody>
+      </p:sp>
+    </p:spTree>
+  </p:cSld>
+</p:notes>
+</file>
+
+<file path=ppt/notesSlides/notesSlide7.xml><?xml version="1.0" encoding="utf-8"?>
+<p:notes xmlns:a="http://schemas.openxmlformats.org/drawingml/2006/main" xmlns:r="http://schemas.openxmlformats.org/officeDocument/2006/relationships" xmlns:p="http://schemas.openxmlformats.org/presentationml/2006/main">
+  <p:cSld>
+    <p:spTree>
+      <p:nvGrpSpPr>
+        <p:cNvPr id="1" name=""/>
+        <p:cNvGrpSpPr/>
+        <p:nvPr/>
+      </p:nvGrpSpPr>
+      <p:grpSpPr>
+        <a:xfrm>
+          <a:off x="0" y="0"/>
+          <a:ext cx="0" cy="0"/>
+          <a:chOff x="0" y="0"/>
+          <a:chExt cx="0" cy="0"/>
+        </a:xfrm>
+      </p:grpSpPr>
+      <p:sp>
+        <p:nvSpPr>
+          <p:cNvPr id="2" name="Slide Image Placeholder 1"/>
+          <p:cNvSpPr>
+            <a:spLocks noGrp="1" noRot="1" noChangeAspect="1"/>
+          </p:cNvSpPr>
+          <p:nvPr>
+            <p:ph type="sldImg"/>
+          </p:nvPr>
+        </p:nvSpPr>
+        <p:spPr/>
+      </p:sp>
+      <p:sp>
+        <p:nvSpPr>
+          <p:cNvPr id="3" name="Notes Placeholder 2"/>
+          <p:cNvSpPr>
+            <a:spLocks noGrp="1"/>
+          </p:cNvSpPr>
+          <p:nvPr>
+            <p:ph type="body" idx="1"/>
+          </p:nvPr>
+        </p:nvSpPr>
+        <p:spPr/>
+        <p:txBody>
+          <a:bodyPr/>
+          <a:lstStyle/>
+          <a:p>
+            <a:pPr lvl="0" marL="0" indent="0">
+              <a:buNone/>
+            </a:pPr>
+            <a:r>
+              <a:rPr/>
+              <a:t>Here’s</a:t>
+            </a:r>
+            <a:r>
+              <a:rPr/>
+              <a:t> </a:t>
+            </a:r>
+            <a:r>
+              <a:rPr/>
+              <a:t>a</a:t>
+            </a:r>
+            <a:r>
+              <a:rPr/>
+              <a:t> </a:t>
+            </a:r>
+            <a:r>
+              <a:rPr/>
+              <a:t>barchart</a:t>
+            </a:r>
+            <a:r>
+              <a:rPr/>
+              <a:t> </a:t>
+            </a:r>
+            <a:r>
+              <a:rPr/>
+              <a:t>with</a:t>
+            </a:r>
+            <a:r>
+              <a:rPr/>
+              <a:t> </a:t>
+            </a:r>
+            <a:r>
+              <a:rPr/>
+              <a:t>44</a:t>
+            </a:r>
+            <a:r>
+              <a:rPr/>
+              <a:t> </a:t>
+            </a:r>
+            <a:r>
+              <a:rPr/>
+              <a:t>bars.</a:t>
+            </a:r>
+            <a:r>
+              <a:rPr/>
+              <a:t> </a:t>
+            </a:r>
+            <a:r>
+              <a:rPr/>
+              <a:t>I</a:t>
+            </a:r>
+            <a:r>
+              <a:rPr/>
+              <a:t> </a:t>
+            </a:r>
+            <a:r>
+              <a:rPr/>
+              <a:t>drew</a:t>
+            </a:r>
+            <a:r>
+              <a:rPr/>
+              <a:t> </a:t>
+            </a:r>
+            <a:r>
+              <a:rPr/>
+              <a:t>the</a:t>
+            </a:r>
+            <a:r>
+              <a:rPr/>
+              <a:t> </a:t>
+            </a:r>
+            <a:r>
+              <a:rPr/>
+              <a:t>image</a:t>
+            </a:r>
+            <a:r>
+              <a:rPr/>
+              <a:t> </a:t>
+            </a:r>
+            <a:r>
+              <a:rPr/>
+              <a:t>as</a:t>
+            </a:r>
+            <a:r>
+              <a:rPr/>
+              <a:t> </a:t>
+            </a:r>
+            <a:r>
+              <a:rPr/>
+              <a:t>480</a:t>
+            </a:r>
+            <a:r>
+              <a:rPr/>
+              <a:t> </a:t>
+            </a:r>
+            <a:r>
+              <a:rPr/>
+              <a:t>pixels</a:t>
+            </a:r>
+            <a:r>
+              <a:rPr/>
+              <a:t> </a:t>
+            </a:r>
+            <a:r>
+              <a:rPr/>
+              <a:t>by</a:t>
+            </a:r>
+            <a:r>
+              <a:rPr/>
+              <a:t> </a:t>
+            </a:r>
+            <a:r>
+              <a:rPr/>
+              <a:t>480</a:t>
+            </a:r>
+            <a:r>
+              <a:rPr/>
+              <a:t> </a:t>
+            </a:r>
+            <a:r>
+              <a:rPr/>
+              <a:t>pixels.</a:t>
+            </a:r>
+            <a:r>
+              <a:rPr/>
+              <a:t> </a:t>
+            </a:r>
+            <a:r>
+              <a:rPr/>
+              <a:t>After</a:t>
+            </a:r>
+            <a:r>
+              <a:rPr/>
+              <a:t> </a:t>
+            </a:r>
+            <a:r>
+              <a:rPr/>
+              <a:t>allowing</a:t>
+            </a:r>
+            <a:r>
+              <a:rPr/>
+              <a:t> </a:t>
+            </a:r>
+            <a:r>
+              <a:rPr/>
+              <a:t>for</a:t>
+            </a:r>
+            <a:r>
+              <a:rPr/>
+              <a:t> </a:t>
+            </a:r>
+            <a:r>
+              <a:rPr/>
+              <a:t>margins,</a:t>
+            </a:r>
+            <a:r>
+              <a:rPr/>
+              <a:t> </a:t>
+            </a:r>
+            <a:r>
+              <a:rPr/>
+              <a:t>it</a:t>
+            </a:r>
+            <a:r>
+              <a:rPr/>
+              <a:t> </a:t>
+            </a:r>
+            <a:r>
+              <a:rPr/>
+              <a:t>looks</a:t>
+            </a:r>
+            <a:r>
+              <a:rPr/>
+              <a:t> </a:t>
+            </a:r>
+            <a:r>
+              <a:rPr/>
+              <a:t>like</a:t>
+            </a:r>
+            <a:r>
+              <a:rPr/>
+              <a:t> </a:t>
+            </a:r>
+            <a:r>
+              <a:rPr/>
+              <a:t>there</a:t>
+            </a:r>
+            <a:r>
+              <a:rPr/>
+              <a:t> </a:t>
+            </a:r>
+            <a:r>
+              <a:rPr/>
+              <a:t>are</a:t>
+            </a:r>
+            <a:r>
+              <a:rPr/>
+              <a:t> </a:t>
+            </a:r>
+            <a:r>
+              <a:rPr/>
+              <a:t>about</a:t>
+            </a:r>
+            <a:r>
+              <a:rPr/>
+              <a:t> </a:t>
+            </a:r>
+            <a:r>
+              <a:rPr/>
+              <a:t>340</a:t>
+            </a:r>
+            <a:r>
+              <a:rPr/>
+              <a:t> </a:t>
+            </a:r>
+            <a:r>
+              <a:rPr/>
+              <a:t>pixels</a:t>
+            </a:r>
+            <a:r>
+              <a:rPr/>
+              <a:t> </a:t>
+            </a:r>
+            <a:r>
+              <a:rPr/>
+              <a:t>for</a:t>
+            </a:r>
+            <a:r>
+              <a:rPr/>
+              <a:t> </a:t>
+            </a:r>
+            <a:r>
+              <a:rPr/>
+              <a:t>the</a:t>
+            </a:r>
+            <a:r>
+              <a:rPr/>
+              <a:t> </a:t>
+            </a:r>
+            <a:r>
+              <a:rPr/>
+              <a:t>66</a:t>
+            </a:r>
+            <a:r>
+              <a:rPr/>
+              <a:t> </a:t>
+            </a:r>
+            <a:r>
+              <a:rPr/>
+              <a:t>bars.</a:t>
+            </a:r>
+            <a:r>
+              <a:rPr/>
+              <a:t> </a:t>
+            </a:r>
+            <a:r>
+              <a:rPr/>
+              <a:t>44</a:t>
+            </a:r>
+            <a:r>
+              <a:rPr/>
+              <a:t> </a:t>
+            </a:r>
+            <a:r>
+              <a:rPr/>
+              <a:t>does</a:t>
+            </a:r>
+            <a:r>
+              <a:rPr/>
+              <a:t> </a:t>
+            </a:r>
+            <a:r>
+              <a:rPr/>
+              <a:t>not</a:t>
+            </a:r>
+            <a:r>
+              <a:rPr/>
+              <a:t> </a:t>
+            </a:r>
+            <a:r>
+              <a:rPr/>
+              <a:t>divide</a:t>
+            </a:r>
+            <a:r>
+              <a:rPr/>
+              <a:t> </a:t>
+            </a:r>
+            <a:r>
+              <a:rPr/>
+              <a:t>evenly</a:t>
+            </a:r>
+            <a:r>
+              <a:rPr/>
+              <a:t> </a:t>
+            </a:r>
+            <a:r>
+              <a:rPr/>
+              <a:t>into</a:t>
+            </a:r>
+            <a:r>
+              <a:rPr/>
+              <a:t> </a:t>
+            </a:r>
+            <a:r>
+              <a:rPr/>
+              <a:t>340.</a:t>
+            </a:r>
+            <a:r>
+              <a:rPr/>
+              <a:t> </a:t>
+            </a:r>
+            <a:r>
+              <a:rPr/>
+              <a:t>You</a:t>
+            </a:r>
+            <a:r>
+              <a:rPr/>
+              <a:t> </a:t>
+            </a:r>
+            <a:r>
+              <a:rPr/>
+              <a:t>get</a:t>
+            </a:r>
+            <a:r>
+              <a:rPr/>
+              <a:t> </a:t>
+            </a:r>
+            <a:r>
+              <a:rPr/>
+              <a:t>something</a:t>
+            </a:r>
+            <a:r>
+              <a:rPr/>
+              <a:t> </a:t>
+            </a:r>
+            <a:r>
+              <a:rPr/>
+              <a:t>like</a:t>
+            </a:r>
+            <a:r>
+              <a:rPr/>
+              <a:t> </a:t>
+            </a:r>
+            <a:r>
+              <a:rPr/>
+              <a:t>7.73.</a:t>
+            </a:r>
+            <a:r>
+              <a:rPr/>
+              <a:t> </a:t>
+            </a:r>
+            <a:r>
+              <a:rPr/>
+              <a:t>If</a:t>
+            </a:r>
+            <a:r>
+              <a:rPr/>
+              <a:t> </a:t>
+            </a:r>
+            <a:r>
+              <a:rPr/>
+              <a:t>you</a:t>
+            </a:r>
+            <a:r>
+              <a:rPr/>
+              <a:t> </a:t>
+            </a:r>
+            <a:r>
+              <a:rPr/>
+              <a:t>allocate</a:t>
+            </a:r>
+            <a:r>
+              <a:rPr/>
+              <a:t> </a:t>
+            </a:r>
+            <a:r>
+              <a:rPr/>
+              <a:t>7</a:t>
+            </a:r>
+            <a:r>
+              <a:rPr/>
+              <a:t> </a:t>
+            </a:r>
+            <a:r>
+              <a:rPr/>
+              <a:t>pixels</a:t>
+            </a:r>
+            <a:r>
+              <a:rPr/>
+              <a:t> </a:t>
+            </a:r>
+            <a:r>
+              <a:rPr/>
+              <a:t>per</a:t>
+            </a:r>
+            <a:r>
+              <a:rPr/>
+              <a:t> </a:t>
+            </a:r>
+            <a:r>
+              <a:rPr/>
+              <a:t>bar,</a:t>
+            </a:r>
+            <a:r>
+              <a:rPr/>
+              <a:t> </a:t>
+            </a:r>
+            <a:r>
+              <a:rPr/>
+              <a:t>that</a:t>
+            </a:r>
+            <a:r>
+              <a:rPr/>
+              <a:t> </a:t>
+            </a:r>
+            <a:r>
+              <a:rPr/>
+              <a:t>uses</a:t>
+            </a:r>
+            <a:r>
+              <a:rPr/>
+              <a:t> </a:t>
+            </a:r>
+            <a:r>
+              <a:rPr/>
+              <a:t>up</a:t>
+            </a:r>
+            <a:r>
+              <a:rPr/>
+              <a:t> </a:t>
+            </a:r>
+            <a:r>
+              <a:rPr/>
+              <a:t>308</a:t>
+            </a:r>
+            <a:r>
+              <a:rPr/>
+              <a:t> </a:t>
+            </a:r>
+            <a:r>
+              <a:rPr/>
+              <a:t>pixels,</a:t>
+            </a:r>
+            <a:r>
+              <a:rPr/>
+              <a:t> </a:t>
+            </a:r>
+            <a:r>
+              <a:rPr/>
+              <a:t>leaving</a:t>
+            </a:r>
+            <a:r>
+              <a:rPr/>
+              <a:t> </a:t>
+            </a:r>
+            <a:r>
+              <a:rPr/>
+              <a:t>you</a:t>
+            </a:r>
+            <a:r>
+              <a:rPr/>
+              <a:t> </a:t>
+            </a:r>
+            <a:r>
+              <a:rPr/>
+              <a:t>with</a:t>
+            </a:r>
+            <a:r>
+              <a:rPr/>
+              <a:t> </a:t>
+            </a:r>
+            <a:r>
+              <a:rPr/>
+              <a:t>32</a:t>
+            </a:r>
+            <a:r>
+              <a:rPr/>
+              <a:t> </a:t>
+            </a:r>
+            <a:r>
+              <a:rPr/>
+              <a:t>pixels</a:t>
+            </a:r>
+            <a:r>
+              <a:rPr/>
+              <a:t> </a:t>
+            </a:r>
+            <a:r>
+              <a:rPr/>
+              <a:t>to</a:t>
+            </a:r>
+            <a:r>
+              <a:rPr/>
+              <a:t> </a:t>
+            </a:r>
+            <a:r>
+              <a:rPr/>
+              <a:t>divide</a:t>
+            </a:r>
+            <a:r>
+              <a:rPr/>
+              <a:t> </a:t>
+            </a:r>
+            <a:r>
+              <a:rPr/>
+              <a:t>among</a:t>
+            </a:r>
+            <a:r>
+              <a:rPr/>
+              <a:t> </a:t>
+            </a:r>
+            <a:r>
+              <a:rPr/>
+              <a:t>the</a:t>
+            </a:r>
+            <a:r>
+              <a:rPr/>
+              <a:t> </a:t>
+            </a:r>
+            <a:r>
+              <a:rPr/>
+              <a:t>43</a:t>
+            </a:r>
+            <a:r>
+              <a:rPr/>
+              <a:t> </a:t>
+            </a:r>
+            <a:r>
+              <a:rPr/>
+              <a:t>gaps</a:t>
+            </a:r>
+            <a:r>
+              <a:rPr/>
+              <a:t> </a:t>
+            </a:r>
+            <a:r>
+              <a:rPr/>
+              <a:t>between</a:t>
+            </a:r>
+            <a:r>
+              <a:rPr/>
+              <a:t> </a:t>
+            </a:r>
+            <a:r>
+              <a:rPr/>
+              <a:t>the</a:t>
+            </a:r>
+            <a:r>
+              <a:rPr/>
+              <a:t> </a:t>
+            </a:r>
+            <a:r>
+              <a:rPr/>
+              <a:t>44</a:t>
+            </a:r>
+            <a:r>
+              <a:rPr/>
+              <a:t> </a:t>
+            </a:r>
+            <a:r>
+              <a:rPr/>
+              <a:t>bars.</a:t>
+            </a:r>
+            <a:r>
+              <a:rPr/>
+              <a:t> </a:t>
+            </a:r>
+            <a:r>
+              <a:rPr/>
+              <a:t>So</a:t>
+            </a:r>
+            <a:r>
+              <a:rPr/>
+              <a:t> </a:t>
+            </a:r>
+            <a:r>
+              <a:rPr/>
+              <a:t>some</a:t>
+            </a:r>
+            <a:r>
+              <a:rPr/>
+              <a:t> </a:t>
+            </a:r>
+            <a:r>
+              <a:rPr/>
+              <a:t>of</a:t>
+            </a:r>
+            <a:r>
+              <a:rPr/>
+              <a:t> </a:t>
+            </a:r>
+            <a:r>
+              <a:rPr/>
+              <a:t>the</a:t>
+            </a:r>
+            <a:r>
+              <a:rPr/>
+              <a:t> </a:t>
+            </a:r>
+            <a:r>
+              <a:rPr/>
+              <a:t>gaps</a:t>
+            </a:r>
+            <a:r>
+              <a:rPr/>
+              <a:t> </a:t>
+            </a:r>
+            <a:r>
+              <a:rPr/>
+              <a:t>will</a:t>
+            </a:r>
+            <a:r>
+              <a:rPr/>
+              <a:t> </a:t>
+            </a:r>
+            <a:r>
+              <a:rPr/>
+              <a:t>be</a:t>
+            </a:r>
+            <a:r>
+              <a:rPr/>
+              <a:t> </a:t>
+            </a:r>
+            <a:r>
+              <a:rPr/>
+              <a:t>one</a:t>
+            </a:r>
+            <a:r>
+              <a:rPr/>
+              <a:t> </a:t>
+            </a:r>
+            <a:r>
+              <a:rPr/>
+              <a:t>pixel</a:t>
+            </a:r>
+            <a:r>
+              <a:rPr/>
+              <a:t> </a:t>
+            </a:r>
+            <a:r>
+              <a:rPr/>
+              <a:t>wide</a:t>
+            </a:r>
+            <a:r>
+              <a:rPr/>
+              <a:t> </a:t>
+            </a:r>
+            <a:r>
+              <a:rPr/>
+              <a:t>and</a:t>
+            </a:r>
+            <a:r>
+              <a:rPr/>
+              <a:t> </a:t>
+            </a:r>
+            <a:r>
+              <a:rPr/>
+              <a:t>some</a:t>
+            </a:r>
+            <a:r>
+              <a:rPr/>
+              <a:t> </a:t>
+            </a:r>
+            <a:r>
+              <a:rPr/>
+              <a:t>will</a:t>
+            </a:r>
+            <a:r>
+              <a:rPr/>
+              <a:t> </a:t>
+            </a:r>
+            <a:r>
+              <a:rPr/>
+              <a:t>be</a:t>
+            </a:r>
+            <a:r>
+              <a:rPr/>
+              <a:t> </a:t>
+            </a:r>
+            <a:r>
+              <a:rPr/>
+              <a:t>zero</a:t>
+            </a:r>
+            <a:r>
+              <a:rPr/>
+              <a:t> </a:t>
+            </a:r>
+            <a:r>
+              <a:rPr/>
+              <a:t>pixels</a:t>
+            </a:r>
+            <a:r>
+              <a:rPr/>
+              <a:t> </a:t>
+            </a:r>
+            <a:r>
+              <a:rPr/>
+              <a:t>wide.</a:t>
+            </a:r>
+          </a:p>
+        </p:txBody>
+      </p:sp>
+      <p:sp>
+        <p:nvSpPr>
+          <p:cNvPr id="4" name="Slide Number Placeholder 3"/>
+          <p:cNvSpPr>
+            <a:spLocks noGrp="1"/>
+          </p:cNvSpPr>
+          <p:nvPr>
+            <p:ph type="sldNum" sz="quarter" idx="10"/>
+          </p:nvPr>
+        </p:nvSpPr>
+        <p:spPr/>
+        <p:txBody>
+          <a:bodyPr/>
+          <a:lstStyle/>
+          <a:p>
+            <a:fld id="{18BDFEC3-8487-43E8-A154-7C12CBC1FFF2}" type="slidenum">
+              <a:rPr lang="en-US"/>
+              <a:t>8</a:t>
+            </a:fld>
+            <a:endParaRPr lang="en-US"/>
+          </a:p>
+        </p:txBody>
+      </p:sp>
+    </p:spTree>
+  </p:cSld>
+</p:notes>
+</file>
+
+<file path=ppt/notesSlides/notesSlide8.xml><?xml version="1.0" encoding="utf-8"?>
+<p:notes xmlns:a="http://schemas.openxmlformats.org/drawingml/2006/main" xmlns:r="http://schemas.openxmlformats.org/officeDocument/2006/relationships" xmlns:p="http://schemas.openxmlformats.org/presentationml/2006/main">
+  <p:cSld>
+    <p:spTree>
+      <p:nvGrpSpPr>
+        <p:cNvPr id="1" name=""/>
+        <p:cNvGrpSpPr/>
+        <p:nvPr/>
+      </p:nvGrpSpPr>
+      <p:grpSpPr>
+        <a:xfrm>
+          <a:off x="0" y="0"/>
+          <a:ext cx="0" cy="0"/>
+          <a:chOff x="0" y="0"/>
+          <a:chExt cx="0" cy="0"/>
+        </a:xfrm>
+      </p:grpSpPr>
+      <p:sp>
+        <p:nvSpPr>
+          <p:cNvPr id="2" name="Slide Image Placeholder 1"/>
+          <p:cNvSpPr>
+            <a:spLocks noGrp="1" noRot="1" noChangeAspect="1"/>
+          </p:cNvSpPr>
+          <p:nvPr>
+            <p:ph type="sldImg"/>
+          </p:nvPr>
+        </p:nvSpPr>
+        <p:spPr/>
+      </p:sp>
+      <p:sp>
+        <p:nvSpPr>
+          <p:cNvPr id="3" name="Notes Placeholder 2"/>
+          <p:cNvSpPr>
+            <a:spLocks noGrp="1"/>
+          </p:cNvSpPr>
+          <p:nvPr>
+            <p:ph type="body" idx="1"/>
+          </p:nvPr>
+        </p:nvSpPr>
+        <p:spPr/>
+        <p:txBody>
+          <a:bodyPr/>
+          <a:lstStyle/>
+          <a:p>
+            <a:pPr lvl="0" marL="0" indent="0">
+              <a:buNone/>
+            </a:pPr>
+            <a:r>
+              <a:rPr/>
+              <a:t>If</a:t>
+            </a:r>
+            <a:r>
+              <a:rPr/>
+              <a:t> </a:t>
+            </a:r>
+            <a:r>
+              <a:rPr/>
+              <a:t>you</a:t>
+            </a:r>
+            <a:r>
+              <a:rPr/>
+              <a:t> </a:t>
+            </a:r>
+            <a:r>
+              <a:rPr/>
+              <a:t>sort</a:t>
+            </a:r>
+            <a:r>
+              <a:rPr/>
+              <a:t> </a:t>
+            </a:r>
+            <a:r>
+              <a:rPr/>
+              <a:t>the</a:t>
+            </a:r>
+            <a:r>
+              <a:rPr/>
+              <a:t> </a:t>
+            </a:r>
+            <a:r>
+              <a:rPr/>
+              <a:t>bars</a:t>
+            </a:r>
+            <a:r>
+              <a:rPr/>
+              <a:t> </a:t>
+            </a:r>
+            <a:r>
+              <a:rPr/>
+              <a:t>by</a:t>
+            </a:r>
+            <a:r>
+              <a:rPr/>
+              <a:t> </a:t>
+            </a:r>
+            <a:r>
+              <a:rPr/>
+              <a:t>size,</a:t>
+            </a:r>
+            <a:r>
+              <a:rPr/>
+              <a:t> </a:t>
+            </a:r>
+            <a:r>
+              <a:rPr/>
+              <a:t>then</a:t>
+            </a:r>
+            <a:r>
+              <a:rPr/>
+              <a:t> </a:t>
+            </a:r>
+            <a:r>
+              <a:rPr/>
+              <a:t>comparisons</a:t>
+            </a:r>
+            <a:r>
+              <a:rPr/>
+              <a:t> </a:t>
+            </a:r>
+            <a:r>
+              <a:rPr/>
+              <a:t>between</a:t>
+            </a:r>
+            <a:r>
+              <a:rPr/>
+              <a:t> </a:t>
+            </a:r>
+            <a:r>
+              <a:rPr/>
+              <a:t>bars</a:t>
+            </a:r>
+            <a:r>
+              <a:rPr/>
+              <a:t> </a:t>
+            </a:r>
+            <a:r>
+              <a:rPr/>
+              <a:t>of</a:t>
+            </a:r>
+            <a:r>
+              <a:rPr/>
+              <a:t> </a:t>
+            </a:r>
+            <a:r>
+              <a:rPr/>
+              <a:t>approximately</a:t>
+            </a:r>
+            <a:r>
+              <a:rPr/>
+              <a:t> </a:t>
+            </a:r>
+            <a:r>
+              <a:rPr/>
+              <a:t>the</a:t>
+            </a:r>
+            <a:r>
+              <a:rPr/>
+              <a:t> </a:t>
+            </a:r>
+            <a:r>
+              <a:rPr/>
+              <a:t>same</a:t>
+            </a:r>
+            <a:r>
+              <a:rPr/>
+              <a:t> </a:t>
+            </a:r>
+            <a:r>
+              <a:rPr/>
+              <a:t>size</a:t>
+            </a:r>
+            <a:r>
+              <a:rPr/>
+              <a:t> </a:t>
+            </a:r>
+            <a:r>
+              <a:rPr/>
+              <a:t>are</a:t>
+            </a:r>
+            <a:r>
+              <a:rPr/>
+              <a:t> </a:t>
+            </a:r>
+            <a:r>
+              <a:rPr/>
+              <a:t>comparisons</a:t>
+            </a:r>
+            <a:r>
+              <a:rPr/>
+              <a:t> </a:t>
+            </a:r>
+            <a:r>
+              <a:rPr/>
+              <a:t>that</a:t>
+            </a:r>
+            <a:r>
+              <a:rPr/>
+              <a:t> </a:t>
+            </a:r>
+            <a:r>
+              <a:rPr/>
+              <a:t>are</a:t>
+            </a:r>
+            <a:r>
+              <a:rPr/>
+              <a:t> </a:t>
+            </a:r>
+            <a:r>
+              <a:rPr/>
+              <a:t>side</a:t>
+            </a:r>
+            <a:r>
+              <a:rPr/>
+              <a:t> </a:t>
+            </a:r>
+            <a:r>
+              <a:rPr/>
+              <a:t>by</a:t>
+            </a:r>
+            <a:r>
+              <a:rPr/>
+              <a:t> </a:t>
+            </a:r>
+            <a:r>
+              <a:rPr/>
+              <a:t>side.</a:t>
+            </a:r>
+            <a:r>
+              <a:rPr/>
+              <a:t> </a:t>
+            </a:r>
+            <a:r>
+              <a:rPr/>
+              <a:t>This</a:t>
+            </a:r>
+            <a:r>
+              <a:rPr/>
+              <a:t> </a:t>
+            </a:r>
+            <a:r>
+              <a:rPr/>
+              <a:t>shortens</a:t>
+            </a:r>
+            <a:r>
+              <a:rPr/>
+              <a:t> </a:t>
+            </a:r>
+            <a:r>
+              <a:rPr/>
+              <a:t>the</a:t>
+            </a:r>
+            <a:r>
+              <a:rPr/>
+              <a:t> </a:t>
+            </a:r>
+            <a:r>
+              <a:rPr/>
+              <a:t>distance</a:t>
+            </a:r>
+            <a:r>
+              <a:rPr/>
+              <a:t> </a:t>
+            </a:r>
+            <a:r>
+              <a:rPr/>
+              <a:t>that</a:t>
+            </a:r>
+            <a:r>
+              <a:rPr/>
+              <a:t> </a:t>
+            </a:r>
+            <a:r>
+              <a:rPr/>
+              <a:t>you</a:t>
+            </a:r>
+            <a:r>
+              <a:rPr/>
+              <a:t> </a:t>
+            </a:r>
+            <a:r>
+              <a:rPr/>
+              <a:t>have</a:t>
+            </a:r>
+            <a:r>
+              <a:rPr/>
+              <a:t> </a:t>
+            </a:r>
+            <a:r>
+              <a:rPr/>
+              <a:t>to</a:t>
+            </a:r>
+            <a:r>
+              <a:rPr/>
+              <a:t> </a:t>
+            </a:r>
+            <a:r>
+              <a:rPr/>
+              <a:t>project.</a:t>
+            </a:r>
+          </a:p>
+        </p:txBody>
+      </p:sp>
+      <p:sp>
+        <p:nvSpPr>
+          <p:cNvPr id="4" name="Slide Number Placeholder 3"/>
+          <p:cNvSpPr>
+            <a:spLocks noGrp="1"/>
+          </p:cNvSpPr>
+          <p:nvPr>
+            <p:ph type="sldNum" sz="quarter" idx="10"/>
+          </p:nvPr>
+        </p:nvSpPr>
+        <p:spPr/>
+        <p:txBody>
+          <a:bodyPr/>
+          <a:lstStyle/>
+          <a:p>
+            <a:fld id="{18BDFEC3-8487-43E8-A154-7C12CBC1FFF2}" type="slidenum">
+              <a:rPr lang="en-US"/>
+              <a:t>9</a:t>
             </a:fld>
             <a:endParaRPr lang="en-US"/>
           </a:p>
@@ -7136,6 +8249,393 @@
 </p:sld>
 </file>
 
+<file path=ppt/slides/slide10.xml><?xml version="1.0" encoding="utf-8"?>
+<p:sld xmlns:a="http://schemas.openxmlformats.org/drawingml/2006/main" xmlns:r="http://schemas.openxmlformats.org/officeDocument/2006/relationships" xmlns:p="http://schemas.openxmlformats.org/presentationml/2006/main">
+  <p:cSld>
+    <p:spTree>
+      <p:nvGrpSpPr>
+        <p:cNvPr id="1" name=""/>
+        <p:cNvGrpSpPr/>
+        <p:nvPr/>
+      </p:nvGrpSpPr>
+      <p:grpSpPr>
+        <a:xfrm>
+          <a:off x="0" y="0"/>
+          <a:ext cx="0" cy="0"/>
+          <a:chOff x="0" y="0"/>
+          <a:chExt cx="0" cy="0"/>
+        </a:xfrm>
+      </p:grpSpPr>
+      <p:sp>
+        <p:nvSpPr>
+          <p:cNvPr id="2" name="Title 1"/>
+          <p:cNvSpPr>
+            <a:spLocks noGrp="1"/>
+          </p:cNvSpPr>
+          <p:nvPr>
+            <p:ph type="title"/>
+          </p:nvPr>
+        </p:nvSpPr>
+        <p:spPr/>
+        <p:txBody>
+          <a:bodyPr/>
+          <a:lstStyle/>
+          <a:p>
+            <a:pPr lvl="0" marL="0" indent="0">
+              <a:buNone/>
+            </a:pPr>
+            <a:r>
+              <a:rPr/>
+              <a:t>Which</a:t>
+            </a:r>
+            <a:r>
+              <a:rPr/>
+              <a:t> </a:t>
+            </a:r>
+            <a:r>
+              <a:rPr/>
+              <a:t>percentage</a:t>
+            </a:r>
+          </a:p>
+        </p:txBody>
+      </p:sp>
+      <p:pic>
+        <p:nvPicPr>
+          <p:cNvPr descr="../images/external/happiness-counts.gif" id="0" name="Picture 1"/>
+          <p:cNvPicPr>
+            <a:picLocks noGrp="1" noChangeAspect="1"/>
+          </p:cNvPicPr>
+          <p:nvPr/>
+        </p:nvPicPr>
+        <p:blipFill>
+          <a:blip r:embed="rId2"/>
+          <a:stretch>
+            <a:fillRect/>
+          </a:stretch>
+        </p:blipFill>
+        <p:spPr bwMode="auto">
+          <a:xfrm>
+            <a:off x="457200" y="1752600"/>
+            <a:ext cx="8229600" cy="4216400"/>
+          </a:xfrm>
+          <a:prstGeom prst="rect">
+            <a:avLst/>
+          </a:prstGeom>
+          <a:noFill/>
+          <a:ln w="9525">
+            <a:noFill/>
+            <a:headEnd/>
+            <a:tailEnd/>
+          </a:ln>
+        </p:spPr>
+      </p:pic>
+    </p:spTree>
+  </p:cSld>
+</p:sld>
+</file>
+
+<file path=ppt/slides/slide11.xml><?xml version="1.0" encoding="utf-8"?>
+<p:sld xmlns:a="http://schemas.openxmlformats.org/drawingml/2006/main" xmlns:r="http://schemas.openxmlformats.org/officeDocument/2006/relationships" xmlns:p="http://schemas.openxmlformats.org/presentationml/2006/main">
+  <p:cSld>
+    <p:spTree>
+      <p:nvGrpSpPr>
+        <p:cNvPr id="1" name=""/>
+        <p:cNvGrpSpPr/>
+        <p:nvPr/>
+      </p:nvGrpSpPr>
+      <p:grpSpPr>
+        <a:xfrm>
+          <a:off x="0" y="0"/>
+          <a:ext cx="0" cy="0"/>
+          <a:chOff x="0" y="0"/>
+          <a:chExt cx="0" cy="0"/>
+        </a:xfrm>
+      </p:grpSpPr>
+      <p:sp>
+        <p:nvSpPr>
+          <p:cNvPr id="2" name="Title 1"/>
+          <p:cNvSpPr>
+            <a:spLocks noGrp="1"/>
+          </p:cNvSpPr>
+          <p:nvPr>
+            <p:ph type="title"/>
+          </p:nvPr>
+        </p:nvSpPr>
+        <p:spPr/>
+        <p:txBody>
+          <a:bodyPr/>
+          <a:lstStyle/>
+          <a:p>
+            <a:pPr lvl="0" marL="0" indent="0">
+              <a:buNone/>
+            </a:pPr>
+            <a:r>
+              <a:rPr/>
+              <a:t>Data</a:t>
+            </a:r>
+          </a:p>
+        </p:txBody>
+      </p:sp>
+    </p:spTree>
+  </p:cSld>
+</p:sld>
+</file>
+
+<file path=ppt/slides/slide12.xml><?xml version="1.0" encoding="utf-8"?>
+<p:sld xmlns:a="http://schemas.openxmlformats.org/drawingml/2006/main" xmlns:r="http://schemas.openxmlformats.org/officeDocument/2006/relationships" xmlns:p="http://schemas.openxmlformats.org/presentationml/2006/main">
+  <p:cSld>
+    <p:spTree>
+      <p:nvGrpSpPr>
+        <p:cNvPr id="1" name=""/>
+        <p:cNvGrpSpPr/>
+        <p:nvPr/>
+      </p:nvGrpSpPr>
+      <p:grpSpPr>
+        <a:xfrm>
+          <a:off x="0" y="0"/>
+          <a:ext cx="0" cy="0"/>
+          <a:chOff x="0" y="0"/>
+          <a:chExt cx="0" cy="0"/>
+        </a:xfrm>
+      </p:grpSpPr>
+      <p:sp>
+        <p:nvSpPr>
+          <p:cNvPr id="2" name="Title 1"/>
+          <p:cNvSpPr>
+            <a:spLocks noGrp="1"/>
+          </p:cNvSpPr>
+          <p:nvPr>
+            <p:ph type="title"/>
+          </p:nvPr>
+        </p:nvSpPr>
+        <p:spPr/>
+        <p:txBody>
+          <a:bodyPr/>
+          <a:lstStyle/>
+          <a:p>
+            <a:pPr lvl="0" marL="0" indent="0">
+              <a:buNone/>
+            </a:pPr>
+            <a:r>
+              <a:rPr/>
+              <a:t>Which</a:t>
+            </a:r>
+            <a:r>
+              <a:rPr/>
+              <a:t> </a:t>
+            </a:r>
+            <a:r>
+              <a:rPr/>
+              <a:t>percentage</a:t>
+            </a:r>
+          </a:p>
+        </p:txBody>
+      </p:sp>
+      <p:pic>
+        <p:nvPicPr>
+          <p:cNvPr descr="../images/external/happiness-row-percents.gif" id="0" name="Picture 1"/>
+          <p:cNvPicPr>
+            <a:picLocks noGrp="1" noChangeAspect="1"/>
+          </p:cNvPicPr>
+          <p:nvPr/>
+        </p:nvPicPr>
+        <p:blipFill>
+          <a:blip r:embed="rId2"/>
+          <a:stretch>
+            <a:fillRect/>
+          </a:stretch>
+        </p:blipFill>
+        <p:spPr bwMode="auto">
+          <a:xfrm>
+            <a:off x="457200" y="1790700"/>
+            <a:ext cx="8229600" cy="4140200"/>
+          </a:xfrm>
+          <a:prstGeom prst="rect">
+            <a:avLst/>
+          </a:prstGeom>
+          <a:noFill/>
+          <a:ln w="9525">
+            <a:noFill/>
+            <a:headEnd/>
+            <a:tailEnd/>
+          </a:ln>
+        </p:spPr>
+      </p:pic>
+    </p:spTree>
+  </p:cSld>
+</p:sld>
+</file>
+
+<file path=ppt/slides/slide13.xml><?xml version="1.0" encoding="utf-8"?>
+<p:sld xmlns:a="http://schemas.openxmlformats.org/drawingml/2006/main" xmlns:r="http://schemas.openxmlformats.org/officeDocument/2006/relationships" xmlns:p="http://schemas.openxmlformats.org/presentationml/2006/main">
+  <p:cSld>
+    <p:spTree>
+      <p:nvGrpSpPr>
+        <p:cNvPr id="1" name=""/>
+        <p:cNvGrpSpPr/>
+        <p:nvPr/>
+      </p:nvGrpSpPr>
+      <p:grpSpPr>
+        <a:xfrm>
+          <a:off x="0" y="0"/>
+          <a:ext cx="0" cy="0"/>
+          <a:chOff x="0" y="0"/>
+          <a:chExt cx="0" cy="0"/>
+        </a:xfrm>
+      </p:grpSpPr>
+      <p:sp>
+        <p:nvSpPr>
+          <p:cNvPr id="2" name="Title 1"/>
+          <p:cNvSpPr>
+            <a:spLocks noGrp="1"/>
+          </p:cNvSpPr>
+          <p:nvPr>
+            <p:ph type="title"/>
+          </p:nvPr>
+        </p:nvSpPr>
+        <p:spPr/>
+        <p:txBody>
+          <a:bodyPr/>
+          <a:lstStyle/>
+          <a:p>
+            <a:pPr lvl="0" marL="0" indent="0">
+              <a:buNone/>
+            </a:pPr>
+            <a:r>
+              <a:rPr/>
+              <a:t>Which</a:t>
+            </a:r>
+            <a:r>
+              <a:rPr/>
+              <a:t> </a:t>
+            </a:r>
+            <a:r>
+              <a:rPr/>
+              <a:t>percentage</a:t>
+            </a:r>
+          </a:p>
+        </p:txBody>
+      </p:sp>
+      <p:pic>
+        <p:nvPicPr>
+          <p:cNvPr descr="../images/external/happiness-column-percents.gif" id="0" name="Picture 1"/>
+          <p:cNvPicPr>
+            <a:picLocks noGrp="1" noChangeAspect="1"/>
+          </p:cNvPicPr>
+          <p:nvPr/>
+        </p:nvPicPr>
+        <p:blipFill>
+          <a:blip r:embed="rId2"/>
+          <a:stretch>
+            <a:fillRect/>
+          </a:stretch>
+        </p:blipFill>
+        <p:spPr bwMode="auto">
+          <a:xfrm>
+            <a:off x="457200" y="1765300"/>
+            <a:ext cx="8229600" cy="4178300"/>
+          </a:xfrm>
+          <a:prstGeom prst="rect">
+            <a:avLst/>
+          </a:prstGeom>
+          <a:noFill/>
+          <a:ln w="9525">
+            <a:noFill/>
+            <a:headEnd/>
+            <a:tailEnd/>
+          </a:ln>
+        </p:spPr>
+      </p:pic>
+    </p:spTree>
+  </p:cSld>
+</p:sld>
+</file>
+
+<file path=ppt/slides/slide14.xml><?xml version="1.0" encoding="utf-8"?>
+<p:sld xmlns:a="http://schemas.openxmlformats.org/drawingml/2006/main" xmlns:r="http://schemas.openxmlformats.org/officeDocument/2006/relationships" xmlns:p="http://schemas.openxmlformats.org/presentationml/2006/main">
+  <p:cSld>
+    <p:spTree>
+      <p:nvGrpSpPr>
+        <p:cNvPr id="1" name=""/>
+        <p:cNvGrpSpPr/>
+        <p:nvPr/>
+      </p:nvGrpSpPr>
+      <p:grpSpPr>
+        <a:xfrm>
+          <a:off x="0" y="0"/>
+          <a:ext cx="0" cy="0"/>
+          <a:chOff x="0" y="0"/>
+          <a:chExt cx="0" cy="0"/>
+        </a:xfrm>
+      </p:grpSpPr>
+      <p:sp>
+        <p:nvSpPr>
+          <p:cNvPr id="2" name="Title 1"/>
+          <p:cNvSpPr>
+            <a:spLocks noGrp="1"/>
+          </p:cNvSpPr>
+          <p:nvPr>
+            <p:ph type="title"/>
+          </p:nvPr>
+        </p:nvSpPr>
+        <p:spPr/>
+        <p:txBody>
+          <a:bodyPr/>
+          <a:lstStyle/>
+          <a:p>
+            <a:pPr lvl="0" marL="0" indent="0">
+              <a:buNone/>
+            </a:pPr>
+            <a:r>
+              <a:rPr/>
+              <a:t>Which</a:t>
+            </a:r>
+            <a:r>
+              <a:rPr/>
+              <a:t> </a:t>
+            </a:r>
+            <a:r>
+              <a:rPr/>
+              <a:t>percentage</a:t>
+            </a:r>
+          </a:p>
+        </p:txBody>
+      </p:sp>
+      <p:pic>
+        <p:nvPicPr>
+          <p:cNvPr descr="../images/external/happiness-cell-percents.gif" id="0" name="Picture 1"/>
+          <p:cNvPicPr>
+            <a:picLocks noGrp="1" noChangeAspect="1"/>
+          </p:cNvPicPr>
+          <p:nvPr/>
+        </p:nvPicPr>
+        <p:blipFill>
+          <a:blip r:embed="rId2"/>
+          <a:stretch>
+            <a:fillRect/>
+          </a:stretch>
+        </p:blipFill>
+        <p:spPr bwMode="auto">
+          <a:xfrm>
+            <a:off x="457200" y="1778000"/>
+            <a:ext cx="8229600" cy="4152900"/>
+          </a:xfrm>
+          <a:prstGeom prst="rect">
+            <a:avLst/>
+          </a:prstGeom>
+          <a:noFill/>
+          <a:ln w="9525">
+            <a:noFill/>
+            <a:headEnd/>
+            <a:tailEnd/>
+          </a:ln>
+        </p:spPr>
+      </p:pic>
+    </p:spTree>
+  </p:cSld>
+</p:sld>
+</file>
+
 <file path=ppt/slides/slide2.xml><?xml version="1.0" encoding="utf-8"?>
 <p:sld xmlns:a="http://schemas.openxmlformats.org/drawingml/2006/main" xmlns:r="http://schemas.openxmlformats.org/officeDocument/2006/relationships" xmlns:p="http://schemas.openxmlformats.org/presentationml/2006/main">
   <p:cSld>
@@ -8186,7 +9686,7 @@
           <p:nvPr/>
         </p:nvPicPr>
         <p:blipFill>
-          <a:blip r:embed="rId2"/>
+          <a:blip r:embed="rId3"/>
           <a:stretch>
             <a:fillRect/>
           </a:stretch>
@@ -8231,12 +9731,12 @@
       </p:grpSpPr>
       <p:sp>
         <p:nvSpPr>
-          <p:cNvPr id="3" name="Content Placeholder 2"/>
+          <p:cNvPr id="2" name="Title 1"/>
           <p:cNvSpPr>
             <a:spLocks noGrp="1"/>
           </p:cNvSpPr>
           <p:nvPr>
-            <p:ph idx="1"/>
+            <p:ph type="title"/>
           </p:nvPr>
         </p:nvSpPr>
         <p:spPr/>
@@ -8249,7 +9749,131 @@
             </a:pPr>
             <a:r>
               <a:rPr/>
-              <a:t>Here’s a barchart with 66 bars. I drew the image as 480 pixels by 480 pixels. After allowing for margins, it looks like there are about 340 pixels for the 66 bars. 66 does not divide evenly into 340. If you allocate 4 pixels per bar, that uses up 264 pixels, leaving you with 76 pixels to divide among the 65 gaps between the 66 bars. So some of the gaps will be one pixel wider than others. This doesn’t seem like a lot. What’s one extra pixel between friends? But at this scale, that means that some pixels are</a:t>
+              <a:t>Barchart</a:t>
+            </a:r>
+            <a:r>
+              <a:rPr/>
+              <a:t> </a:t>
+            </a:r>
+            <a:r>
+              <a:rPr/>
+              <a:t>recommendations,</a:t>
+            </a:r>
+            <a:r>
+              <a:rPr/>
+              <a:t> </a:t>
+            </a:r>
+            <a:r>
+              <a:rPr/>
+              <a:t>sort</a:t>
+            </a:r>
+            <a:r>
+              <a:rPr/>
+              <a:t> </a:t>
+            </a:r>
+            <a:r>
+              <a:rPr/>
+              <a:t>your</a:t>
+            </a:r>
+            <a:r>
+              <a:rPr/>
+              <a:t> </a:t>
+            </a:r>
+            <a:r>
+              <a:rPr/>
+              <a:t>bars</a:t>
+            </a:r>
+            <a:r>
+              <a:rPr/>
+              <a:t> </a:t>
+            </a:r>
+            <a:r>
+              <a:rPr/>
+              <a:t>by</a:t>
+            </a:r>
+            <a:r>
+              <a:rPr/>
+              <a:t> </a:t>
+            </a:r>
+            <a:r>
+              <a:rPr/>
+              <a:t>size</a:t>
+            </a:r>
+          </a:p>
+        </p:txBody>
+      </p:sp>
+      <p:pic>
+        <p:nvPicPr>
+          <p:cNvPr descr="../images/r/sorted-barchart.png" id="0" name="Picture 1"/>
+          <p:cNvPicPr>
+            <a:picLocks noGrp="1" noChangeAspect="1"/>
+          </p:cNvPicPr>
+          <p:nvPr/>
+        </p:nvPicPr>
+        <p:blipFill>
+          <a:blip r:embed="rId3"/>
+          <a:stretch>
+            <a:fillRect/>
+          </a:stretch>
+        </p:blipFill>
+        <p:spPr bwMode="auto">
+          <a:xfrm>
+            <a:off x="2565400" y="1600200"/>
+            <a:ext cx="4013200" cy="4013200"/>
+          </a:xfrm>
+          <a:prstGeom prst="rect">
+            <a:avLst/>
+          </a:prstGeom>
+          <a:noFill/>
+          <a:ln w="9525">
+            <a:noFill/>
+            <a:headEnd/>
+            <a:tailEnd/>
+          </a:ln>
+        </p:spPr>
+      </p:pic>
+      <p:sp>
+        <p:nvSpPr>
+          <p:cNvPr id="1" name="TextBox 3"/>
+          <p:cNvSpPr txBox="1"/>
+          <p:nvPr/>
+        </p:nvSpPr>
+        <p:spPr>
+          <a:xfrm>
+            <a:off x="457200" y="5613400"/>
+            <a:ext cx="8229600" cy="508000"/>
+          </a:xfrm>
+          <a:prstGeom prst="rect">
+            <a:avLst/>
+          </a:prstGeom>
+          <a:noFill/>
+        </p:spPr>
+        <p:txBody>
+          <a:bodyPr/>
+          <a:lstStyle/>
+          <a:p>
+            <a:pPr lvl="0" marL="0" indent="0" algn="ctr">
+              <a:buNone/>
+            </a:pPr>
+            <a:r>
+              <a:rPr/>
+              <a:t>Sorted</a:t>
+            </a:r>
+            <a:r>
+              <a:rPr/>
+              <a:t> </a:t>
+            </a:r>
+            <a:r>
+              <a:rPr/>
+              <a:t>Bar</a:t>
+            </a:r>
+            <a:r>
+              <a:rPr/>
+              <a:t> </a:t>
+            </a:r>
+            <a:r>
+              <a:rPr/>
+              <a:t>chart</a:t>
             </a:r>
           </a:p>
         </p:txBody>

--- a/data-viz-02/component/recommendations-barcharts.pptx
+++ b/data-viz-02/component/recommendations-barcharts.pptx
@@ -5,7 +5,7 @@
     <p:sldMasterId id="2147483648" r:id="rId1"/>
   </p:sldMasterIdLst>
   <p:notesMasterIdLst>
-    <p:NotesMasterId r:id="rId16"/>
+    <p:NotesMasterId r:id="rId23"/>
   </p:notesMasterIdLst>
   <p:sldIdLst>
     <p:sldId id="256" r:id="rId2"/>
@@ -22,6 +22,13 @@
     <p:sldId id="267" r:id="rId13"/>
     <p:sldId id="268" r:id="rId14"/>
     <p:sldId id="269" r:id="rId15"/>
+    <p:sldId id="270" r:id="rId16"/>
+    <p:sldId id="271" r:id="rId17"/>
+    <p:sldId id="272" r:id="rId18"/>
+    <p:sldId id="273" r:id="rId19"/>
+    <p:sldId id="274" r:id="rId20"/>
+    <p:sldId id="275" r:id="rId21"/>
+    <p:sldId id="276" r:id="rId22"/>
   </p:sldIdLst>
   <p:sldSz cx="9144000" cy="6858000" type="screen4x3"/>
   <p:notesSz cx="6858000" cy="9144000"/>
@@ -1289,6 +1296,3446 @@
 </p:notes>
 </file>
 
+<file path=ppt/notesSlides/notesSlide10.xml><?xml version="1.0" encoding="utf-8"?>
+<p:notes xmlns:a="http://schemas.openxmlformats.org/drawingml/2006/main" xmlns:r="http://schemas.openxmlformats.org/officeDocument/2006/relationships" xmlns:p="http://schemas.openxmlformats.org/presentationml/2006/main">
+  <p:cSld>
+    <p:spTree>
+      <p:nvGrpSpPr>
+        <p:cNvPr id="1" name=""/>
+        <p:cNvGrpSpPr/>
+        <p:nvPr/>
+      </p:nvGrpSpPr>
+      <p:grpSpPr>
+        <a:xfrm>
+          <a:off x="0" y="0"/>
+          <a:ext cx="0" cy="0"/>
+          <a:chOff x="0" y="0"/>
+          <a:chExt cx="0" cy="0"/>
+        </a:xfrm>
+      </p:grpSpPr>
+      <p:sp>
+        <p:nvSpPr>
+          <p:cNvPr id="2" name="Slide Image Placeholder 1"/>
+          <p:cNvSpPr>
+            <a:spLocks noGrp="1" noRot="1" noChangeAspect="1"/>
+          </p:cNvSpPr>
+          <p:nvPr>
+            <p:ph type="sldImg"/>
+          </p:nvPr>
+        </p:nvSpPr>
+        <p:spPr/>
+      </p:sp>
+      <p:sp>
+        <p:nvSpPr>
+          <p:cNvPr id="3" name="Notes Placeholder 2"/>
+          <p:cNvSpPr>
+            <a:spLocks noGrp="1"/>
+          </p:cNvSpPr>
+          <p:nvPr>
+            <p:ph type="body" idx="1"/>
+          </p:nvPr>
+        </p:nvSpPr>
+        <p:spPr/>
+        <p:txBody>
+          <a:bodyPr/>
+          <a:lstStyle/>
+          <a:p>
+            <a:pPr lvl="0" marL="0" indent="0">
+              <a:buNone/>
+            </a:pPr>
+            <a:r>
+              <a:rPr/>
+              <a:t>When</a:t>
+            </a:r>
+            <a:r>
+              <a:rPr/>
+              <a:t> </a:t>
+            </a:r>
+            <a:r>
+              <a:rPr/>
+              <a:t>you</a:t>
+            </a:r>
+            <a:r>
+              <a:rPr/>
+              <a:t> </a:t>
+            </a:r>
+            <a:r>
+              <a:rPr/>
+              <a:t>have</a:t>
+            </a:r>
+            <a:r>
+              <a:rPr/>
+              <a:t> </a:t>
+            </a:r>
+            <a:r>
+              <a:rPr/>
+              <a:t>two</a:t>
+            </a:r>
+            <a:r>
+              <a:rPr/>
+              <a:t> </a:t>
+            </a:r>
+            <a:r>
+              <a:rPr/>
+              <a:t>different</a:t>
+            </a:r>
+            <a:r>
+              <a:rPr/>
+              <a:t> </a:t>
+            </a:r>
+            <a:r>
+              <a:rPr/>
+              <a:t>categories,</a:t>
+            </a:r>
+            <a:r>
+              <a:rPr/>
+              <a:t> </a:t>
+            </a:r>
+            <a:r>
+              <a:rPr/>
+              <a:t>like</a:t>
+            </a:r>
+            <a:r>
+              <a:rPr/>
+              <a:t> </a:t>
+            </a:r>
+            <a:r>
+              <a:rPr/>
+              <a:t>gender</a:t>
+            </a:r>
+            <a:r>
+              <a:rPr/>
+              <a:t> </a:t>
+            </a:r>
+            <a:r>
+              <a:rPr/>
+              <a:t>and</a:t>
+            </a:r>
+            <a:r>
+              <a:rPr/>
+              <a:t> </a:t>
+            </a:r>
+            <a:r>
+              <a:rPr/>
+              <a:t>passenger</a:t>
+            </a:r>
+            <a:r>
+              <a:rPr/>
+              <a:t> </a:t>
+            </a:r>
+            <a:r>
+              <a:rPr/>
+              <a:t>class</a:t>
+            </a:r>
+            <a:r>
+              <a:rPr/>
+              <a:t> </a:t>
+            </a:r>
+            <a:r>
+              <a:rPr/>
+              <a:t>in</a:t>
+            </a:r>
+            <a:r>
+              <a:rPr/>
+              <a:t> </a:t>
+            </a:r>
+            <a:r>
+              <a:rPr/>
+              <a:t>the</a:t>
+            </a:r>
+            <a:r>
+              <a:rPr/>
+              <a:t> </a:t>
+            </a:r>
+            <a:r>
+              <a:rPr/>
+              <a:t>Titanic</a:t>
+            </a:r>
+            <a:r>
+              <a:rPr/>
+              <a:t> </a:t>
+            </a:r>
+            <a:r>
+              <a:rPr/>
+              <a:t>example,</a:t>
+            </a:r>
+            <a:r>
+              <a:rPr/>
+              <a:t> </a:t>
+            </a:r>
+            <a:r>
+              <a:rPr/>
+              <a:t>you</a:t>
+            </a:r>
+            <a:r>
+              <a:rPr/>
+              <a:t> </a:t>
+            </a:r>
+            <a:r>
+              <a:rPr/>
+              <a:t>have</a:t>
+            </a:r>
+            <a:r>
+              <a:rPr/>
+              <a:t> </a:t>
+            </a:r>
+            <a:r>
+              <a:rPr/>
+              <a:t>the</a:t>
+            </a:r>
+            <a:r>
+              <a:rPr/>
+              <a:t> </a:t>
+            </a:r>
+            <a:r>
+              <a:rPr/>
+              <a:t>opportunity</a:t>
+            </a:r>
+            <a:r>
+              <a:rPr/>
+              <a:t> </a:t>
+            </a:r>
+            <a:r>
+              <a:rPr/>
+              <a:t>to</a:t>
+            </a:r>
+            <a:r>
+              <a:rPr/>
+              <a:t> </a:t>
+            </a:r>
+            <a:r>
+              <a:rPr/>
+              <a:t>display</a:t>
+            </a:r>
+            <a:r>
+              <a:rPr/>
+              <a:t> </a:t>
+            </a:r>
+            <a:r>
+              <a:rPr/>
+              <a:t>the</a:t>
+            </a:r>
+            <a:r>
+              <a:rPr/>
+              <a:t> </a:t>
+            </a:r>
+            <a:r>
+              <a:rPr/>
+              <a:t>bar</a:t>
+            </a:r>
+            <a:r>
+              <a:rPr/>
+              <a:t> </a:t>
+            </a:r>
+            <a:r>
+              <a:rPr/>
+              <a:t>chart</a:t>
+            </a:r>
+            <a:r>
+              <a:rPr/>
+              <a:t> </a:t>
+            </a:r>
+            <a:r>
+              <a:rPr/>
+              <a:t>several</a:t>
+            </a:r>
+            <a:r>
+              <a:rPr/>
+              <a:t> </a:t>
+            </a:r>
+            <a:r>
+              <a:rPr/>
+              <a:t>different</a:t>
+            </a:r>
+            <a:r>
+              <a:rPr/>
+              <a:t> </a:t>
+            </a:r>
+            <a:r>
+              <a:rPr/>
+              <a:t>ways.</a:t>
+            </a:r>
+            <a:r>
+              <a:rPr/>
+              <a:t> </a:t>
+            </a:r>
+            <a:r>
+              <a:rPr/>
+              <a:t>It</a:t>
+            </a:r>
+            <a:r>
+              <a:rPr/>
+              <a:t> </a:t>
+            </a:r>
+            <a:r>
+              <a:rPr/>
+              <a:t>is</a:t>
+            </a:r>
+            <a:r>
+              <a:rPr/>
+              <a:t> </a:t>
+            </a:r>
+            <a:r>
+              <a:rPr/>
+              <a:t>more</a:t>
+            </a:r>
+            <a:r>
+              <a:rPr/>
+              <a:t> </a:t>
+            </a:r>
+            <a:r>
+              <a:rPr/>
+              <a:t>work,</a:t>
+            </a:r>
+            <a:r>
+              <a:rPr/>
+              <a:t> </a:t>
+            </a:r>
+            <a:r>
+              <a:rPr/>
+              <a:t>but</a:t>
+            </a:r>
+            <a:r>
+              <a:rPr/>
+              <a:t> </a:t>
+            </a:r>
+            <a:r>
+              <a:rPr/>
+              <a:t>it</a:t>
+            </a:r>
+            <a:r>
+              <a:rPr/>
+              <a:t> </a:t>
+            </a:r>
+            <a:r>
+              <a:rPr/>
+              <a:t>is</a:t>
+            </a:r>
+            <a:r>
+              <a:rPr/>
+              <a:t> </a:t>
+            </a:r>
+            <a:r>
+              <a:rPr/>
+              <a:t>often</a:t>
+            </a:r>
+            <a:r>
+              <a:rPr/>
+              <a:t> </a:t>
+            </a:r>
+            <a:r>
+              <a:rPr/>
+              <a:t>well</a:t>
+            </a:r>
+            <a:r>
+              <a:rPr/>
+              <a:t> </a:t>
+            </a:r>
+            <a:r>
+              <a:rPr/>
+              <a:t>worth</a:t>
+            </a:r>
+            <a:r>
+              <a:rPr/>
+              <a:t> </a:t>
+            </a:r>
+            <a:r>
+              <a:rPr/>
+              <a:t>your</a:t>
+            </a:r>
+            <a:r>
+              <a:rPr/>
+              <a:t> </a:t>
+            </a:r>
+            <a:r>
+              <a:rPr/>
+              <a:t>time</a:t>
+            </a:r>
+            <a:r>
+              <a:rPr/>
+              <a:t> </a:t>
+            </a:r>
+            <a:r>
+              <a:rPr/>
+              <a:t>to</a:t>
+            </a:r>
+            <a:r>
+              <a:rPr/>
+              <a:t> </a:t>
+            </a:r>
+            <a:r>
+              <a:rPr/>
+              <a:t>try</a:t>
+            </a:r>
+            <a:r>
+              <a:rPr/>
+              <a:t> </a:t>
+            </a:r>
+            <a:r>
+              <a:rPr/>
+              <a:t>your</a:t>
+            </a:r>
+            <a:r>
+              <a:rPr/>
+              <a:t> </a:t>
+            </a:r>
+            <a:r>
+              <a:rPr/>
+              <a:t>bar</a:t>
+            </a:r>
+            <a:r>
+              <a:rPr/>
+              <a:t> </a:t>
+            </a:r>
+            <a:r>
+              <a:rPr/>
+              <a:t>chart</a:t>
+            </a:r>
+            <a:r>
+              <a:rPr/>
+              <a:t> </a:t>
+            </a:r>
+            <a:r>
+              <a:rPr/>
+              <a:t>several</a:t>
+            </a:r>
+            <a:r>
+              <a:rPr/>
+              <a:t> </a:t>
+            </a:r>
+            <a:r>
+              <a:rPr/>
+              <a:t>different</a:t>
+            </a:r>
+            <a:r>
+              <a:rPr/>
+              <a:t> </a:t>
+            </a:r>
+            <a:r>
+              <a:rPr/>
+              <a:t>ways.</a:t>
+            </a:r>
+          </a:p>
+        </p:txBody>
+      </p:sp>
+      <p:sp>
+        <p:nvSpPr>
+          <p:cNvPr id="4" name="Slide Number Placeholder 3"/>
+          <p:cNvSpPr>
+            <a:spLocks noGrp="1"/>
+          </p:cNvSpPr>
+          <p:nvPr>
+            <p:ph type="sldNum" sz="quarter" idx="10"/>
+          </p:nvPr>
+        </p:nvSpPr>
+        <p:spPr/>
+        <p:txBody>
+          <a:bodyPr/>
+          <a:lstStyle/>
+          <a:p>
+            <a:fld id="{18BDFEC3-8487-43E8-A154-7C12CBC1FFF2}" type="slidenum">
+              <a:rPr lang="en-US"/>
+              <a:t>11</a:t>
+            </a:fld>
+            <a:endParaRPr lang="en-US"/>
+          </a:p>
+        </p:txBody>
+      </p:sp>
+    </p:spTree>
+  </p:cSld>
+</p:notes>
+</file>
+
+<file path=ppt/notesSlides/notesSlide11.xml><?xml version="1.0" encoding="utf-8"?>
+<p:notes xmlns:a="http://schemas.openxmlformats.org/drawingml/2006/main" xmlns:r="http://schemas.openxmlformats.org/officeDocument/2006/relationships" xmlns:p="http://schemas.openxmlformats.org/presentationml/2006/main">
+  <p:cSld>
+    <p:spTree>
+      <p:nvGrpSpPr>
+        <p:cNvPr id="1" name=""/>
+        <p:cNvGrpSpPr/>
+        <p:nvPr/>
+      </p:nvGrpSpPr>
+      <p:grpSpPr>
+        <a:xfrm>
+          <a:off x="0" y="0"/>
+          <a:ext cx="0" cy="0"/>
+          <a:chOff x="0" y="0"/>
+          <a:chExt cx="0" cy="0"/>
+        </a:xfrm>
+      </p:grpSpPr>
+      <p:sp>
+        <p:nvSpPr>
+          <p:cNvPr id="2" name="Slide Image Placeholder 1"/>
+          <p:cNvSpPr>
+            <a:spLocks noGrp="1" noRot="1" noChangeAspect="1"/>
+          </p:cNvSpPr>
+          <p:nvPr>
+            <p:ph type="sldImg"/>
+          </p:nvPr>
+        </p:nvSpPr>
+        <p:spPr/>
+      </p:sp>
+      <p:sp>
+        <p:nvSpPr>
+          <p:cNvPr id="3" name="Notes Placeholder 2"/>
+          <p:cNvSpPr>
+            <a:spLocks noGrp="1"/>
+          </p:cNvSpPr>
+          <p:nvPr>
+            <p:ph type="body" idx="1"/>
+          </p:nvPr>
+        </p:nvSpPr>
+        <p:spPr/>
+        <p:txBody>
+          <a:bodyPr/>
+          <a:lstStyle/>
+          <a:p>
+            <a:pPr lvl="0" marL="0" indent="0">
+              <a:buNone/>
+            </a:pPr>
+            <a:r>
+              <a:rPr/>
+              <a:t>When</a:t>
+            </a:r>
+            <a:r>
+              <a:rPr/>
+              <a:t> </a:t>
+            </a:r>
+            <a:r>
+              <a:rPr/>
+              <a:t>you</a:t>
+            </a:r>
+            <a:r>
+              <a:rPr/>
+              <a:t> </a:t>
+            </a:r>
+            <a:r>
+              <a:rPr/>
+              <a:t>place</a:t>
+            </a:r>
+            <a:r>
+              <a:rPr/>
+              <a:t> </a:t>
+            </a:r>
+            <a:r>
+              <a:rPr/>
+              <a:t>the</a:t>
+            </a:r>
+            <a:r>
+              <a:rPr/>
+              <a:t> </a:t>
+            </a:r>
+            <a:r>
+              <a:rPr/>
+              <a:t>passenger</a:t>
+            </a:r>
+            <a:r>
+              <a:rPr/>
+              <a:t> </a:t>
+            </a:r>
+            <a:r>
+              <a:rPr/>
+              <a:t>classes</a:t>
+            </a:r>
+            <a:r>
+              <a:rPr/>
+              <a:t> </a:t>
+            </a:r>
+            <a:r>
+              <a:rPr/>
+              <a:t>next</a:t>
+            </a:r>
+            <a:r>
+              <a:rPr/>
+              <a:t> </a:t>
+            </a:r>
+            <a:r>
+              <a:rPr/>
+              <a:t>to</a:t>
+            </a:r>
+            <a:r>
+              <a:rPr/>
+              <a:t> </a:t>
+            </a:r>
+            <a:r>
+              <a:rPr/>
+              <a:t>one</a:t>
+            </a:r>
+            <a:r>
+              <a:rPr/>
+              <a:t> </a:t>
+            </a:r>
+            <a:r>
+              <a:rPr/>
+              <a:t>another,</a:t>
+            </a:r>
+            <a:r>
+              <a:rPr/>
+              <a:t> </a:t>
+            </a:r>
+            <a:r>
+              <a:rPr/>
+              <a:t>it</a:t>
+            </a:r>
+            <a:r>
+              <a:rPr/>
+              <a:t> </a:t>
+            </a:r>
+            <a:r>
+              <a:rPr/>
+              <a:t>both</a:t>
+            </a:r>
+            <a:r>
+              <a:rPr/>
+              <a:t> </a:t>
+            </a:r>
+            <a:r>
+              <a:rPr/>
+              <a:t>emphasizes</a:t>
+            </a:r>
+            <a:r>
+              <a:rPr/>
+              <a:t> </a:t>
+            </a:r>
+            <a:r>
+              <a:rPr/>
+              <a:t>and</a:t>
+            </a:r>
+            <a:r>
+              <a:rPr/>
+              <a:t> </a:t>
+            </a:r>
+            <a:r>
+              <a:rPr/>
+              <a:t>facilitates</a:t>
+            </a:r>
+            <a:r>
+              <a:rPr/>
+              <a:t> </a:t>
+            </a:r>
+            <a:r>
+              <a:rPr/>
+              <a:t>comparisons</a:t>
+            </a:r>
+            <a:r>
+              <a:rPr/>
+              <a:t> </a:t>
+            </a:r>
+            <a:r>
+              <a:rPr/>
+              <a:t>among</a:t>
+            </a:r>
+            <a:r>
+              <a:rPr/>
+              <a:t> </a:t>
+            </a:r>
+            <a:r>
+              <a:rPr/>
+              <a:t>the</a:t>
+            </a:r>
+            <a:r>
+              <a:rPr/>
+              <a:t> </a:t>
+            </a:r>
+            <a:r>
+              <a:rPr/>
+              <a:t>passenger</a:t>
+            </a:r>
+            <a:r>
+              <a:rPr/>
+              <a:t> </a:t>
+            </a:r>
+            <a:r>
+              <a:rPr/>
+              <a:t>classes.</a:t>
+            </a:r>
+            <a:r>
+              <a:rPr/>
+              <a:t> </a:t>
+            </a:r>
+            <a:r>
+              <a:rPr/>
+              <a:t>The</a:t>
+            </a:r>
+            <a:r>
+              <a:rPr/>
+              <a:t> </a:t>
+            </a:r>
+            <a:r>
+              <a:rPr/>
+              <a:t>rule</a:t>
+            </a:r>
+            <a:r>
+              <a:rPr/>
+              <a:t> </a:t>
+            </a:r>
+            <a:r>
+              <a:rPr/>
+              <a:t>is</a:t>
+            </a:r>
+            <a:r>
+              <a:rPr/>
+              <a:t> </a:t>
+            </a:r>
+            <a:r>
+              <a:rPr/>
+              <a:t>to</a:t>
+            </a:r>
+            <a:r>
+              <a:rPr/>
+              <a:t> </a:t>
+            </a:r>
+            <a:r>
+              <a:rPr/>
+              <a:t>place</a:t>
+            </a:r>
+            <a:r>
+              <a:rPr/>
+              <a:t> </a:t>
+            </a:r>
+            <a:r>
+              <a:rPr/>
+              <a:t>things</a:t>
+            </a:r>
+            <a:r>
+              <a:rPr/>
+              <a:t> </a:t>
+            </a:r>
+            <a:r>
+              <a:rPr/>
+              <a:t>close</a:t>
+            </a:r>
+            <a:r>
+              <a:rPr/>
+              <a:t> </a:t>
+            </a:r>
+            <a:r>
+              <a:rPr/>
+              <a:t>that</a:t>
+            </a:r>
+            <a:r>
+              <a:rPr/>
+              <a:t> </a:t>
+            </a:r>
+            <a:r>
+              <a:rPr/>
+              <a:t>you</a:t>
+            </a:r>
+            <a:r>
+              <a:rPr/>
+              <a:t> </a:t>
+            </a:r>
+            <a:r>
+              <a:rPr/>
+              <a:t>want</a:t>
+            </a:r>
+            <a:r>
+              <a:rPr/>
+              <a:t> </a:t>
+            </a:r>
+            <a:r>
+              <a:rPr/>
+              <a:t>to</a:t>
+            </a:r>
+            <a:r>
+              <a:rPr/>
+              <a:t> </a:t>
+            </a:r>
+            <a:r>
+              <a:rPr/>
+              <a:t>be</a:t>
+            </a:r>
+            <a:r>
+              <a:rPr/>
+              <a:t> </a:t>
+            </a:r>
+            <a:r>
+              <a:rPr/>
+              <a:t>compared.</a:t>
+            </a:r>
+            <a:r>
+              <a:rPr/>
+              <a:t> </a:t>
+            </a:r>
+            <a:r>
+              <a:rPr/>
+              <a:t>So</a:t>
+            </a:r>
+            <a:r>
+              <a:rPr/>
+              <a:t> </a:t>
+            </a:r>
+            <a:r>
+              <a:rPr/>
+              <a:t>this</a:t>
+            </a:r>
+            <a:r>
+              <a:rPr/>
+              <a:t> </a:t>
+            </a:r>
+            <a:r>
+              <a:rPr/>
+              <a:t>graph</a:t>
+            </a:r>
+            <a:r>
+              <a:rPr/>
+              <a:t> </a:t>
+            </a:r>
+            <a:r>
+              <a:rPr/>
+              <a:t>tells</a:t>
+            </a:r>
+            <a:r>
+              <a:rPr/>
+              <a:t> </a:t>
+            </a:r>
+            <a:r>
+              <a:rPr/>
+              <a:t>you</a:t>
+            </a:r>
+            <a:r>
+              <a:rPr/>
+              <a:t> </a:t>
+            </a:r>
+            <a:r>
+              <a:rPr/>
+              <a:t>that</a:t>
+            </a:r>
+            <a:r>
+              <a:rPr/>
+              <a:t> </a:t>
+            </a:r>
+            <a:r>
+              <a:rPr/>
+              <a:t>males</a:t>
+            </a:r>
+            <a:r>
+              <a:rPr/>
+              <a:t> </a:t>
+            </a:r>
+            <a:r>
+              <a:rPr/>
+              <a:t>tend</a:t>
+            </a:r>
+            <a:r>
+              <a:rPr/>
+              <a:t> </a:t>
+            </a:r>
+            <a:r>
+              <a:rPr/>
+              <a:t>to</a:t>
+            </a:r>
+            <a:r>
+              <a:rPr/>
+              <a:t> </a:t>
+            </a:r>
+            <a:r>
+              <a:rPr/>
+              <a:t>be</a:t>
+            </a:r>
+            <a:r>
+              <a:rPr/>
+              <a:t> </a:t>
+            </a:r>
+            <a:r>
+              <a:rPr/>
+              <a:t>found</a:t>
+            </a:r>
+            <a:r>
+              <a:rPr/>
+              <a:t> </a:t>
+            </a:r>
+            <a:r>
+              <a:rPr/>
+              <a:t>by</a:t>
+            </a:r>
+            <a:r>
+              <a:rPr/>
+              <a:t> </a:t>
+            </a:r>
+            <a:r>
+              <a:rPr/>
+              <a:t>far</a:t>
+            </a:r>
+            <a:r>
+              <a:rPr/>
+              <a:t> </a:t>
+            </a:r>
+            <a:r>
+              <a:rPr/>
+              <a:t>more</a:t>
+            </a:r>
+            <a:r>
+              <a:rPr/>
+              <a:t> </a:t>
+            </a:r>
+            <a:r>
+              <a:rPr/>
+              <a:t>often</a:t>
+            </a:r>
+            <a:r>
+              <a:rPr/>
+              <a:t> </a:t>
+            </a:r>
+            <a:r>
+              <a:rPr/>
+              <a:t>in</a:t>
+            </a:r>
+            <a:r>
+              <a:rPr/>
+              <a:t> </a:t>
+            </a:r>
+            <a:r>
+              <a:rPr/>
+              <a:t>third</a:t>
+            </a:r>
+            <a:r>
+              <a:rPr/>
+              <a:t> </a:t>
+            </a:r>
+            <a:r>
+              <a:rPr/>
+              <a:t>class</a:t>
+            </a:r>
+            <a:r>
+              <a:rPr/>
+              <a:t> </a:t>
+            </a:r>
+            <a:r>
+              <a:rPr/>
+              <a:t>than</a:t>
+            </a:r>
+            <a:r>
+              <a:rPr/>
+              <a:t> </a:t>
+            </a:r>
+            <a:r>
+              <a:rPr/>
+              <a:t>any</a:t>
+            </a:r>
+            <a:r>
+              <a:rPr/>
+              <a:t> </a:t>
+            </a:r>
+            <a:r>
+              <a:rPr/>
+              <a:t>other</a:t>
+            </a:r>
+            <a:r>
+              <a:rPr/>
+              <a:t> </a:t>
+            </a:r>
+            <a:r>
+              <a:rPr/>
+              <a:t>class.</a:t>
+            </a:r>
+            <a:r>
+              <a:rPr/>
+              <a:t> </a:t>
+            </a:r>
+            <a:r>
+              <a:rPr/>
+              <a:t>This</a:t>
+            </a:r>
+            <a:r>
+              <a:rPr/>
+              <a:t> </a:t>
+            </a:r>
+            <a:r>
+              <a:rPr/>
+              <a:t>is</a:t>
+            </a:r>
+            <a:r>
+              <a:rPr/>
+              <a:t> </a:t>
+            </a:r>
+            <a:r>
+              <a:rPr/>
+              <a:t>where</a:t>
+            </a:r>
+            <a:r>
+              <a:rPr/>
+              <a:t> </a:t>
+            </a:r>
+            <a:r>
+              <a:rPr/>
+              <a:t>Leonardo</a:t>
+            </a:r>
+            <a:r>
+              <a:rPr/>
+              <a:t> </a:t>
+            </a:r>
+            <a:r>
+              <a:rPr/>
+              <a:t>DiCaprio</a:t>
+            </a:r>
+            <a:r>
+              <a:rPr/>
+              <a:t> </a:t>
+            </a:r>
+            <a:r>
+              <a:rPr/>
+              <a:t>travelled.</a:t>
+            </a:r>
+            <a:r>
+              <a:rPr/>
+              <a:t> </a:t>
+            </a:r>
+            <a:r>
+              <a:rPr/>
+              <a:t>The</a:t>
+            </a:r>
+            <a:r>
+              <a:rPr/>
+              <a:t> </a:t>
+            </a:r>
+            <a:r>
+              <a:rPr/>
+              <a:t>distribution</a:t>
+            </a:r>
+            <a:r>
+              <a:rPr/>
+              <a:t> </a:t>
+            </a:r>
+            <a:r>
+              <a:rPr/>
+              <a:t>among</a:t>
+            </a:r>
+            <a:r>
+              <a:rPr/>
+              <a:t> </a:t>
+            </a:r>
+            <a:r>
+              <a:rPr/>
+              <a:t>passenger</a:t>
+            </a:r>
+            <a:r>
+              <a:rPr/>
+              <a:t> </a:t>
+            </a:r>
+            <a:r>
+              <a:rPr/>
+              <a:t>classes</a:t>
+            </a:r>
+            <a:r>
+              <a:rPr/>
+              <a:t> </a:t>
+            </a:r>
+            <a:r>
+              <a:rPr/>
+              <a:t>is</a:t>
+            </a:r>
+            <a:r>
+              <a:rPr/>
+              <a:t> </a:t>
+            </a:r>
+            <a:r>
+              <a:rPr/>
+              <a:t>uneven</a:t>
+            </a:r>
+            <a:r>
+              <a:rPr/>
+              <a:t> </a:t>
+            </a:r>
+            <a:r>
+              <a:rPr/>
+              <a:t>for</a:t>
+            </a:r>
+            <a:r>
+              <a:rPr/>
+              <a:t> </a:t>
+            </a:r>
+            <a:r>
+              <a:rPr/>
+              <a:t>women</a:t>
+            </a:r>
+            <a:r>
+              <a:rPr/>
+              <a:t> </a:t>
+            </a:r>
+            <a:r>
+              <a:rPr/>
+              <a:t>as</a:t>
+            </a:r>
+            <a:r>
+              <a:rPr/>
+              <a:t> </a:t>
+            </a:r>
+            <a:r>
+              <a:rPr/>
+              <a:t>well,</a:t>
+            </a:r>
+            <a:r>
+              <a:rPr/>
+              <a:t> </a:t>
+            </a:r>
+            <a:r>
+              <a:rPr/>
+              <a:t>but</a:t>
+            </a:r>
+            <a:r>
+              <a:rPr/>
+              <a:t> </a:t>
+            </a:r>
+            <a:r>
+              <a:rPr/>
+              <a:t>not</a:t>
+            </a:r>
+            <a:r>
+              <a:rPr/>
+              <a:t> </a:t>
+            </a:r>
+            <a:r>
+              <a:rPr/>
+              <a:t>to</a:t>
+            </a:r>
+            <a:r>
+              <a:rPr/>
+              <a:t> </a:t>
+            </a:r>
+            <a:r>
+              <a:rPr/>
+              <a:t>as</a:t>
+            </a:r>
+            <a:r>
+              <a:rPr/>
+              <a:t> </a:t>
+            </a:r>
+            <a:r>
+              <a:rPr/>
+              <a:t>great</a:t>
+            </a:r>
+            <a:r>
+              <a:rPr/>
+              <a:t> </a:t>
+            </a:r>
+            <a:r>
+              <a:rPr/>
+              <a:t>an</a:t>
+            </a:r>
+            <a:r>
+              <a:rPr/>
+              <a:t> </a:t>
+            </a:r>
+            <a:r>
+              <a:rPr/>
+              <a:t>extent.</a:t>
+            </a:r>
+          </a:p>
+        </p:txBody>
+      </p:sp>
+      <p:sp>
+        <p:nvSpPr>
+          <p:cNvPr id="4" name="Slide Number Placeholder 3"/>
+          <p:cNvSpPr>
+            <a:spLocks noGrp="1"/>
+          </p:cNvSpPr>
+          <p:nvPr>
+            <p:ph type="sldNum" sz="quarter" idx="10"/>
+          </p:nvPr>
+        </p:nvSpPr>
+        <p:spPr/>
+        <p:txBody>
+          <a:bodyPr/>
+          <a:lstStyle/>
+          <a:p>
+            <a:fld id="{18BDFEC3-8487-43E8-A154-7C12CBC1FFF2}" type="slidenum">
+              <a:rPr lang="en-US"/>
+              <a:t>12</a:t>
+            </a:fld>
+            <a:endParaRPr lang="en-US"/>
+          </a:p>
+        </p:txBody>
+      </p:sp>
+    </p:spTree>
+  </p:cSld>
+</p:notes>
+</file>
+
+<file path=ppt/notesSlides/notesSlide12.xml><?xml version="1.0" encoding="utf-8"?>
+<p:notes xmlns:a="http://schemas.openxmlformats.org/drawingml/2006/main" xmlns:r="http://schemas.openxmlformats.org/officeDocument/2006/relationships" xmlns:p="http://schemas.openxmlformats.org/presentationml/2006/main">
+  <p:cSld>
+    <p:spTree>
+      <p:nvGrpSpPr>
+        <p:cNvPr id="1" name=""/>
+        <p:cNvGrpSpPr/>
+        <p:nvPr/>
+      </p:nvGrpSpPr>
+      <p:grpSpPr>
+        <a:xfrm>
+          <a:off x="0" y="0"/>
+          <a:ext cx="0" cy="0"/>
+          <a:chOff x="0" y="0"/>
+          <a:chExt cx="0" cy="0"/>
+        </a:xfrm>
+      </p:grpSpPr>
+      <p:sp>
+        <p:nvSpPr>
+          <p:cNvPr id="2" name="Slide Image Placeholder 1"/>
+          <p:cNvSpPr>
+            <a:spLocks noGrp="1" noRot="1" noChangeAspect="1"/>
+          </p:cNvSpPr>
+          <p:nvPr>
+            <p:ph type="sldImg"/>
+          </p:nvPr>
+        </p:nvSpPr>
+        <p:spPr/>
+      </p:sp>
+      <p:sp>
+        <p:nvSpPr>
+          <p:cNvPr id="3" name="Notes Placeholder 2"/>
+          <p:cNvSpPr>
+            <a:spLocks noGrp="1"/>
+          </p:cNvSpPr>
+          <p:nvPr>
+            <p:ph type="body" idx="1"/>
+          </p:nvPr>
+        </p:nvSpPr>
+        <p:spPr/>
+        <p:txBody>
+          <a:bodyPr/>
+          <a:lstStyle/>
+          <a:p>
+            <a:pPr lvl="0" marL="0" indent="0">
+              <a:buNone/>
+            </a:pPr>
+            <a:r>
+              <a:rPr/>
+              <a:t>The</a:t>
+            </a:r>
+            <a:r>
+              <a:rPr/>
+              <a:t> </a:t>
+            </a:r>
+            <a:r>
+              <a:rPr/>
+              <a:t>emphasis</a:t>
+            </a:r>
+            <a:r>
+              <a:rPr/>
+              <a:t> </a:t>
+            </a:r>
+            <a:r>
+              <a:rPr/>
+              <a:t>changes</a:t>
+            </a:r>
+            <a:r>
+              <a:rPr/>
+              <a:t> </a:t>
+            </a:r>
+            <a:r>
+              <a:rPr/>
+              <a:t>when</a:t>
+            </a:r>
+            <a:r>
+              <a:rPr/>
+              <a:t> </a:t>
+            </a:r>
+            <a:r>
+              <a:rPr/>
+              <a:t>you</a:t>
+            </a:r>
+            <a:r>
+              <a:rPr/>
+              <a:t> </a:t>
+            </a:r>
+            <a:r>
+              <a:rPr/>
+              <a:t>place</a:t>
+            </a:r>
+            <a:r>
+              <a:rPr/>
+              <a:t> </a:t>
+            </a:r>
+            <a:r>
+              <a:rPr/>
+              <a:t>the</a:t>
+            </a:r>
+            <a:r>
+              <a:rPr/>
+              <a:t> </a:t>
+            </a:r>
+            <a:r>
+              <a:rPr/>
+              <a:t>men</a:t>
+            </a:r>
+            <a:r>
+              <a:rPr/>
+              <a:t> </a:t>
+            </a:r>
+            <a:r>
+              <a:rPr/>
+              <a:t>and</a:t>
+            </a:r>
+            <a:r>
+              <a:rPr/>
+              <a:t> </a:t>
+            </a:r>
+            <a:r>
+              <a:rPr/>
+              <a:t>women</a:t>
+            </a:r>
+            <a:r>
+              <a:rPr/>
+              <a:t> </a:t>
+            </a:r>
+            <a:r>
+              <a:rPr/>
+              <a:t>next</a:t>
+            </a:r>
+            <a:r>
+              <a:rPr/>
+              <a:t> </a:t>
+            </a:r>
+            <a:r>
+              <a:rPr/>
+              <a:t>to</a:t>
+            </a:r>
+            <a:r>
+              <a:rPr/>
+              <a:t> </a:t>
+            </a:r>
+            <a:r>
+              <a:rPr/>
+              <a:t>each</a:t>
+            </a:r>
+            <a:r>
+              <a:rPr/>
+              <a:t> </a:t>
+            </a:r>
+            <a:r>
+              <a:rPr/>
+              <a:t>other.</a:t>
+            </a:r>
+            <a:r>
+              <a:rPr/>
+              <a:t> </a:t>
+            </a:r>
+            <a:r>
+              <a:rPr/>
+              <a:t>Now</a:t>
+            </a:r>
+            <a:r>
+              <a:rPr/>
+              <a:t> </a:t>
+            </a:r>
+            <a:r>
+              <a:rPr/>
+              <a:t>the</a:t>
+            </a:r>
+            <a:r>
+              <a:rPr/>
+              <a:t> </a:t>
+            </a:r>
+            <a:r>
+              <a:rPr/>
+              <a:t>comparison</a:t>
+            </a:r>
+            <a:r>
+              <a:rPr/>
+              <a:t> </a:t>
+            </a:r>
+            <a:r>
+              <a:rPr/>
+              <a:t>that</a:t>
+            </a:r>
+            <a:r>
+              <a:rPr/>
+              <a:t> </a:t>
+            </a:r>
+            <a:r>
+              <a:rPr/>
+              <a:t>leaps</a:t>
+            </a:r>
+            <a:r>
+              <a:rPr/>
+              <a:t> </a:t>
+            </a:r>
+            <a:r>
+              <a:rPr/>
+              <a:t>out</a:t>
+            </a:r>
+            <a:r>
+              <a:rPr/>
+              <a:t> </a:t>
+            </a:r>
+            <a:r>
+              <a:rPr/>
+              <a:t>to</a:t>
+            </a:r>
+            <a:r>
+              <a:rPr/>
+              <a:t> </a:t>
+            </a:r>
+            <a:r>
+              <a:rPr/>
+              <a:t>you</a:t>
+            </a:r>
+            <a:r>
+              <a:rPr/>
+              <a:t> </a:t>
+            </a:r>
+            <a:r>
+              <a:rPr/>
+              <a:t>is</a:t>
+            </a:r>
+            <a:r>
+              <a:rPr/>
+              <a:t> </a:t>
+            </a:r>
+            <a:r>
+              <a:rPr/>
+              <a:t>that</a:t>
+            </a:r>
+            <a:r>
+              <a:rPr/>
+              <a:t> </a:t>
+            </a:r>
+            <a:r>
+              <a:rPr/>
+              <a:t>men</a:t>
+            </a:r>
+            <a:r>
+              <a:rPr/>
+              <a:t> </a:t>
+            </a:r>
+            <a:r>
+              <a:rPr/>
+              <a:t>outnumbered</a:t>
+            </a:r>
+            <a:r>
+              <a:rPr/>
+              <a:t> </a:t>
+            </a:r>
+            <a:r>
+              <a:rPr/>
+              <a:t>women</a:t>
+            </a:r>
+            <a:r>
+              <a:rPr/>
+              <a:t> </a:t>
+            </a:r>
+            <a:r>
+              <a:rPr/>
+              <a:t>in</a:t>
+            </a:r>
+            <a:r>
+              <a:rPr/>
+              <a:t> </a:t>
+            </a:r>
+            <a:r>
+              <a:rPr/>
+              <a:t>every</a:t>
+            </a:r>
+            <a:r>
+              <a:rPr/>
+              <a:t> </a:t>
+            </a:r>
+            <a:r>
+              <a:rPr/>
+              <a:t>passenger</a:t>
+            </a:r>
+            <a:r>
+              <a:rPr/>
+              <a:t> </a:t>
+            </a:r>
+            <a:r>
+              <a:rPr/>
+              <a:t>class,</a:t>
+            </a:r>
+            <a:r>
+              <a:rPr/>
+              <a:t> </a:t>
+            </a:r>
+            <a:r>
+              <a:rPr/>
+              <a:t>but</a:t>
+            </a:r>
+            <a:r>
+              <a:rPr/>
+              <a:t> </a:t>
+            </a:r>
+            <a:r>
+              <a:rPr/>
+              <a:t>down</a:t>
+            </a:r>
+            <a:r>
+              <a:rPr/>
+              <a:t> </a:t>
+            </a:r>
+            <a:r>
+              <a:rPr/>
+              <a:t>in</a:t>
+            </a:r>
+            <a:r>
+              <a:rPr/>
+              <a:t> </a:t>
+            </a:r>
+            <a:r>
+              <a:rPr/>
+              <a:t>thrid</a:t>
+            </a:r>
+            <a:r>
+              <a:rPr/>
+              <a:t> </a:t>
+            </a:r>
+            <a:r>
+              <a:rPr/>
+              <a:t>class,</a:t>
+            </a:r>
+            <a:r>
+              <a:rPr/>
+              <a:t> </a:t>
+            </a:r>
+            <a:r>
+              <a:rPr/>
+              <a:t>the</a:t>
+            </a:r>
+            <a:r>
+              <a:rPr/>
+              <a:t> </a:t>
+            </a:r>
+            <a:r>
+              <a:rPr/>
+              <a:t>gender</a:t>
+            </a:r>
+            <a:r>
+              <a:rPr/>
+              <a:t> </a:t>
+            </a:r>
+            <a:r>
+              <a:rPr/>
+              <a:t>disrepancy</a:t>
+            </a:r>
+            <a:r>
+              <a:rPr/>
+              <a:t> </a:t>
+            </a:r>
+            <a:r>
+              <a:rPr/>
+              <a:t>is</a:t>
+            </a:r>
+            <a:r>
+              <a:rPr/>
+              <a:t> </a:t>
+            </a:r>
+            <a:r>
+              <a:rPr/>
+              <a:t>the</a:t>
+            </a:r>
+            <a:r>
+              <a:rPr/>
+              <a:t> </a:t>
+            </a:r>
+            <a:r>
+              <a:rPr/>
+              <a:t>largest.</a:t>
+            </a:r>
+          </a:p>
+        </p:txBody>
+      </p:sp>
+      <p:sp>
+        <p:nvSpPr>
+          <p:cNvPr id="4" name="Slide Number Placeholder 3"/>
+          <p:cNvSpPr>
+            <a:spLocks noGrp="1"/>
+          </p:cNvSpPr>
+          <p:nvPr>
+            <p:ph type="sldNum" sz="quarter" idx="10"/>
+          </p:nvPr>
+        </p:nvSpPr>
+        <p:spPr/>
+        <p:txBody>
+          <a:bodyPr/>
+          <a:lstStyle/>
+          <a:p>
+            <a:fld id="{18BDFEC3-8487-43E8-A154-7C12CBC1FFF2}" type="slidenum">
+              <a:rPr lang="en-US"/>
+              <a:t>13</a:t>
+            </a:fld>
+            <a:endParaRPr lang="en-US"/>
+          </a:p>
+        </p:txBody>
+      </p:sp>
+    </p:spTree>
+  </p:cSld>
+</p:notes>
+</file>
+
+<file path=ppt/notesSlides/notesSlide13.xml><?xml version="1.0" encoding="utf-8"?>
+<p:notes xmlns:a="http://schemas.openxmlformats.org/drawingml/2006/main" xmlns:r="http://schemas.openxmlformats.org/officeDocument/2006/relationships" xmlns:p="http://schemas.openxmlformats.org/presentationml/2006/main">
+  <p:cSld>
+    <p:spTree>
+      <p:nvGrpSpPr>
+        <p:cNvPr id="1" name=""/>
+        <p:cNvGrpSpPr/>
+        <p:nvPr/>
+      </p:nvGrpSpPr>
+      <p:grpSpPr>
+        <a:xfrm>
+          <a:off x="0" y="0"/>
+          <a:ext cx="0" cy="0"/>
+          <a:chOff x="0" y="0"/>
+          <a:chExt cx="0" cy="0"/>
+        </a:xfrm>
+      </p:grpSpPr>
+      <p:sp>
+        <p:nvSpPr>
+          <p:cNvPr id="2" name="Slide Image Placeholder 1"/>
+          <p:cNvSpPr>
+            <a:spLocks noGrp="1" noRot="1" noChangeAspect="1"/>
+          </p:cNvSpPr>
+          <p:nvPr>
+            <p:ph type="sldImg"/>
+          </p:nvPr>
+        </p:nvSpPr>
+        <p:spPr/>
+      </p:sp>
+      <p:sp>
+        <p:nvSpPr>
+          <p:cNvPr id="3" name="Notes Placeholder 2"/>
+          <p:cNvSpPr>
+            <a:spLocks noGrp="1"/>
+          </p:cNvSpPr>
+          <p:nvPr>
+            <p:ph type="body" idx="1"/>
+          </p:nvPr>
+        </p:nvSpPr>
+        <p:spPr/>
+        <p:txBody>
+          <a:bodyPr/>
+          <a:lstStyle/>
+          <a:p>
+            <a:pPr lvl="0" marL="0" indent="0">
+              <a:buNone/>
+            </a:pPr>
+            <a:r>
+              <a:rPr/>
+              <a:t>Stacking</a:t>
+            </a:r>
+            <a:r>
+              <a:rPr/>
+              <a:t> </a:t>
+            </a:r>
+            <a:r>
+              <a:rPr/>
+              <a:t>tends</a:t>
+            </a:r>
+            <a:r>
+              <a:rPr/>
+              <a:t> </a:t>
+            </a:r>
+            <a:r>
+              <a:rPr/>
+              <a:t>to</a:t>
+            </a:r>
+            <a:r>
+              <a:rPr/>
+              <a:t> </a:t>
+            </a:r>
+            <a:r>
+              <a:rPr/>
+              <a:t>emphasize</a:t>
+            </a:r>
+            <a:r>
+              <a:rPr/>
+              <a:t> </a:t>
+            </a:r>
+            <a:r>
+              <a:rPr/>
+              <a:t>how</a:t>
+            </a:r>
+            <a:r>
+              <a:rPr/>
+              <a:t> </a:t>
+            </a:r>
+            <a:r>
+              <a:rPr/>
+              <a:t>each</a:t>
+            </a:r>
+            <a:r>
+              <a:rPr/>
+              <a:t> </a:t>
+            </a:r>
+            <a:r>
+              <a:rPr/>
+              <a:t>individual</a:t>
+            </a:r>
+            <a:r>
+              <a:rPr/>
+              <a:t> </a:t>
+            </a:r>
+            <a:r>
+              <a:rPr/>
+              <a:t>piece</a:t>
+            </a:r>
+            <a:r>
+              <a:rPr/>
+              <a:t> </a:t>
+            </a:r>
+            <a:r>
+              <a:rPr/>
+              <a:t>contribute</a:t>
+            </a:r>
+            <a:r>
+              <a:rPr/>
+              <a:t> </a:t>
+            </a:r>
+            <a:r>
+              <a:rPr/>
+              <a:t>to</a:t>
+            </a:r>
+            <a:r>
+              <a:rPr/>
+              <a:t> </a:t>
+            </a:r>
+            <a:r>
+              <a:rPr/>
+              <a:t>a</a:t>
+            </a:r>
+            <a:r>
+              <a:rPr/>
+              <a:t> </a:t>
+            </a:r>
+            <a:r>
+              <a:rPr/>
+              <a:t>whole.</a:t>
+            </a:r>
+            <a:r>
+              <a:rPr/>
+              <a:t> </a:t>
+            </a:r>
+            <a:r>
+              <a:rPr/>
+              <a:t>Here</a:t>
+            </a:r>
+            <a:r>
+              <a:rPr/>
+              <a:t> </a:t>
+            </a:r>
+            <a:r>
+              <a:rPr/>
+              <a:t>you</a:t>
+            </a:r>
+            <a:r>
+              <a:rPr/>
+              <a:t> </a:t>
+            </a:r>
+            <a:r>
+              <a:rPr/>
+              <a:t>see</a:t>
+            </a:r>
+            <a:r>
+              <a:rPr/>
+              <a:t> </a:t>
+            </a:r>
+            <a:r>
+              <a:rPr/>
+              <a:t>the</a:t>
+            </a:r>
+            <a:r>
+              <a:rPr/>
+              <a:t> </a:t>
+            </a:r>
+            <a:r>
+              <a:rPr/>
+              <a:t>relative</a:t>
+            </a:r>
+            <a:r>
+              <a:rPr/>
+              <a:t> </a:t>
+            </a:r>
+            <a:r>
+              <a:rPr/>
+              <a:t>distribution</a:t>
+            </a:r>
+            <a:r>
+              <a:rPr/>
+              <a:t> </a:t>
+            </a:r>
+            <a:r>
+              <a:rPr/>
+              <a:t>of</a:t>
+            </a:r>
+            <a:r>
+              <a:rPr/>
+              <a:t> </a:t>
+            </a:r>
+            <a:r>
+              <a:rPr/>
+              <a:t>females</a:t>
+            </a:r>
+            <a:r>
+              <a:rPr/>
+              <a:t> </a:t>
+            </a:r>
+            <a:r>
+              <a:rPr/>
+              <a:t>across</a:t>
+            </a:r>
+            <a:r>
+              <a:rPr/>
+              <a:t> </a:t>
+            </a:r>
+            <a:r>
+              <a:rPr/>
+              <a:t>the</a:t>
+            </a:r>
+            <a:r>
+              <a:rPr/>
+              <a:t> </a:t>
+            </a:r>
+            <a:r>
+              <a:rPr/>
+              <a:t>three</a:t>
+            </a:r>
+            <a:r>
+              <a:rPr/>
+              <a:t> </a:t>
+            </a:r>
+            <a:r>
+              <a:rPr/>
+              <a:t>passenger</a:t>
+            </a:r>
+            <a:r>
+              <a:rPr/>
+              <a:t> </a:t>
+            </a:r>
+            <a:r>
+              <a:rPr/>
+              <a:t>classes</a:t>
+            </a:r>
+            <a:r>
+              <a:rPr/>
+              <a:t> </a:t>
+            </a:r>
+            <a:r>
+              <a:rPr/>
+              <a:t>in</a:t>
+            </a:r>
+            <a:r>
+              <a:rPr/>
+              <a:t> </a:t>
+            </a:r>
+            <a:r>
+              <a:rPr/>
+              <a:t>the</a:t>
+            </a:r>
+            <a:r>
+              <a:rPr/>
+              <a:t> </a:t>
+            </a:r>
+            <a:r>
+              <a:rPr/>
+              <a:t>bar</a:t>
+            </a:r>
+            <a:r>
+              <a:rPr/>
+              <a:t> </a:t>
+            </a:r>
+            <a:r>
+              <a:rPr/>
+              <a:t>on</a:t>
+            </a:r>
+            <a:r>
+              <a:rPr/>
+              <a:t> </a:t>
+            </a:r>
+            <a:r>
+              <a:rPr/>
+              <a:t>the</a:t>
+            </a:r>
+            <a:r>
+              <a:rPr/>
+              <a:t> </a:t>
+            </a:r>
+            <a:r>
+              <a:rPr/>
+              <a:t>left</a:t>
+            </a:r>
+            <a:r>
+              <a:rPr/>
+              <a:t> </a:t>
+            </a:r>
+            <a:r>
+              <a:rPr/>
+              <a:t>and</a:t>
+            </a:r>
+            <a:r>
+              <a:rPr/>
+              <a:t> </a:t>
+            </a:r>
+            <a:r>
+              <a:rPr/>
+              <a:t>the</a:t>
+            </a:r>
+            <a:r>
+              <a:rPr/>
+              <a:t> </a:t>
+            </a:r>
+            <a:r>
+              <a:rPr/>
+              <a:t>relative</a:t>
+            </a:r>
+            <a:r>
+              <a:rPr/>
+              <a:t> </a:t>
+            </a:r>
+            <a:r>
+              <a:rPr/>
+              <a:t>distribution</a:t>
+            </a:r>
+            <a:r>
+              <a:rPr/>
+              <a:t> </a:t>
+            </a:r>
+            <a:r>
+              <a:rPr/>
+              <a:t>of</a:t>
+            </a:r>
+            <a:r>
+              <a:rPr/>
+              <a:t> </a:t>
+            </a:r>
+            <a:r>
+              <a:rPr/>
+              <a:t>males</a:t>
+            </a:r>
+            <a:r>
+              <a:rPr/>
+              <a:t> </a:t>
+            </a:r>
+            <a:r>
+              <a:rPr/>
+              <a:t>across</a:t>
+            </a:r>
+            <a:r>
+              <a:rPr/>
+              <a:t> </a:t>
+            </a:r>
+            <a:r>
+              <a:rPr/>
+              <a:t>the</a:t>
+            </a:r>
+            <a:r>
+              <a:rPr/>
+              <a:t> </a:t>
+            </a:r>
+            <a:r>
+              <a:rPr/>
+              <a:t>three</a:t>
+            </a:r>
+            <a:r>
+              <a:rPr/>
+              <a:t> </a:t>
+            </a:r>
+            <a:r>
+              <a:rPr/>
+              <a:t>passenger</a:t>
+            </a:r>
+            <a:r>
+              <a:rPr/>
+              <a:t> </a:t>
+            </a:r>
+            <a:r>
+              <a:rPr/>
+              <a:t>classes</a:t>
+            </a:r>
+            <a:r>
+              <a:rPr/>
+              <a:t> </a:t>
+            </a:r>
+            <a:r>
+              <a:rPr/>
+              <a:t>in</a:t>
+            </a:r>
+            <a:r>
+              <a:rPr/>
+              <a:t> </a:t>
+            </a:r>
+            <a:r>
+              <a:rPr/>
+              <a:t>the</a:t>
+            </a:r>
+            <a:r>
+              <a:rPr/>
+              <a:t> </a:t>
+            </a:r>
+            <a:r>
+              <a:rPr/>
+              <a:t>bar</a:t>
+            </a:r>
+            <a:r>
+              <a:rPr/>
+              <a:t> </a:t>
+            </a:r>
+            <a:r>
+              <a:rPr/>
+              <a:t>on</a:t>
+            </a:r>
+            <a:r>
+              <a:rPr/>
+              <a:t> </a:t>
+            </a:r>
+            <a:r>
+              <a:rPr/>
+              <a:t>the</a:t>
+            </a:r>
+            <a:r>
+              <a:rPr/>
+              <a:t> </a:t>
+            </a:r>
+            <a:r>
+              <a:rPr/>
+              <a:t>right.</a:t>
+            </a:r>
+          </a:p>
+          <a:p>
+            <a:pPr lvl="0" marL="0" indent="0">
+              <a:buNone/>
+            </a:pPr>
+          </a:p>
+          <a:p>
+            <a:pPr lvl="0" marL="0" indent="0">
+              <a:buNone/>
+            </a:pPr>
+            <a:r>
+              <a:rPr/>
+              <a:t>With</a:t>
+            </a:r>
+            <a:r>
+              <a:rPr/>
+              <a:t> </a:t>
+            </a:r>
+            <a:r>
+              <a:rPr/>
+              <a:t>the</a:t>
+            </a:r>
+            <a:r>
+              <a:rPr/>
+              <a:t> </a:t>
+            </a:r>
+            <a:r>
+              <a:rPr/>
+              <a:t>stacked</a:t>
+            </a:r>
+            <a:r>
+              <a:rPr/>
+              <a:t> </a:t>
+            </a:r>
+            <a:r>
+              <a:rPr/>
+              <a:t>chart,</a:t>
+            </a:r>
+            <a:r>
+              <a:rPr/>
+              <a:t> </a:t>
+            </a:r>
+            <a:r>
+              <a:rPr/>
+              <a:t>you</a:t>
+            </a:r>
+            <a:r>
+              <a:rPr/>
+              <a:t> </a:t>
+            </a:r>
+            <a:r>
+              <a:rPr/>
+              <a:t>also</a:t>
+            </a:r>
+            <a:r>
+              <a:rPr/>
+              <a:t> </a:t>
+            </a:r>
+            <a:r>
+              <a:rPr/>
+              <a:t>bring</a:t>
+            </a:r>
+            <a:r>
+              <a:rPr/>
+              <a:t> </a:t>
+            </a:r>
+            <a:r>
+              <a:rPr/>
+              <a:t>the</a:t>
+            </a:r>
+            <a:r>
+              <a:rPr/>
+              <a:t> </a:t>
+            </a:r>
+            <a:r>
+              <a:rPr/>
+              <a:t>third</a:t>
+            </a:r>
+            <a:r>
+              <a:rPr/>
+              <a:t> </a:t>
+            </a:r>
+            <a:r>
+              <a:rPr/>
+              <a:t>class</a:t>
+            </a:r>
+            <a:r>
+              <a:rPr/>
+              <a:t> </a:t>
+            </a:r>
+            <a:r>
+              <a:rPr/>
+              <a:t>females</a:t>
+            </a:r>
+            <a:r>
+              <a:rPr/>
+              <a:t> </a:t>
+            </a:r>
+            <a:r>
+              <a:rPr/>
+              <a:t>close</a:t>
+            </a:r>
+            <a:r>
+              <a:rPr/>
+              <a:t> </a:t>
+            </a:r>
+            <a:r>
+              <a:rPr/>
+              <a:t>to</a:t>
+            </a:r>
+            <a:r>
+              <a:rPr/>
+              <a:t> </a:t>
+            </a:r>
+            <a:r>
+              <a:rPr/>
+              <a:t>the</a:t>
+            </a:r>
+            <a:r>
+              <a:rPr/>
+              <a:t> </a:t>
+            </a:r>
+            <a:r>
+              <a:rPr/>
+              <a:t>third</a:t>
+            </a:r>
+            <a:r>
+              <a:rPr/>
+              <a:t> </a:t>
+            </a:r>
+            <a:r>
+              <a:rPr/>
+              <a:t>class</a:t>
+            </a:r>
+            <a:r>
+              <a:rPr/>
+              <a:t> </a:t>
+            </a:r>
+            <a:r>
+              <a:rPr/>
+              <a:t>males,</a:t>
+            </a:r>
+            <a:r>
+              <a:rPr/>
+              <a:t> </a:t>
+            </a:r>
+            <a:r>
+              <a:rPr/>
+              <a:t>the</a:t>
+            </a:r>
+            <a:r>
+              <a:rPr/>
+              <a:t> </a:t>
+            </a:r>
+            <a:r>
+              <a:rPr/>
+              <a:t>second</a:t>
+            </a:r>
+            <a:r>
+              <a:rPr/>
+              <a:t> </a:t>
+            </a:r>
+            <a:r>
+              <a:rPr/>
+              <a:t>class</a:t>
+            </a:r>
+            <a:r>
+              <a:rPr/>
+              <a:t> </a:t>
+            </a:r>
+            <a:r>
+              <a:rPr/>
+              <a:t>females</a:t>
+            </a:r>
+            <a:r>
+              <a:rPr/>
+              <a:t> </a:t>
+            </a:r>
+            <a:r>
+              <a:rPr/>
+              <a:t>close</a:t>
+            </a:r>
+            <a:r>
+              <a:rPr/>
+              <a:t> </a:t>
+            </a:r>
+            <a:r>
+              <a:rPr/>
+              <a:t>to</a:t>
+            </a:r>
+            <a:r>
+              <a:rPr/>
+              <a:t> </a:t>
+            </a:r>
+            <a:r>
+              <a:rPr/>
+              <a:t>the</a:t>
+            </a:r>
+            <a:r>
+              <a:rPr/>
+              <a:t> </a:t>
+            </a:r>
+            <a:r>
+              <a:rPr/>
+              <a:t>second</a:t>
+            </a:r>
+            <a:r>
+              <a:rPr/>
+              <a:t> </a:t>
+            </a:r>
+            <a:r>
+              <a:rPr/>
+              <a:t>class</a:t>
+            </a:r>
+            <a:r>
+              <a:rPr/>
+              <a:t> </a:t>
+            </a:r>
+            <a:r>
+              <a:rPr/>
+              <a:t>males,</a:t>
+            </a:r>
+            <a:r>
+              <a:rPr/>
+              <a:t> </a:t>
+            </a:r>
+            <a:r>
+              <a:rPr/>
+              <a:t>and</a:t>
+            </a:r>
+            <a:r>
+              <a:rPr/>
+              <a:t> </a:t>
+            </a:r>
+            <a:r>
+              <a:rPr/>
+              <a:t>the</a:t>
+            </a:r>
+            <a:r>
+              <a:rPr/>
+              <a:t> </a:t>
+            </a:r>
+            <a:r>
+              <a:rPr/>
+              <a:t>first</a:t>
+            </a:r>
+            <a:r>
+              <a:rPr/>
+              <a:t> </a:t>
+            </a:r>
+            <a:r>
+              <a:rPr/>
+              <a:t>class</a:t>
+            </a:r>
+            <a:r>
+              <a:rPr/>
+              <a:t> </a:t>
+            </a:r>
+            <a:r>
+              <a:rPr/>
+              <a:t>females</a:t>
+            </a:r>
+            <a:r>
+              <a:rPr/>
+              <a:t> </a:t>
+            </a:r>
+            <a:r>
+              <a:rPr/>
+              <a:t>close</a:t>
+            </a:r>
+            <a:r>
+              <a:rPr/>
+              <a:t> </a:t>
+            </a:r>
+            <a:r>
+              <a:rPr/>
+              <a:t>to</a:t>
+            </a:r>
+            <a:r>
+              <a:rPr/>
+              <a:t> </a:t>
+            </a:r>
+            <a:r>
+              <a:rPr/>
+              <a:t>the</a:t>
+            </a:r>
+            <a:r>
+              <a:rPr/>
+              <a:t> </a:t>
+            </a:r>
+            <a:r>
+              <a:rPr/>
+              <a:t>first</a:t>
+            </a:r>
+            <a:r>
+              <a:rPr/>
+              <a:t> </a:t>
+            </a:r>
+            <a:r>
+              <a:rPr/>
+              <a:t>class</a:t>
+            </a:r>
+            <a:r>
+              <a:rPr/>
+              <a:t> </a:t>
+            </a:r>
+            <a:r>
+              <a:rPr/>
+              <a:t>males.</a:t>
+            </a:r>
+            <a:r>
+              <a:rPr/>
+              <a:t> </a:t>
+            </a:r>
+            <a:r>
+              <a:rPr/>
+              <a:t>But</a:t>
+            </a:r>
+            <a:r>
+              <a:rPr/>
+              <a:t> </a:t>
+            </a:r>
+            <a:r>
+              <a:rPr/>
+              <a:t>notice</a:t>
+            </a:r>
+            <a:r>
+              <a:rPr/>
+              <a:t> </a:t>
+            </a:r>
+            <a:r>
+              <a:rPr/>
+              <a:t>that</a:t>
+            </a:r>
+            <a:r>
+              <a:rPr/>
+              <a:t> </a:t>
+            </a:r>
+            <a:r>
+              <a:rPr/>
+              <a:t>the</a:t>
+            </a:r>
+            <a:r>
+              <a:rPr/>
+              <a:t> </a:t>
+            </a:r>
+            <a:r>
+              <a:rPr/>
+              <a:t>comparison</a:t>
+            </a:r>
+            <a:r>
+              <a:rPr/>
+              <a:t> </a:t>
+            </a:r>
+            <a:r>
+              <a:rPr/>
+              <a:t>of</a:t>
+            </a:r>
+            <a:r>
+              <a:rPr/>
+              <a:t> </a:t>
+            </a:r>
+            <a:r>
+              <a:rPr/>
+              <a:t>the</a:t>
+            </a:r>
+            <a:r>
+              <a:rPr/>
+              <a:t> </a:t>
+            </a:r>
+            <a:r>
+              <a:rPr/>
+              <a:t>bottom</a:t>
+            </a:r>
+            <a:r>
+              <a:rPr/>
+              <a:t> </a:t>
+            </a:r>
+            <a:r>
+              <a:rPr/>
+              <a:t>components,</a:t>
+            </a:r>
+            <a:r>
+              <a:rPr/>
+              <a:t> </a:t>
+            </a:r>
+            <a:r>
+              <a:rPr/>
+              <a:t>the</a:t>
+            </a:r>
+            <a:r>
+              <a:rPr/>
+              <a:t> </a:t>
+            </a:r>
+            <a:r>
+              <a:rPr/>
+              <a:t>third</a:t>
+            </a:r>
+            <a:r>
+              <a:rPr/>
+              <a:t> </a:t>
+            </a:r>
+            <a:r>
+              <a:rPr/>
+              <a:t>class</a:t>
+            </a:r>
+            <a:r>
+              <a:rPr/>
+              <a:t> </a:t>
+            </a:r>
+            <a:r>
+              <a:rPr/>
+              <a:t>females</a:t>
+            </a:r>
+            <a:r>
+              <a:rPr/>
+              <a:t> </a:t>
+            </a:r>
+            <a:r>
+              <a:rPr/>
+              <a:t>to</a:t>
+            </a:r>
+            <a:r>
+              <a:rPr/>
+              <a:t> </a:t>
+            </a:r>
+            <a:r>
+              <a:rPr/>
+              <a:t>the</a:t>
+            </a:r>
+            <a:r>
+              <a:rPr/>
+              <a:t> </a:t>
+            </a:r>
+            <a:r>
+              <a:rPr/>
+              <a:t>third</a:t>
+            </a:r>
+            <a:r>
+              <a:rPr/>
+              <a:t> </a:t>
+            </a:r>
+            <a:r>
+              <a:rPr/>
+              <a:t>class</a:t>
+            </a:r>
+            <a:r>
+              <a:rPr/>
+              <a:t> </a:t>
+            </a:r>
+            <a:r>
+              <a:rPr/>
+              <a:t>males</a:t>
+            </a:r>
+            <a:r>
+              <a:rPr/>
+              <a:t> </a:t>
+            </a:r>
+            <a:r>
+              <a:rPr/>
+              <a:t>is</a:t>
+            </a:r>
+            <a:r>
+              <a:rPr/>
+              <a:t> </a:t>
+            </a:r>
+            <a:r>
+              <a:rPr/>
+              <a:t>the</a:t>
+            </a:r>
+            <a:r>
+              <a:rPr/>
+              <a:t> </a:t>
+            </a:r>
+            <a:r>
+              <a:rPr/>
+              <a:t>easiest</a:t>
+            </a:r>
+            <a:r>
+              <a:rPr/>
+              <a:t> </a:t>
+            </a:r>
+            <a:r>
+              <a:rPr/>
+              <a:t>comparison,</a:t>
+            </a:r>
+            <a:r>
+              <a:rPr/>
+              <a:t> </a:t>
+            </a:r>
+            <a:r>
+              <a:rPr/>
+              <a:t>because</a:t>
+            </a:r>
+            <a:r>
+              <a:rPr/>
+              <a:t> </a:t>
+            </a:r>
+            <a:r>
+              <a:rPr/>
+              <a:t>it</a:t>
+            </a:r>
+            <a:r>
+              <a:rPr/>
+              <a:t> </a:t>
+            </a:r>
+            <a:r>
+              <a:rPr/>
+              <a:t>is</a:t>
+            </a:r>
+            <a:r>
+              <a:rPr/>
+              <a:t> </a:t>
+            </a:r>
+            <a:r>
+              <a:rPr/>
+              <a:t>a</a:t>
+            </a:r>
+            <a:r>
+              <a:rPr/>
+              <a:t> </a:t>
+            </a:r>
+            <a:r>
+              <a:rPr/>
+              <a:t>projection.</a:t>
+            </a:r>
+            <a:r>
+              <a:rPr/>
+              <a:t> </a:t>
+            </a:r>
+            <a:r>
+              <a:rPr/>
+              <a:t>To</a:t>
+            </a:r>
+            <a:r>
+              <a:rPr/>
+              <a:t> </a:t>
+            </a:r>
+            <a:r>
+              <a:rPr/>
+              <a:t>compare</a:t>
+            </a:r>
+            <a:r>
+              <a:rPr/>
+              <a:t> </a:t>
+            </a:r>
+            <a:r>
+              <a:rPr/>
+              <a:t>third</a:t>
+            </a:r>
+            <a:r>
+              <a:rPr/>
+              <a:t> </a:t>
+            </a:r>
+            <a:r>
+              <a:rPr/>
+              <a:t>class</a:t>
+            </a:r>
+            <a:r>
+              <a:rPr/>
+              <a:t> </a:t>
+            </a:r>
+            <a:r>
+              <a:rPr/>
+              <a:t>females</a:t>
+            </a:r>
+            <a:r>
+              <a:rPr/>
+              <a:t> </a:t>
+            </a:r>
+            <a:r>
+              <a:rPr/>
+              <a:t>to</a:t>
+            </a:r>
+            <a:r>
+              <a:rPr/>
+              <a:t> </a:t>
+            </a:r>
+            <a:r>
+              <a:rPr/>
+              <a:t>third</a:t>
+            </a:r>
+            <a:r>
+              <a:rPr/>
+              <a:t> </a:t>
+            </a:r>
+            <a:r>
+              <a:rPr/>
+              <a:t>class</a:t>
+            </a:r>
+            <a:r>
+              <a:rPr/>
+              <a:t> </a:t>
+            </a:r>
+            <a:r>
+              <a:rPr/>
+              <a:t>males,</a:t>
+            </a:r>
+            <a:r>
+              <a:rPr/>
+              <a:t> </a:t>
+            </a:r>
+            <a:r>
+              <a:rPr/>
+              <a:t>you</a:t>
+            </a:r>
+            <a:r>
+              <a:rPr/>
+              <a:t> </a:t>
+            </a:r>
+            <a:r>
+              <a:rPr/>
+              <a:t>just</a:t>
+            </a:r>
+            <a:r>
+              <a:rPr/>
+              <a:t> </a:t>
+            </a:r>
+            <a:r>
+              <a:rPr/>
+              <a:t>slide</a:t>
+            </a:r>
+            <a:r>
+              <a:rPr/>
+              <a:t> </a:t>
+            </a:r>
+            <a:r>
+              <a:rPr/>
+              <a:t>the</a:t>
+            </a:r>
+            <a:r>
+              <a:rPr/>
+              <a:t> </a:t>
+            </a:r>
+            <a:r>
+              <a:rPr/>
+              <a:t>female</a:t>
+            </a:r>
+            <a:r>
+              <a:rPr/>
+              <a:t> </a:t>
+            </a:r>
+            <a:r>
+              <a:rPr/>
+              <a:t>blue</a:t>
+            </a:r>
+            <a:r>
+              <a:rPr/>
+              <a:t> </a:t>
+            </a:r>
+            <a:r>
+              <a:rPr/>
+              <a:t>bar</a:t>
+            </a:r>
+            <a:r>
+              <a:rPr/>
+              <a:t> </a:t>
+            </a:r>
+            <a:r>
+              <a:rPr/>
+              <a:t>horizontally</a:t>
+            </a:r>
+            <a:r>
+              <a:rPr/>
+              <a:t> </a:t>
+            </a:r>
+            <a:r>
+              <a:rPr/>
+              <a:t>to</a:t>
+            </a:r>
+            <a:r>
+              <a:rPr/>
+              <a:t> </a:t>
+            </a:r>
+            <a:r>
+              <a:rPr/>
+              <a:t>the</a:t>
+            </a:r>
+            <a:r>
+              <a:rPr/>
+              <a:t> </a:t>
+            </a:r>
+            <a:r>
+              <a:rPr/>
+              <a:t>male</a:t>
+            </a:r>
+            <a:r>
+              <a:rPr/>
+              <a:t> </a:t>
+            </a:r>
+            <a:r>
+              <a:rPr/>
+              <a:t>blue</a:t>
+            </a:r>
+            <a:r>
+              <a:rPr/>
+              <a:t> </a:t>
+            </a:r>
+            <a:r>
+              <a:rPr/>
+              <a:t>bar.</a:t>
+            </a:r>
+            <a:r>
+              <a:rPr/>
+              <a:t> </a:t>
+            </a:r>
+            <a:r>
+              <a:rPr/>
+              <a:t>For</a:t>
+            </a:r>
+            <a:r>
+              <a:rPr/>
+              <a:t> </a:t>
+            </a:r>
+            <a:r>
+              <a:rPr/>
+              <a:t>the</a:t>
+            </a:r>
+            <a:r>
+              <a:rPr/>
+              <a:t> </a:t>
+            </a:r>
+            <a:r>
+              <a:rPr/>
+              <a:t>others,</a:t>
+            </a:r>
+            <a:r>
+              <a:rPr/>
+              <a:t> </a:t>
+            </a:r>
+            <a:r>
+              <a:rPr/>
+              <a:t>the</a:t>
+            </a:r>
+            <a:r>
+              <a:rPr/>
+              <a:t> </a:t>
+            </a:r>
+            <a:r>
+              <a:rPr/>
+              <a:t>comparison</a:t>
+            </a:r>
+            <a:r>
+              <a:rPr/>
+              <a:t> </a:t>
+            </a:r>
+            <a:r>
+              <a:rPr/>
+              <a:t>is</a:t>
+            </a:r>
+            <a:r>
+              <a:rPr/>
+              <a:t> </a:t>
+            </a:r>
+            <a:r>
+              <a:rPr/>
+              <a:t>a</a:t>
+            </a:r>
+            <a:r>
+              <a:rPr/>
+              <a:t> </a:t>
+            </a:r>
+            <a:r>
+              <a:rPr/>
+              <a:t>superimposition,</a:t>
+            </a:r>
+            <a:r>
+              <a:rPr/>
+              <a:t> </a:t>
+            </a:r>
+            <a:r>
+              <a:rPr/>
+              <a:t>you</a:t>
+            </a:r>
+            <a:r>
+              <a:rPr/>
+              <a:t> </a:t>
+            </a:r>
+            <a:r>
+              <a:rPr/>
+              <a:t>have</a:t>
+            </a:r>
+            <a:r>
+              <a:rPr/>
+              <a:t> </a:t>
+            </a:r>
+            <a:r>
+              <a:rPr/>
+              <a:t>to</a:t>
+            </a:r>
+            <a:r>
+              <a:rPr/>
+              <a:t> </a:t>
+            </a:r>
+            <a:r>
+              <a:rPr/>
+              <a:t>shift</a:t>
+            </a:r>
+            <a:r>
+              <a:rPr/>
+              <a:t> </a:t>
+            </a:r>
+            <a:r>
+              <a:rPr/>
+              <a:t>one</a:t>
+            </a:r>
+            <a:r>
+              <a:rPr/>
+              <a:t> </a:t>
+            </a:r>
+            <a:r>
+              <a:rPr/>
+              <a:t>bar</a:t>
+            </a:r>
+            <a:r>
+              <a:rPr/>
+              <a:t> </a:t>
+            </a:r>
+            <a:r>
+              <a:rPr/>
+              <a:t>diagonally</a:t>
+            </a:r>
+            <a:r>
+              <a:rPr/>
+              <a:t> </a:t>
+            </a:r>
+            <a:r>
+              <a:rPr/>
+              <a:t>to</a:t>
+            </a:r>
+            <a:r>
+              <a:rPr/>
+              <a:t> </a:t>
+            </a:r>
+            <a:r>
+              <a:rPr/>
+              <a:t>compare</a:t>
+            </a:r>
+            <a:r>
+              <a:rPr/>
+              <a:t> </a:t>
+            </a:r>
+            <a:r>
+              <a:rPr/>
+              <a:t>it</a:t>
+            </a:r>
+            <a:r>
+              <a:rPr/>
+              <a:t> </a:t>
+            </a:r>
+            <a:r>
+              <a:rPr/>
+              <a:t>to</a:t>
+            </a:r>
+            <a:r>
+              <a:rPr/>
+              <a:t> </a:t>
+            </a:r>
+            <a:r>
+              <a:rPr/>
+              <a:t>another.</a:t>
+            </a:r>
+            <a:r>
+              <a:rPr/>
+              <a:t> </a:t>
+            </a:r>
+            <a:r>
+              <a:rPr/>
+              <a:t>The</a:t>
+            </a:r>
+            <a:r>
+              <a:rPr/>
+              <a:t> </a:t>
+            </a:r>
+            <a:r>
+              <a:rPr/>
+              <a:t>two</a:t>
+            </a:r>
+            <a:r>
+              <a:rPr/>
+              <a:t> </a:t>
+            </a:r>
+            <a:r>
+              <a:rPr/>
+              <a:t>salmon</a:t>
+            </a:r>
+            <a:r>
+              <a:rPr/>
+              <a:t> </a:t>
+            </a:r>
+            <a:r>
+              <a:rPr/>
+              <a:t>bars</a:t>
+            </a:r>
+            <a:r>
+              <a:rPr/>
+              <a:t> </a:t>
+            </a:r>
+            <a:r>
+              <a:rPr/>
+              <a:t>representing</a:t>
+            </a:r>
+            <a:r>
+              <a:rPr/>
+              <a:t> </a:t>
+            </a:r>
+            <a:r>
+              <a:rPr/>
+              <a:t>first</a:t>
+            </a:r>
+            <a:r>
+              <a:rPr/>
+              <a:t> </a:t>
+            </a:r>
+            <a:r>
+              <a:rPr/>
+              <a:t>class</a:t>
+            </a:r>
+            <a:r>
+              <a:rPr/>
+              <a:t> </a:t>
+            </a:r>
+            <a:r>
+              <a:rPr/>
+              <a:t>females</a:t>
+            </a:r>
+            <a:r>
+              <a:rPr/>
+              <a:t> </a:t>
+            </a:r>
+            <a:r>
+              <a:rPr/>
+              <a:t>and</a:t>
+            </a:r>
+            <a:r>
+              <a:rPr/>
+              <a:t> </a:t>
+            </a:r>
+            <a:r>
+              <a:rPr/>
+              <a:t>first</a:t>
+            </a:r>
+            <a:r>
+              <a:rPr/>
+              <a:t> </a:t>
+            </a:r>
+            <a:r>
+              <a:rPr/>
+              <a:t>class</a:t>
+            </a:r>
+            <a:r>
+              <a:rPr/>
+              <a:t> </a:t>
+            </a:r>
+            <a:r>
+              <a:rPr/>
+              <a:t>males</a:t>
+            </a:r>
+            <a:r>
+              <a:rPr/>
+              <a:t> </a:t>
+            </a:r>
+            <a:r>
+              <a:rPr/>
+              <a:t>are</a:t>
+            </a:r>
+            <a:r>
+              <a:rPr/>
+              <a:t> </a:t>
+            </a:r>
+            <a:r>
+              <a:rPr/>
+              <a:t>almost</a:t>
+            </a:r>
+            <a:r>
+              <a:rPr/>
+              <a:t> </a:t>
+            </a:r>
+            <a:r>
+              <a:rPr/>
+              <a:t>the</a:t>
+            </a:r>
+            <a:r>
+              <a:rPr/>
+              <a:t> </a:t>
+            </a:r>
+            <a:r>
+              <a:rPr/>
+              <a:t>same</a:t>
+            </a:r>
+            <a:r>
+              <a:rPr/>
+              <a:t> </a:t>
+            </a:r>
+            <a:r>
+              <a:rPr/>
+              <a:t>size,</a:t>
+            </a:r>
+            <a:r>
+              <a:rPr/>
+              <a:t> </a:t>
+            </a:r>
+            <a:r>
+              <a:rPr/>
+              <a:t>but</a:t>
+            </a:r>
+            <a:r>
+              <a:rPr/>
+              <a:t> </a:t>
+            </a:r>
+            <a:r>
+              <a:rPr/>
+              <a:t>it’s</a:t>
+            </a:r>
+            <a:r>
+              <a:rPr/>
+              <a:t> </a:t>
+            </a:r>
+            <a:r>
+              <a:rPr/>
+              <a:t>hard</a:t>
+            </a:r>
+            <a:r>
+              <a:rPr/>
+              <a:t> </a:t>
+            </a:r>
+            <a:r>
+              <a:rPr/>
+              <a:t>to</a:t>
+            </a:r>
+            <a:r>
+              <a:rPr/>
+              <a:t> </a:t>
+            </a:r>
+            <a:r>
+              <a:rPr/>
+              <a:t>tell</a:t>
+            </a:r>
+            <a:r>
+              <a:rPr/>
+              <a:t> </a:t>
+            </a:r>
+            <a:r>
+              <a:rPr/>
+              <a:t>with</a:t>
+            </a:r>
+            <a:r>
+              <a:rPr/>
+              <a:t> </a:t>
+            </a:r>
+            <a:r>
+              <a:rPr/>
+              <a:t>this</a:t>
+            </a:r>
+            <a:r>
+              <a:rPr/>
+              <a:t> </a:t>
+            </a:r>
+            <a:r>
+              <a:rPr/>
+              <a:t>graph</a:t>
+            </a:r>
+            <a:r>
+              <a:rPr/>
+              <a:t> </a:t>
+            </a:r>
+            <a:r>
+              <a:rPr/>
+              <a:t>because</a:t>
+            </a:r>
+            <a:r>
+              <a:rPr/>
+              <a:t> </a:t>
+            </a:r>
+            <a:r>
+              <a:rPr/>
+              <a:t>the</a:t>
+            </a:r>
+            <a:r>
+              <a:rPr/>
+              <a:t> </a:t>
+            </a:r>
+            <a:r>
+              <a:rPr/>
+              <a:t>diagonal</a:t>
+            </a:r>
+            <a:r>
+              <a:rPr/>
+              <a:t> </a:t>
+            </a:r>
+            <a:r>
+              <a:rPr/>
+              <a:t>shift</a:t>
+            </a:r>
+            <a:r>
+              <a:rPr/>
+              <a:t> </a:t>
+            </a:r>
+            <a:r>
+              <a:rPr/>
+              <a:t>is</a:t>
+            </a:r>
+            <a:r>
+              <a:rPr/>
+              <a:t> </a:t>
+            </a:r>
+            <a:r>
+              <a:rPr/>
+              <a:t>slower</a:t>
+            </a:r>
+            <a:r>
+              <a:rPr/>
+              <a:t> </a:t>
+            </a:r>
+            <a:r>
+              <a:rPr/>
+              <a:t>and</a:t>
+            </a:r>
+            <a:r>
+              <a:rPr/>
+              <a:t> </a:t>
+            </a:r>
+            <a:r>
+              <a:rPr/>
+              <a:t>less</a:t>
+            </a:r>
+            <a:r>
+              <a:rPr/>
+              <a:t> </a:t>
+            </a:r>
+            <a:r>
+              <a:rPr/>
+              <a:t>accurate.</a:t>
+            </a:r>
+          </a:p>
+        </p:txBody>
+      </p:sp>
+      <p:sp>
+        <p:nvSpPr>
+          <p:cNvPr id="4" name="Slide Number Placeholder 3"/>
+          <p:cNvSpPr>
+            <a:spLocks noGrp="1"/>
+          </p:cNvSpPr>
+          <p:nvPr>
+            <p:ph type="sldNum" sz="quarter" idx="10"/>
+          </p:nvPr>
+        </p:nvSpPr>
+        <p:spPr/>
+        <p:txBody>
+          <a:bodyPr/>
+          <a:lstStyle/>
+          <a:p>
+            <a:fld id="{18BDFEC3-8487-43E8-A154-7C12CBC1FFF2}" type="slidenum">
+              <a:rPr lang="en-US"/>
+              <a:t>14</a:t>
+            </a:fld>
+            <a:endParaRPr lang="en-US"/>
+          </a:p>
+        </p:txBody>
+      </p:sp>
+    </p:spTree>
+  </p:cSld>
+</p:notes>
+</file>
+
+<file path=ppt/notesSlides/notesSlide14.xml><?xml version="1.0" encoding="utf-8"?>
+<p:notes xmlns:a="http://schemas.openxmlformats.org/drawingml/2006/main" xmlns:r="http://schemas.openxmlformats.org/officeDocument/2006/relationships" xmlns:p="http://schemas.openxmlformats.org/presentationml/2006/main">
+  <p:cSld>
+    <p:spTree>
+      <p:nvGrpSpPr>
+        <p:cNvPr id="1" name=""/>
+        <p:cNvGrpSpPr/>
+        <p:nvPr/>
+      </p:nvGrpSpPr>
+      <p:grpSpPr>
+        <a:xfrm>
+          <a:off x="0" y="0"/>
+          <a:ext cx="0" cy="0"/>
+          <a:chOff x="0" y="0"/>
+          <a:chExt cx="0" cy="0"/>
+        </a:xfrm>
+      </p:grpSpPr>
+      <p:sp>
+        <p:nvSpPr>
+          <p:cNvPr id="2" name="Slide Image Placeholder 1"/>
+          <p:cNvSpPr>
+            <a:spLocks noGrp="1" noRot="1" noChangeAspect="1"/>
+          </p:cNvSpPr>
+          <p:nvPr>
+            <p:ph type="sldImg"/>
+          </p:nvPr>
+        </p:nvSpPr>
+        <p:spPr/>
+      </p:sp>
+      <p:sp>
+        <p:nvSpPr>
+          <p:cNvPr id="3" name="Notes Placeholder 2"/>
+          <p:cNvSpPr>
+            <a:spLocks noGrp="1"/>
+          </p:cNvSpPr>
+          <p:nvPr>
+            <p:ph type="body" idx="1"/>
+          </p:nvPr>
+        </p:nvSpPr>
+        <p:spPr/>
+        <p:txBody>
+          <a:bodyPr/>
+          <a:lstStyle/>
+          <a:p>
+            <a:pPr lvl="0" marL="0" indent="0">
+              <a:buNone/>
+            </a:pPr>
+            <a:r>
+              <a:rPr/>
+              <a:t>Notice</a:t>
+            </a:r>
+            <a:r>
+              <a:rPr/>
+              <a:t> </a:t>
+            </a:r>
+            <a:r>
+              <a:rPr/>
+              <a:t>how</a:t>
+            </a:r>
+            <a:r>
+              <a:rPr/>
+              <a:t> </a:t>
+            </a:r>
+            <a:r>
+              <a:rPr/>
+              <a:t>the</a:t>
+            </a:r>
+            <a:r>
+              <a:rPr/>
+              <a:t> </a:t>
+            </a:r>
+            <a:r>
+              <a:rPr/>
+              <a:t>comparison</a:t>
+            </a:r>
+            <a:r>
+              <a:rPr/>
+              <a:t> </a:t>
+            </a:r>
+            <a:r>
+              <a:rPr/>
+              <a:t>of</a:t>
+            </a:r>
+            <a:r>
+              <a:rPr/>
+              <a:t> </a:t>
+            </a:r>
+            <a:r>
+              <a:rPr/>
+              <a:t>first</a:t>
+            </a:r>
+            <a:r>
+              <a:rPr/>
+              <a:t> </a:t>
+            </a:r>
+            <a:r>
+              <a:rPr/>
+              <a:t>class</a:t>
+            </a:r>
+            <a:r>
+              <a:rPr/>
+              <a:t> </a:t>
+            </a:r>
+            <a:r>
+              <a:rPr/>
+              <a:t>females</a:t>
+            </a:r>
+            <a:r>
+              <a:rPr/>
+              <a:t> </a:t>
+            </a:r>
+            <a:r>
+              <a:rPr/>
+              <a:t>and</a:t>
+            </a:r>
+            <a:r>
+              <a:rPr/>
+              <a:t> </a:t>
+            </a:r>
+            <a:r>
+              <a:rPr/>
+              <a:t>first</a:t>
+            </a:r>
+            <a:r>
+              <a:rPr/>
+              <a:t> </a:t>
+            </a:r>
+            <a:r>
+              <a:rPr/>
+              <a:t>class</a:t>
+            </a:r>
+            <a:r>
+              <a:rPr/>
+              <a:t> </a:t>
+            </a:r>
+            <a:r>
+              <a:rPr/>
+              <a:t>males</a:t>
+            </a:r>
+            <a:r>
+              <a:rPr/>
+              <a:t> </a:t>
+            </a:r>
+            <a:r>
+              <a:rPr/>
+              <a:t>is</a:t>
+            </a:r>
+            <a:r>
+              <a:rPr/>
+              <a:t> </a:t>
+            </a:r>
+            <a:r>
+              <a:rPr/>
+              <a:t>so</a:t>
+            </a:r>
+            <a:r>
+              <a:rPr/>
+              <a:t> </a:t>
+            </a:r>
+            <a:r>
+              <a:rPr/>
+              <a:t>much</a:t>
+            </a:r>
+            <a:r>
+              <a:rPr/>
+              <a:t> </a:t>
+            </a:r>
+            <a:r>
+              <a:rPr/>
+              <a:t>easier</a:t>
+            </a:r>
+            <a:r>
+              <a:rPr/>
+              <a:t> </a:t>
+            </a:r>
+            <a:r>
+              <a:rPr/>
+              <a:t>when</a:t>
+            </a:r>
+            <a:r>
+              <a:rPr/>
+              <a:t> </a:t>
+            </a:r>
+            <a:r>
+              <a:rPr/>
+              <a:t>you</a:t>
+            </a:r>
+            <a:r>
+              <a:rPr/>
+              <a:t> </a:t>
+            </a:r>
+            <a:r>
+              <a:rPr/>
+              <a:t>place</a:t>
+            </a:r>
+            <a:r>
+              <a:rPr/>
+              <a:t> </a:t>
+            </a:r>
+            <a:r>
+              <a:rPr/>
+              <a:t>them</a:t>
+            </a:r>
+            <a:r>
+              <a:rPr/>
+              <a:t> </a:t>
+            </a:r>
+            <a:r>
+              <a:rPr/>
+              <a:t>at</a:t>
+            </a:r>
+            <a:r>
+              <a:rPr/>
+              <a:t> </a:t>
+            </a:r>
+            <a:r>
+              <a:rPr/>
+              <a:t>the</a:t>
+            </a:r>
+            <a:r>
+              <a:rPr/>
+              <a:t> </a:t>
+            </a:r>
+            <a:r>
+              <a:rPr/>
+              <a:t>bottom</a:t>
+            </a:r>
+            <a:r>
+              <a:rPr/>
+              <a:t> </a:t>
+            </a:r>
+            <a:r>
+              <a:rPr/>
+              <a:t>of</a:t>
+            </a:r>
+            <a:r>
+              <a:rPr/>
+              <a:t> </a:t>
+            </a:r>
+            <a:r>
+              <a:rPr/>
+              <a:t>the</a:t>
+            </a:r>
+            <a:r>
+              <a:rPr/>
+              <a:t> </a:t>
+            </a:r>
+            <a:r>
+              <a:rPr/>
+              <a:t>graph?</a:t>
+            </a:r>
+          </a:p>
+        </p:txBody>
+      </p:sp>
+      <p:sp>
+        <p:nvSpPr>
+          <p:cNvPr id="4" name="Slide Number Placeholder 3"/>
+          <p:cNvSpPr>
+            <a:spLocks noGrp="1"/>
+          </p:cNvSpPr>
+          <p:nvPr>
+            <p:ph type="sldNum" sz="quarter" idx="10"/>
+          </p:nvPr>
+        </p:nvSpPr>
+        <p:spPr/>
+        <p:txBody>
+          <a:bodyPr/>
+          <a:lstStyle/>
+          <a:p>
+            <a:fld id="{18BDFEC3-8487-43E8-A154-7C12CBC1FFF2}" type="slidenum">
+              <a:rPr lang="en-US"/>
+              <a:t>15</a:t>
+            </a:fld>
+            <a:endParaRPr lang="en-US"/>
+          </a:p>
+        </p:txBody>
+      </p:sp>
+    </p:spTree>
+  </p:cSld>
+</p:notes>
+</file>
+
 <file path=ppt/notesSlides/notesSlide2.xml><?xml version="1.0" encoding="utf-8"?>
 <p:notes xmlns:a="http://schemas.openxmlformats.org/drawingml/2006/main" xmlns:r="http://schemas.openxmlformats.org/officeDocument/2006/relationships" xmlns:p="http://schemas.openxmlformats.org/presentationml/2006/main">
   <p:cSld>
@@ -3520,23 +6967,23 @@
             </a:r>
             <a:r>
               <a:rPr/>
-              <a:t>often</a:t>
-            </a:r>
-            <a:r>
-              <a:rPr/>
-              <a:t> </a:t>
-            </a:r>
-            <a:r>
-              <a:rPr/>
-              <a:t>fit</a:t>
-            </a:r>
-            <a:r>
-              <a:rPr/>
-              <a:t> </a:t>
-            </a:r>
-            <a:r>
-              <a:rPr/>
-              <a:t>better</a:t>
+              <a:t>will</a:t>
+            </a:r>
+            <a:r>
+              <a:rPr/>
+              <a:t> </a:t>
+            </a:r>
+            <a:r>
+              <a:rPr/>
+              <a:t>sometimes</a:t>
+            </a:r>
+            <a:r>
+              <a:rPr/>
+              <a:t> </a:t>
+            </a:r>
+            <a:r>
+              <a:rPr/>
+              <a:t>clash</a:t>
             </a:r>
             <a:r>
               <a:rPr/>
@@ -3940,15 +7387,87 @@
             </a:pPr>
             <a:r>
               <a:rPr/>
-              <a:t>Labels</a:t>
-            </a:r>
-            <a:r>
-              <a:rPr/>
-              <a:t> </a:t>
-            </a:r>
-            <a:r>
-              <a:rPr/>
-              <a:t>often</a:t>
+              <a:t>A</a:t>
+            </a:r>
+            <a:r>
+              <a:rPr/>
+              <a:t> </a:t>
+            </a:r>
+            <a:r>
+              <a:rPr/>
+              <a:t>better</a:t>
+            </a:r>
+            <a:r>
+              <a:rPr/>
+              <a:t> </a:t>
+            </a:r>
+            <a:r>
+              <a:rPr/>
+              <a:t>solution</a:t>
+            </a:r>
+            <a:r>
+              <a:rPr/>
+              <a:t> </a:t>
+            </a:r>
+            <a:r>
+              <a:rPr/>
+              <a:t>is</a:t>
+            </a:r>
+            <a:r>
+              <a:rPr/>
+              <a:t> </a:t>
+            </a:r>
+            <a:r>
+              <a:rPr/>
+              <a:t>to</a:t>
+            </a:r>
+            <a:r>
+              <a:rPr/>
+              <a:t> </a:t>
+            </a:r>
+            <a:r>
+              <a:rPr/>
+              <a:t>turn</a:t>
+            </a:r>
+            <a:r>
+              <a:rPr/>
+              <a:t> </a:t>
+            </a:r>
+            <a:r>
+              <a:rPr/>
+              <a:t>the</a:t>
+            </a:r>
+            <a:r>
+              <a:rPr/>
+              <a:t> </a:t>
+            </a:r>
+            <a:r>
+              <a:rPr/>
+              <a:t>bars</a:t>
+            </a:r>
+            <a:r>
+              <a:rPr/>
+              <a:t> </a:t>
+            </a:r>
+            <a:r>
+              <a:rPr/>
+              <a:t>sideways.</a:t>
+            </a:r>
+            <a:r>
+              <a:rPr/>
+              <a:t> </a:t>
+            </a:r>
+            <a:r>
+              <a:rPr/>
+              <a:t>The</a:t>
+            </a:r>
+            <a:r>
+              <a:rPr/>
+              <a:t> </a:t>
+            </a:r>
+            <a:r>
+              <a:rPr/>
+              <a:t>labels</a:t>
             </a:r>
             <a:r>
               <a:rPr/>
@@ -3988,7 +7507,7 @@
             </a:r>
             <a:r>
               <a:rPr/>
-              <a:t>vertical</a:t>
+              <a:t>horizontal</a:t>
             </a:r>
             <a:r>
               <a:rPr/>
@@ -4086,6 +7605,858 @@
             </a:pPr>
             <a:r>
               <a:rPr/>
+              <a:t>With</a:t>
+            </a:r>
+            <a:r>
+              <a:rPr/>
+              <a:t> </a:t>
+            </a:r>
+            <a:r>
+              <a:rPr/>
+              <a:t>a</a:t>
+            </a:r>
+            <a:r>
+              <a:rPr/>
+              <a:t> </a:t>
+            </a:r>
+            <a:r>
+              <a:rPr/>
+              <a:t>large</a:t>
+            </a:r>
+            <a:r>
+              <a:rPr/>
+              <a:t> </a:t>
+            </a:r>
+            <a:r>
+              <a:rPr/>
+              <a:t>number</a:t>
+            </a:r>
+            <a:r>
+              <a:rPr/>
+              <a:t> </a:t>
+            </a:r>
+            <a:r>
+              <a:rPr/>
+              <a:t>of</a:t>
+            </a:r>
+            <a:r>
+              <a:rPr/>
+              <a:t> </a:t>
+            </a:r>
+            <a:r>
+              <a:rPr/>
+              <a:t>bars</a:t>
+            </a:r>
+            <a:r>
+              <a:rPr/>
+              <a:t> </a:t>
+            </a:r>
+            <a:r>
+              <a:rPr/>
+              <a:t>and</a:t>
+            </a:r>
+            <a:r>
+              <a:rPr/>
+              <a:t> </a:t>
+            </a:r>
+            <a:r>
+              <a:rPr/>
+              <a:t>a</a:t>
+            </a:r>
+            <a:r>
+              <a:rPr/>
+              <a:t> </a:t>
+            </a:r>
+            <a:r>
+              <a:rPr/>
+              <a:t>limited</a:t>
+            </a:r>
+            <a:r>
+              <a:rPr/>
+              <a:t> </a:t>
+            </a:r>
+            <a:r>
+              <a:rPr/>
+              <a:t>number</a:t>
+            </a:r>
+            <a:r>
+              <a:rPr/>
+              <a:t> </a:t>
+            </a:r>
+            <a:r>
+              <a:rPr/>
+              <a:t>of</a:t>
+            </a:r>
+            <a:r>
+              <a:rPr/>
+              <a:t> </a:t>
+            </a:r>
+            <a:r>
+              <a:rPr/>
+              <a:t>pixels</a:t>
+            </a:r>
+            <a:r>
+              <a:rPr/>
+              <a:t> </a:t>
+            </a:r>
+            <a:r>
+              <a:rPr/>
+              <a:t>in</a:t>
+            </a:r>
+            <a:r>
+              <a:rPr/>
+              <a:t> </a:t>
+            </a:r>
+            <a:r>
+              <a:rPr/>
+              <a:t>your</a:t>
+            </a:r>
+            <a:r>
+              <a:rPr/>
+              <a:t> </a:t>
+            </a:r>
+            <a:r>
+              <a:rPr/>
+              <a:t>image,</a:t>
+            </a:r>
+            <a:r>
+              <a:rPr/>
+              <a:t> </a:t>
+            </a:r>
+            <a:r>
+              <a:rPr/>
+              <a:t>you</a:t>
+            </a:r>
+            <a:r>
+              <a:rPr/>
+              <a:t> </a:t>
+            </a:r>
+            <a:r>
+              <a:rPr/>
+              <a:t>might</a:t>
+            </a:r>
+            <a:r>
+              <a:rPr/>
+              <a:t> </a:t>
+            </a:r>
+            <a:r>
+              <a:rPr/>
+              <a:t>end</a:t>
+            </a:r>
+            <a:r>
+              <a:rPr/>
+              <a:t> </a:t>
+            </a:r>
+            <a:r>
+              <a:rPr/>
+              <a:t>up</a:t>
+            </a:r>
+            <a:r>
+              <a:rPr/>
+              <a:t> </a:t>
+            </a:r>
+            <a:r>
+              <a:rPr/>
+              <a:t>seeing</a:t>
+            </a:r>
+            <a:r>
+              <a:rPr/>
+              <a:t> </a:t>
+            </a:r>
+            <a:r>
+              <a:rPr/>
+              <a:t>some</a:t>
+            </a:r>
+            <a:r>
+              <a:rPr/>
+              <a:t> </a:t>
+            </a:r>
+            <a:r>
+              <a:rPr/>
+              <a:t>artefacts</a:t>
+            </a:r>
+            <a:r>
+              <a:rPr/>
+              <a:t> </a:t>
+            </a:r>
+            <a:r>
+              <a:rPr/>
+              <a:t>caused</a:t>
+            </a:r>
+            <a:r>
+              <a:rPr/>
+              <a:t> </a:t>
+            </a:r>
+            <a:r>
+              <a:rPr/>
+              <a:t>by</a:t>
+            </a:r>
+            <a:r>
+              <a:rPr/>
+              <a:t> </a:t>
+            </a:r>
+            <a:r>
+              <a:rPr/>
+              <a:t>rounding.</a:t>
+            </a:r>
+            <a:r>
+              <a:rPr/>
+              <a:t> </a:t>
+            </a:r>
+            <a:r>
+              <a:rPr/>
+              <a:t>There</a:t>
+            </a:r>
+            <a:r>
+              <a:rPr/>
+              <a:t> </a:t>
+            </a:r>
+            <a:r>
+              <a:rPr/>
+              <a:t>is</a:t>
+            </a:r>
+            <a:r>
+              <a:rPr/>
+              <a:t> </a:t>
+            </a:r>
+            <a:r>
+              <a:rPr/>
+              <a:t>always</a:t>
+            </a:r>
+            <a:r>
+              <a:rPr/>
+              <a:t> </a:t>
+            </a:r>
+            <a:r>
+              <a:rPr/>
+              <a:t>some</a:t>
+            </a:r>
+            <a:r>
+              <a:rPr/>
+              <a:t> </a:t>
+            </a:r>
+            <a:r>
+              <a:rPr/>
+              <a:t>rounding</a:t>
+            </a:r>
+            <a:r>
+              <a:rPr/>
+              <a:t> </a:t>
+            </a:r>
+            <a:r>
+              <a:rPr/>
+              <a:t>error</a:t>
+            </a:r>
+            <a:r>
+              <a:rPr/>
+              <a:t> </a:t>
+            </a:r>
+            <a:r>
+              <a:rPr/>
+              <a:t>in</a:t>
+            </a:r>
+            <a:r>
+              <a:rPr/>
+              <a:t> </a:t>
+            </a:r>
+            <a:r>
+              <a:rPr/>
+              <a:t>the</a:t>
+            </a:r>
+            <a:r>
+              <a:rPr/>
+              <a:t> </a:t>
+            </a:r>
+            <a:r>
+              <a:rPr/>
+              <a:t>placement</a:t>
+            </a:r>
+            <a:r>
+              <a:rPr/>
+              <a:t> </a:t>
+            </a:r>
+            <a:r>
+              <a:rPr/>
+              <a:t>of</a:t>
+            </a:r>
+            <a:r>
+              <a:rPr/>
+              <a:t> </a:t>
+            </a:r>
+            <a:r>
+              <a:rPr/>
+              <a:t>bars,</a:t>
+            </a:r>
+            <a:r>
+              <a:rPr/>
+              <a:t> </a:t>
+            </a:r>
+            <a:r>
+              <a:rPr/>
+              <a:t>but</a:t>
+            </a:r>
+            <a:r>
+              <a:rPr/>
+              <a:t> </a:t>
+            </a:r>
+            <a:r>
+              <a:rPr/>
+              <a:t>this</a:t>
+            </a:r>
+            <a:r>
+              <a:rPr/>
+              <a:t> </a:t>
+            </a:r>
+            <a:r>
+              <a:rPr/>
+              <a:t>is</a:t>
+            </a:r>
+            <a:r>
+              <a:rPr/>
+              <a:t> </a:t>
+            </a:r>
+            <a:r>
+              <a:rPr/>
+              <a:t>mostly</a:t>
+            </a:r>
+            <a:r>
+              <a:rPr/>
+              <a:t> </a:t>
+            </a:r>
+            <a:r>
+              <a:rPr/>
+              <a:t>imperceptible</a:t>
+            </a:r>
+            <a:r>
+              <a:rPr/>
+              <a:t> </a:t>
+            </a:r>
+            <a:r>
+              <a:rPr/>
+              <a:t>when</a:t>
+            </a:r>
+            <a:r>
+              <a:rPr/>
+              <a:t> </a:t>
+            </a:r>
+            <a:r>
+              <a:rPr/>
+              <a:t>you</a:t>
+            </a:r>
+            <a:r>
+              <a:rPr/>
+              <a:t> </a:t>
+            </a:r>
+            <a:r>
+              <a:rPr/>
+              <a:t>only</a:t>
+            </a:r>
+            <a:r>
+              <a:rPr/>
+              <a:t> </a:t>
+            </a:r>
+            <a:r>
+              <a:rPr/>
+              <a:t>have</a:t>
+            </a:r>
+            <a:r>
+              <a:rPr/>
+              <a:t> </a:t>
+            </a:r>
+            <a:r>
+              <a:rPr/>
+              <a:t>a</a:t>
+            </a:r>
+            <a:r>
+              <a:rPr/>
+              <a:t> </a:t>
+            </a:r>
+            <a:r>
+              <a:rPr/>
+              <a:t>few</a:t>
+            </a:r>
+            <a:r>
+              <a:rPr/>
+              <a:t> </a:t>
+            </a:r>
+            <a:r>
+              <a:rPr/>
+              <a:t>bars.</a:t>
+            </a:r>
+            <a:r>
+              <a:rPr/>
+              <a:t> </a:t>
+            </a:r>
+            <a:r>
+              <a:rPr/>
+              <a:t>What</a:t>
+            </a:r>
+            <a:r>
+              <a:rPr/>
+              <a:t> </a:t>
+            </a:r>
+            <a:r>
+              <a:rPr/>
+              <a:t>is</a:t>
+            </a:r>
+            <a:r>
+              <a:rPr/>
+              <a:t> </a:t>
+            </a:r>
+            <a:r>
+              <a:rPr/>
+              <a:t>a</a:t>
+            </a:r>
+            <a:r>
+              <a:rPr/>
+              <a:t> </a:t>
+            </a:r>
+            <a:r>
+              <a:rPr/>
+              <a:t>pixel</a:t>
+            </a:r>
+            <a:r>
+              <a:rPr/>
+              <a:t> </a:t>
+            </a:r>
+            <a:r>
+              <a:rPr/>
+              <a:t>here</a:t>
+            </a:r>
+            <a:r>
+              <a:rPr/>
+              <a:t> </a:t>
+            </a:r>
+            <a:r>
+              <a:rPr/>
+              <a:t>or</a:t>
+            </a:r>
+            <a:r>
+              <a:rPr/>
+              <a:t> </a:t>
+            </a:r>
+            <a:r>
+              <a:rPr/>
+              <a:t>there</a:t>
+            </a:r>
+            <a:r>
+              <a:rPr/>
+              <a:t> </a:t>
+            </a:r>
+            <a:r>
+              <a:rPr/>
+              <a:t>when</a:t>
+            </a:r>
+            <a:r>
+              <a:rPr/>
+              <a:t> </a:t>
+            </a:r>
+            <a:r>
+              <a:rPr/>
+              <a:t>your</a:t>
+            </a:r>
+            <a:r>
+              <a:rPr/>
+              <a:t> </a:t>
+            </a:r>
+            <a:r>
+              <a:rPr/>
+              <a:t>bars</a:t>
+            </a:r>
+            <a:r>
+              <a:rPr/>
+              <a:t> </a:t>
+            </a:r>
+            <a:r>
+              <a:rPr/>
+              <a:t>are</a:t>
+            </a:r>
+            <a:r>
+              <a:rPr/>
+              <a:t> </a:t>
+            </a:r>
+            <a:r>
+              <a:rPr/>
+              <a:t>a</a:t>
+            </a:r>
+            <a:r>
+              <a:rPr/>
+              <a:t> </a:t>
+            </a:r>
+            <a:r>
+              <a:rPr/>
+              <a:t>hundred</a:t>
+            </a:r>
+            <a:r>
+              <a:rPr/>
+              <a:t> </a:t>
+            </a:r>
+            <a:r>
+              <a:rPr/>
+              <a:t>pixels</a:t>
+            </a:r>
+            <a:r>
+              <a:rPr/>
+              <a:t> </a:t>
+            </a:r>
+            <a:r>
+              <a:rPr/>
+              <a:t>wide</a:t>
+            </a:r>
+            <a:r>
+              <a:rPr/>
+              <a:t> </a:t>
+            </a:r>
+            <a:r>
+              <a:rPr/>
+              <a:t>and</a:t>
+            </a:r>
+            <a:r>
+              <a:rPr/>
+              <a:t> </a:t>
+            </a:r>
+            <a:r>
+              <a:rPr/>
+              <a:t>the</a:t>
+            </a:r>
+            <a:r>
+              <a:rPr/>
+              <a:t> </a:t>
+            </a:r>
+            <a:r>
+              <a:rPr/>
+              <a:t>gaps</a:t>
+            </a:r>
+            <a:r>
+              <a:rPr/>
+              <a:t> </a:t>
+            </a:r>
+            <a:r>
+              <a:rPr/>
+              <a:t>between</a:t>
+            </a:r>
+            <a:r>
+              <a:rPr/>
+              <a:t> </a:t>
+            </a:r>
+            <a:r>
+              <a:rPr/>
+              <a:t>the</a:t>
+            </a:r>
+            <a:r>
+              <a:rPr/>
+              <a:t> </a:t>
+            </a:r>
+            <a:r>
+              <a:rPr/>
+              <a:t>bars</a:t>
+            </a:r>
+            <a:r>
+              <a:rPr/>
+              <a:t> </a:t>
+            </a:r>
+            <a:r>
+              <a:rPr/>
+              <a:t>are</a:t>
+            </a:r>
+            <a:r>
+              <a:rPr/>
+              <a:t> </a:t>
+            </a:r>
+            <a:r>
+              <a:rPr/>
+              <a:t>10</a:t>
+            </a:r>
+            <a:r>
+              <a:rPr/>
+              <a:t> </a:t>
+            </a:r>
+            <a:r>
+              <a:rPr/>
+              <a:t>pixels</a:t>
+            </a:r>
+            <a:r>
+              <a:rPr/>
+              <a:t> </a:t>
+            </a:r>
+            <a:r>
+              <a:rPr/>
+              <a:t>wide?</a:t>
+            </a:r>
+          </a:p>
+          <a:p>
+            <a:pPr lvl="0" marL="0" indent="0">
+              <a:buNone/>
+            </a:pPr>
+          </a:p>
+          <a:p>
+            <a:pPr lvl="0" marL="0" indent="0">
+              <a:buNone/>
+            </a:pPr>
+            <a:r>
+              <a:rPr/>
+              <a:t>But</a:t>
+            </a:r>
+            <a:r>
+              <a:rPr/>
+              <a:t> </a:t>
+            </a:r>
+            <a:r>
+              <a:rPr/>
+              <a:t>a</a:t>
+            </a:r>
+            <a:r>
+              <a:rPr/>
+              <a:t> </a:t>
+            </a:r>
+            <a:r>
+              <a:rPr/>
+              <a:t>large</a:t>
+            </a:r>
+            <a:r>
+              <a:rPr/>
+              <a:t> </a:t>
+            </a:r>
+            <a:r>
+              <a:rPr/>
+              <a:t>number</a:t>
+            </a:r>
+            <a:r>
+              <a:rPr/>
+              <a:t> </a:t>
+            </a:r>
+            <a:r>
+              <a:rPr/>
+              <a:t>of</a:t>
+            </a:r>
+            <a:r>
+              <a:rPr/>
+              <a:t> </a:t>
+            </a:r>
+            <a:r>
+              <a:rPr/>
+              <a:t>bars</a:t>
+            </a:r>
+            <a:r>
+              <a:rPr/>
+              <a:t> </a:t>
+            </a:r>
+            <a:r>
+              <a:rPr/>
+              <a:t>will</a:t>
+            </a:r>
+            <a:r>
+              <a:rPr/>
+              <a:t> </a:t>
+            </a:r>
+            <a:r>
+              <a:rPr/>
+              <a:t>shrink</a:t>
+            </a:r>
+            <a:r>
+              <a:rPr/>
+              <a:t> </a:t>
+            </a:r>
+            <a:r>
+              <a:rPr/>
+              <a:t>the</a:t>
+            </a:r>
+            <a:r>
+              <a:rPr/>
+              <a:t> </a:t>
+            </a:r>
+            <a:r>
+              <a:rPr/>
+              <a:t>width</a:t>
+            </a:r>
+            <a:r>
+              <a:rPr/>
+              <a:t> </a:t>
+            </a:r>
+            <a:r>
+              <a:rPr/>
+              <a:t>of</a:t>
+            </a:r>
+            <a:r>
+              <a:rPr/>
+              <a:t> </a:t>
+            </a:r>
+            <a:r>
+              <a:rPr/>
+              <a:t>the</a:t>
+            </a:r>
+            <a:r>
+              <a:rPr/>
+              <a:t> </a:t>
+            </a:r>
+            <a:r>
+              <a:rPr/>
+              <a:t>bars</a:t>
+            </a:r>
+            <a:r>
+              <a:rPr/>
+              <a:t> </a:t>
+            </a:r>
+            <a:r>
+              <a:rPr/>
+              <a:t>and</a:t>
+            </a:r>
+            <a:r>
+              <a:rPr/>
+              <a:t> </a:t>
+            </a:r>
+            <a:r>
+              <a:rPr/>
+              <a:t>the</a:t>
+            </a:r>
+            <a:r>
+              <a:rPr/>
+              <a:t> </a:t>
+            </a:r>
+            <a:r>
+              <a:rPr/>
+              <a:t>size</a:t>
+            </a:r>
+            <a:r>
+              <a:rPr/>
+              <a:t> </a:t>
+            </a:r>
+            <a:r>
+              <a:rPr/>
+              <a:t>of</a:t>
+            </a:r>
+            <a:r>
+              <a:rPr/>
+              <a:t> </a:t>
+            </a:r>
+            <a:r>
+              <a:rPr/>
+              <a:t>the</a:t>
+            </a:r>
+            <a:r>
+              <a:rPr/>
+              <a:t> </a:t>
+            </a:r>
+            <a:r>
+              <a:rPr/>
+              <a:t>gaps</a:t>
+            </a:r>
+            <a:r>
+              <a:rPr/>
+              <a:t> </a:t>
+            </a:r>
+            <a:r>
+              <a:rPr/>
+              <a:t>to</a:t>
+            </a:r>
+            <a:r>
+              <a:rPr/>
+              <a:t> </a:t>
+            </a:r>
+            <a:r>
+              <a:rPr/>
+              <a:t>the</a:t>
+            </a:r>
+            <a:r>
+              <a:rPr/>
+              <a:t> </a:t>
+            </a:r>
+            <a:r>
+              <a:rPr/>
+              <a:t>point</a:t>
+            </a:r>
+            <a:r>
+              <a:rPr/>
+              <a:t> </a:t>
+            </a:r>
+            <a:r>
+              <a:rPr/>
+              <a:t>where</a:t>
+            </a:r>
+            <a:r>
+              <a:rPr/>
+              <a:t> </a:t>
+            </a:r>
+            <a:r>
+              <a:rPr/>
+              <a:t>having</a:t>
+            </a:r>
+            <a:r>
+              <a:rPr/>
+              <a:t> </a:t>
+            </a:r>
+            <a:r>
+              <a:rPr/>
+              <a:t>to</a:t>
+            </a:r>
+            <a:r>
+              <a:rPr/>
+              <a:t> </a:t>
+            </a:r>
+            <a:r>
+              <a:rPr/>
+              <a:t>add</a:t>
+            </a:r>
+            <a:r>
+              <a:rPr/>
+              <a:t> </a:t>
+            </a:r>
+            <a:r>
+              <a:rPr/>
+              <a:t>or</a:t>
+            </a:r>
+            <a:r>
+              <a:rPr/>
+              <a:t> </a:t>
+            </a:r>
+            <a:r>
+              <a:rPr/>
+              <a:t>remove</a:t>
+            </a:r>
+            <a:r>
+              <a:rPr/>
+              <a:t> </a:t>
+            </a:r>
+            <a:r>
+              <a:rPr/>
+              <a:t>a</a:t>
+            </a:r>
+            <a:r>
+              <a:rPr/>
+              <a:t> </a:t>
+            </a:r>
+            <a:r>
+              <a:rPr/>
+              <a:t>pixel</a:t>
+            </a:r>
+            <a:r>
+              <a:rPr/>
+              <a:t> </a:t>
+            </a:r>
+            <a:r>
+              <a:rPr/>
+              <a:t>becomes</a:t>
+            </a:r>
+            <a:r>
+              <a:rPr/>
+              <a:t> </a:t>
+            </a:r>
+            <a:r>
+              <a:rPr/>
+              <a:t>noticeable.</a:t>
+            </a:r>
+          </a:p>
+          <a:p>
+            <a:pPr lvl="0" marL="0" indent="0">
+              <a:buNone/>
+            </a:pPr>
+          </a:p>
+          <a:p>
+            <a:pPr lvl="0" marL="0" indent="0">
+              <a:buNone/>
+            </a:pPr>
+            <a:r>
+              <a:rPr/>
               <a:t>Here’s</a:t>
             </a:r>
             <a:r>
@@ -4094,6 +8465,30 @@
             </a:r>
             <a:r>
               <a:rPr/>
+              <a:t>an</a:t>
+            </a:r>
+            <a:r>
+              <a:rPr/>
+              <a:t> </a:t>
+            </a:r>
+            <a:r>
+              <a:rPr/>
+              <a:t>example</a:t>
+            </a:r>
+            <a:r>
+              <a:rPr/>
+              <a:t> </a:t>
+            </a:r>
+            <a:r>
+              <a:rPr/>
+              <a:t>of</a:t>
+            </a:r>
+            <a:r>
+              <a:rPr/>
+              <a:t> </a:t>
+            </a:r>
+            <a:r>
+              <a:rPr/>
               <a:t>a</a:t>
             </a:r>
             <a:r>
@@ -4132,6 +8527,268 @@
               <a:rPr/>
               <a:t> </a:t>
             </a:r>
+            <a:r>
+              <a:rPr/>
+              <a:t>Now</a:t>
+            </a:r>
+            <a:r>
+              <a:rPr/>
+              <a:t> </a:t>
+            </a:r>
+            <a:r>
+              <a:rPr/>
+              <a:t>for</a:t>
+            </a:r>
+            <a:r>
+              <a:rPr/>
+              <a:t> </a:t>
+            </a:r>
+            <a:r>
+              <a:rPr/>
+              <a:t>this</a:t>
+            </a:r>
+            <a:r>
+              <a:rPr/>
+              <a:t> </a:t>
+            </a:r>
+            <a:r>
+              <a:rPr/>
+              <a:t>particular</a:t>
+            </a:r>
+            <a:r>
+              <a:rPr/>
+              <a:t> </a:t>
+            </a:r>
+            <a:r>
+              <a:rPr/>
+              <a:t>example,</a:t>
+            </a:r>
+            <a:r>
+              <a:rPr/>
+              <a:t> </a:t>
+            </a:r>
+            <a:r>
+              <a:rPr/>
+              <a:t>there</a:t>
+            </a:r>
+            <a:r>
+              <a:rPr/>
+              <a:t> </a:t>
+            </a:r>
+            <a:r>
+              <a:rPr/>
+              <a:t>is</a:t>
+            </a:r>
+            <a:r>
+              <a:rPr/>
+              <a:t> </a:t>
+            </a:r>
+            <a:r>
+              <a:rPr/>
+              <a:t>no</a:t>
+            </a:r>
+            <a:r>
+              <a:rPr/>
+              <a:t> </a:t>
+            </a:r>
+            <a:r>
+              <a:rPr/>
+              <a:t>compelling</a:t>
+            </a:r>
+            <a:r>
+              <a:rPr/>
+              <a:t> </a:t>
+            </a:r>
+            <a:r>
+              <a:rPr/>
+              <a:t>reason</a:t>
+            </a:r>
+            <a:r>
+              <a:rPr/>
+              <a:t> </a:t>
+            </a:r>
+            <a:r>
+              <a:rPr/>
+              <a:t>to</a:t>
+            </a:r>
+            <a:r>
+              <a:rPr/>
+              <a:t> </a:t>
+            </a:r>
+            <a:r>
+              <a:rPr/>
+              <a:t>have</a:t>
+            </a:r>
+            <a:r>
+              <a:rPr/>
+              <a:t> </a:t>
+            </a:r>
+            <a:r>
+              <a:rPr/>
+              <a:t>44</a:t>
+            </a:r>
+            <a:r>
+              <a:rPr/>
+              <a:t> </a:t>
+            </a:r>
+            <a:r>
+              <a:rPr/>
+              <a:t>bars,</a:t>
+            </a:r>
+            <a:r>
+              <a:rPr/>
+              <a:t> </a:t>
+            </a:r>
+            <a:r>
+              <a:rPr/>
+              <a:t>but</a:t>
+            </a:r>
+            <a:r>
+              <a:rPr/>
+              <a:t> </a:t>
+            </a:r>
+            <a:r>
+              <a:rPr/>
+              <a:t>bear</a:t>
+            </a:r>
+            <a:r>
+              <a:rPr/>
+              <a:t> </a:t>
+            </a:r>
+            <a:r>
+              <a:rPr/>
+              <a:t>with</a:t>
+            </a:r>
+            <a:r>
+              <a:rPr/>
+              <a:t> </a:t>
+            </a:r>
+            <a:r>
+              <a:rPr/>
+              <a:t>me,</a:t>
+            </a:r>
+            <a:r>
+              <a:rPr/>
+              <a:t> </a:t>
+            </a:r>
+            <a:r>
+              <a:rPr/>
+              <a:t>as</a:t>
+            </a:r>
+            <a:r>
+              <a:rPr/>
+              <a:t> </a:t>
+            </a:r>
+            <a:r>
+              <a:rPr/>
+              <a:t>there</a:t>
+            </a:r>
+            <a:r>
+              <a:rPr/>
+              <a:t> </a:t>
+            </a:r>
+            <a:r>
+              <a:rPr/>
+              <a:t>are</a:t>
+            </a:r>
+            <a:r>
+              <a:rPr/>
+              <a:t> </a:t>
+            </a:r>
+            <a:r>
+              <a:rPr/>
+              <a:t>situations,</a:t>
+            </a:r>
+            <a:r>
+              <a:rPr/>
+              <a:t> </a:t>
+            </a:r>
+            <a:r>
+              <a:rPr/>
+              <a:t>now</a:t>
+            </a:r>
+            <a:r>
+              <a:rPr/>
+              <a:t> </a:t>
+            </a:r>
+            <a:r>
+              <a:rPr/>
+              <a:t>and</a:t>
+            </a:r>
+            <a:r>
+              <a:rPr/>
+              <a:t> </a:t>
+            </a:r>
+            <a:r>
+              <a:rPr/>
+              <a:t>then,</a:t>
+            </a:r>
+            <a:r>
+              <a:rPr/>
+              <a:t> </a:t>
+            </a:r>
+            <a:r>
+              <a:rPr/>
+              <a:t>where</a:t>
+            </a:r>
+            <a:r>
+              <a:rPr/>
+              <a:t> </a:t>
+            </a:r>
+            <a:r>
+              <a:rPr/>
+              <a:t>you</a:t>
+            </a:r>
+            <a:r>
+              <a:rPr/>
+              <a:t> </a:t>
+            </a:r>
+            <a:r>
+              <a:rPr/>
+              <a:t>really</a:t>
+            </a:r>
+            <a:r>
+              <a:rPr/>
+              <a:t> </a:t>
+            </a:r>
+            <a:r>
+              <a:rPr/>
+              <a:t>want</a:t>
+            </a:r>
+            <a:r>
+              <a:rPr/>
+              <a:t> </a:t>
+            </a:r>
+            <a:r>
+              <a:rPr/>
+              <a:t>that</a:t>
+            </a:r>
+            <a:r>
+              <a:rPr/>
+              <a:t> </a:t>
+            </a:r>
+            <a:r>
+              <a:rPr/>
+              <a:t>many</a:t>
+            </a:r>
+            <a:r>
+              <a:rPr/>
+              <a:t> </a:t>
+            </a:r>
+            <a:r>
+              <a:rPr/>
+              <a:t>bars.</a:t>
+            </a:r>
+          </a:p>
+          <a:p>
+            <a:pPr lvl="0" marL="0" indent="0">
+              <a:buNone/>
+            </a:pPr>
+          </a:p>
+          <a:p>
+            <a:pPr lvl="0" marL="0" indent="0">
+              <a:buNone/>
+            </a:pPr>
             <a:r>
               <a:rPr/>
               <a:t>I</a:t>
@@ -4880,7 +9537,301 @@
             </a:r>
             <a:r>
               <a:rPr/>
-              <a:t>sort</a:t>
+              <a:t>notice</a:t>
+            </a:r>
+            <a:r>
+              <a:rPr/>
+              <a:t> </a:t>
+            </a:r>
+            <a:r>
+              <a:rPr/>
+              <a:t>some</a:t>
+            </a:r>
+            <a:r>
+              <a:rPr/>
+              <a:t> </a:t>
+            </a:r>
+            <a:r>
+              <a:rPr/>
+              <a:t>rounding</a:t>
+            </a:r>
+            <a:r>
+              <a:rPr/>
+              <a:t> </a:t>
+            </a:r>
+            <a:r>
+              <a:rPr/>
+              <a:t>artefacts,</a:t>
+            </a:r>
+            <a:r>
+              <a:rPr/>
+              <a:t> </a:t>
+            </a:r>
+            <a:r>
+              <a:rPr/>
+              <a:t>you</a:t>
+            </a:r>
+            <a:r>
+              <a:rPr/>
+              <a:t> </a:t>
+            </a:r>
+            <a:r>
+              <a:rPr/>
+              <a:t>have</a:t>
+            </a:r>
+            <a:r>
+              <a:rPr/>
+              <a:t> </a:t>
+            </a:r>
+            <a:r>
+              <a:rPr/>
+              <a:t>several</a:t>
+            </a:r>
+            <a:r>
+              <a:rPr/>
+              <a:t> </a:t>
+            </a:r>
+            <a:r>
+              <a:rPr/>
+              <a:t>possible</a:t>
+            </a:r>
+            <a:r>
+              <a:rPr/>
+              <a:t> </a:t>
+            </a:r>
+            <a:r>
+              <a:rPr/>
+              <a:t>remedies.</a:t>
+            </a:r>
+          </a:p>
+          <a:p>
+            <a:pPr lvl="0" marL="0" indent="0">
+              <a:buNone/>
+            </a:pPr>
+          </a:p>
+          <a:p>
+            <a:pPr lvl="0" marL="0" indent="0">
+              <a:buNone/>
+            </a:pPr>
+            <a:r>
+              <a:rPr/>
+              <a:t>First,</a:t>
+            </a:r>
+            <a:r>
+              <a:rPr/>
+              <a:t> </a:t>
+            </a:r>
+            <a:r>
+              <a:rPr/>
+              <a:t>if</a:t>
+            </a:r>
+            <a:r>
+              <a:rPr/>
+              <a:t> </a:t>
+            </a:r>
+            <a:r>
+              <a:rPr/>
+              <a:t>you</a:t>
+            </a:r>
+            <a:r>
+              <a:rPr/>
+              <a:t> </a:t>
+            </a:r>
+            <a:r>
+              <a:rPr/>
+              <a:t>can</a:t>
+            </a:r>
+            <a:r>
+              <a:rPr/>
+              <a:t> </a:t>
+            </a:r>
+            <a:r>
+              <a:rPr/>
+              <a:t>combine</a:t>
+            </a:r>
+            <a:r>
+              <a:rPr/>
+              <a:t> </a:t>
+            </a:r>
+            <a:r>
+              <a:rPr/>
+              <a:t>categories</a:t>
+            </a:r>
+            <a:r>
+              <a:rPr/>
+              <a:t> </a:t>
+            </a:r>
+            <a:r>
+              <a:rPr/>
+              <a:t>to</a:t>
+            </a:r>
+            <a:r>
+              <a:rPr/>
+              <a:t> </a:t>
+            </a:r>
+            <a:r>
+              <a:rPr/>
+              <a:t>reduce</a:t>
+            </a:r>
+            <a:r>
+              <a:rPr/>
+              <a:t> </a:t>
+            </a:r>
+            <a:r>
+              <a:rPr/>
+              <a:t>their</a:t>
+            </a:r>
+            <a:r>
+              <a:rPr/>
+              <a:t> </a:t>
+            </a:r>
+            <a:r>
+              <a:rPr/>
+              <a:t>numbers,</a:t>
+            </a:r>
+            <a:r>
+              <a:rPr/>
+              <a:t> </a:t>
+            </a:r>
+            <a:r>
+              <a:rPr/>
+              <a:t>this</a:t>
+            </a:r>
+            <a:r>
+              <a:rPr/>
+              <a:t> </a:t>
+            </a:r>
+            <a:r>
+              <a:rPr/>
+              <a:t>will</a:t>
+            </a:r>
+            <a:r>
+              <a:rPr/>
+              <a:t> </a:t>
+            </a:r>
+            <a:r>
+              <a:rPr/>
+              <a:t>help.</a:t>
+            </a:r>
+            <a:r>
+              <a:rPr/>
+              <a:t> </a:t>
+            </a:r>
+            <a:r>
+              <a:rPr/>
+              <a:t>This</a:t>
+            </a:r>
+            <a:r>
+              <a:rPr/>
+              <a:t> </a:t>
+            </a:r>
+            <a:r>
+              <a:rPr/>
+              <a:t>particular</a:t>
+            </a:r>
+            <a:r>
+              <a:rPr/>
+              <a:t> </a:t>
+            </a:r>
+            <a:r>
+              <a:rPr/>
+              <a:t>plot</a:t>
+            </a:r>
+            <a:r>
+              <a:rPr/>
+              <a:t> </a:t>
+            </a:r>
+            <a:r>
+              <a:rPr/>
+              <a:t>had</a:t>
+            </a:r>
+            <a:r>
+              <a:rPr/>
+              <a:t> </a:t>
+            </a:r>
+            <a:r>
+              <a:rPr/>
+              <a:t>very</a:t>
+            </a:r>
+            <a:r>
+              <a:rPr/>
+              <a:t> </a:t>
+            </a:r>
+            <a:r>
+              <a:rPr/>
+              <a:t>narrow</a:t>
+            </a:r>
+            <a:r>
+              <a:rPr/>
+              <a:t> </a:t>
+            </a:r>
+            <a:r>
+              <a:rPr/>
+              <a:t>age</a:t>
+            </a:r>
+            <a:r>
+              <a:rPr/>
+              <a:t> </a:t>
+            </a:r>
+            <a:r>
+              <a:rPr/>
+              <a:t>intervals,</a:t>
+            </a:r>
+            <a:r>
+              <a:rPr/>
+              <a:t> </a:t>
+            </a:r>
+            <a:r>
+              <a:rPr/>
+              <a:t>and</a:t>
+            </a:r>
+            <a:r>
+              <a:rPr/>
+              <a:t> </a:t>
+            </a:r>
+            <a:r>
+              <a:rPr/>
+              <a:t>if</a:t>
+            </a:r>
+            <a:r>
+              <a:rPr/>
+              <a:t> </a:t>
+            </a:r>
+            <a:r>
+              <a:rPr/>
+              <a:t>you</a:t>
+            </a:r>
+            <a:r>
+              <a:rPr/>
+              <a:t> </a:t>
+            </a:r>
+            <a:r>
+              <a:rPr/>
+              <a:t>could</a:t>
+            </a:r>
+            <a:r>
+              <a:rPr/>
+              <a:t> </a:t>
+            </a:r>
+            <a:r>
+              <a:rPr/>
+              <a:t>afford</a:t>
+            </a:r>
+            <a:r>
+              <a:rPr/>
+              <a:t> </a:t>
+            </a:r>
+            <a:r>
+              <a:rPr/>
+              <a:t>to</a:t>
+            </a:r>
+            <a:r>
+              <a:rPr/>
+              <a:t> </a:t>
+            </a:r>
+            <a:r>
+              <a:rPr/>
+              <a:t>widen</a:t>
             </a:r>
             <a:r>
               <a:rPr/>
@@ -4896,6 +9847,770 @@
             </a:r>
             <a:r>
               <a:rPr/>
+              <a:t>intervals</a:t>
+            </a:r>
+            <a:r>
+              <a:rPr/>
+              <a:t> </a:t>
+            </a:r>
+            <a:r>
+              <a:rPr/>
+              <a:t>to</a:t>
+            </a:r>
+            <a:r>
+              <a:rPr/>
+              <a:t> </a:t>
+            </a:r>
+            <a:r>
+              <a:rPr/>
+              <a:t>five</a:t>
+            </a:r>
+            <a:r>
+              <a:rPr/>
+              <a:t> </a:t>
+            </a:r>
+            <a:r>
+              <a:rPr/>
+              <a:t>years</a:t>
+            </a:r>
+            <a:r>
+              <a:rPr/>
+              <a:t> </a:t>
+            </a:r>
+            <a:r>
+              <a:rPr/>
+              <a:t>(0</a:t>
+            </a:r>
+            <a:r>
+              <a:rPr/>
+              <a:t> </a:t>
+            </a:r>
+            <a:r>
+              <a:rPr/>
+              <a:t>to</a:t>
+            </a:r>
+            <a:r>
+              <a:rPr/>
+              <a:t> </a:t>
+            </a:r>
+            <a:r>
+              <a:rPr/>
+              <a:t>4,</a:t>
+            </a:r>
+            <a:r>
+              <a:rPr/>
+              <a:t> </a:t>
+            </a:r>
+            <a:r>
+              <a:rPr/>
+              <a:t>5</a:t>
+            </a:r>
+            <a:r>
+              <a:rPr/>
+              <a:t> </a:t>
+            </a:r>
+            <a:r>
+              <a:rPr/>
+              <a:t>to</a:t>
+            </a:r>
+            <a:r>
+              <a:rPr/>
+              <a:t> </a:t>
+            </a:r>
+            <a:r>
+              <a:rPr/>
+              <a:t>9,</a:t>
+            </a:r>
+            <a:r>
+              <a:rPr/>
+              <a:t> </a:t>
+            </a:r>
+            <a:r>
+              <a:rPr/>
+              <a:t>etc.)</a:t>
+            </a:r>
+            <a:r>
+              <a:rPr/>
+              <a:t> </a:t>
+            </a:r>
+            <a:r>
+              <a:rPr/>
+              <a:t>or</a:t>
+            </a:r>
+            <a:r>
+              <a:rPr/>
+              <a:t> </a:t>
+            </a:r>
+            <a:r>
+              <a:rPr/>
+              <a:t>even</a:t>
+            </a:r>
+            <a:r>
+              <a:rPr/>
+              <a:t> </a:t>
+            </a:r>
+            <a:r>
+              <a:rPr/>
+              <a:t>wider,</a:t>
+            </a:r>
+            <a:r>
+              <a:rPr/>
+              <a:t> </a:t>
+            </a:r>
+            <a:r>
+              <a:rPr/>
+              <a:t>that</a:t>
+            </a:r>
+            <a:r>
+              <a:rPr/>
+              <a:t> </a:t>
+            </a:r>
+            <a:r>
+              <a:rPr/>
+              <a:t>would</a:t>
+            </a:r>
+            <a:r>
+              <a:rPr/>
+              <a:t> </a:t>
+            </a:r>
+            <a:r>
+              <a:rPr/>
+              <a:t>help.</a:t>
+            </a:r>
+            <a:r>
+              <a:rPr/>
+              <a:t> </a:t>
+            </a:r>
+            <a:r>
+              <a:rPr/>
+              <a:t>Sometimes</a:t>
+            </a:r>
+            <a:r>
+              <a:rPr/>
+              <a:t> </a:t>
+            </a:r>
+            <a:r>
+              <a:rPr/>
+              <a:t>you</a:t>
+            </a:r>
+            <a:r>
+              <a:rPr/>
+              <a:t> </a:t>
+            </a:r>
+            <a:r>
+              <a:rPr/>
+              <a:t>can</a:t>
+            </a:r>
+            <a:r>
+              <a:rPr/>
+              <a:t> </a:t>
+            </a:r>
+            <a:r>
+              <a:rPr/>
+              <a:t>combine</a:t>
+            </a:r>
+            <a:r>
+              <a:rPr/>
+              <a:t> </a:t>
+            </a:r>
+            <a:r>
+              <a:rPr/>
+              <a:t>a</a:t>
+            </a:r>
+            <a:r>
+              <a:rPr/>
+              <a:t> </a:t>
+            </a:r>
+            <a:r>
+              <a:rPr/>
+              <a:t>large</a:t>
+            </a:r>
+            <a:r>
+              <a:rPr/>
+              <a:t> </a:t>
+            </a:r>
+            <a:r>
+              <a:rPr/>
+              <a:t>number</a:t>
+            </a:r>
+            <a:r>
+              <a:rPr/>
+              <a:t> </a:t>
+            </a:r>
+            <a:r>
+              <a:rPr/>
+              <a:t>of</a:t>
+            </a:r>
+            <a:r>
+              <a:rPr/>
+              <a:t> </a:t>
+            </a:r>
+            <a:r>
+              <a:rPr/>
+              <a:t>infrequently</a:t>
+            </a:r>
+            <a:r>
+              <a:rPr/>
+              <a:t> </a:t>
+            </a:r>
+            <a:r>
+              <a:rPr/>
+              <a:t>occuring</a:t>
+            </a:r>
+            <a:r>
+              <a:rPr/>
+              <a:t> </a:t>
+            </a:r>
+            <a:r>
+              <a:rPr/>
+              <a:t>categories</a:t>
+            </a:r>
+            <a:r>
+              <a:rPr/>
+              <a:t> </a:t>
+            </a:r>
+            <a:r>
+              <a:rPr/>
+              <a:t>into</a:t>
+            </a:r>
+            <a:r>
+              <a:rPr/>
+              <a:t> </a:t>
+            </a:r>
+            <a:r>
+              <a:rPr/>
+              <a:t>an</a:t>
+            </a:r>
+            <a:r>
+              <a:rPr/>
+              <a:t> </a:t>
+            </a:r>
+            <a:r>
+              <a:rPr/>
+              <a:t>“</a:t>
+            </a:r>
+            <a:r>
+              <a:rPr/>
+              <a:t>other</a:t>
+            </a:r>
+            <a:r>
+              <a:rPr/>
+              <a:t>”</a:t>
+            </a:r>
+            <a:r>
+              <a:rPr/>
+              <a:t> </a:t>
+            </a:r>
+            <a:r>
+              <a:rPr/>
+              <a:t>category.</a:t>
+            </a:r>
+          </a:p>
+          <a:p>
+            <a:pPr lvl="0" marL="0" indent="0">
+              <a:buNone/>
+            </a:pPr>
+          </a:p>
+          <a:p>
+            <a:pPr lvl="0" marL="0" indent="0">
+              <a:buNone/>
+            </a:pPr>
+            <a:r>
+              <a:rPr/>
+              <a:t>Combining</a:t>
+            </a:r>
+            <a:r>
+              <a:rPr/>
+              <a:t> </a:t>
+            </a:r>
+            <a:r>
+              <a:rPr/>
+              <a:t>categories</a:t>
+            </a:r>
+            <a:r>
+              <a:rPr/>
+              <a:t> </a:t>
+            </a:r>
+            <a:r>
+              <a:rPr/>
+              <a:t>has</a:t>
+            </a:r>
+            <a:r>
+              <a:rPr/>
+              <a:t> </a:t>
+            </a:r>
+            <a:r>
+              <a:rPr/>
+              <a:t>the</a:t>
+            </a:r>
+            <a:r>
+              <a:rPr/>
+              <a:t> </a:t>
+            </a:r>
+            <a:r>
+              <a:rPr/>
+              <a:t>risk</a:t>
+            </a:r>
+            <a:r>
+              <a:rPr/>
+              <a:t> </a:t>
+            </a:r>
+            <a:r>
+              <a:rPr/>
+              <a:t>of</a:t>
+            </a:r>
+            <a:r>
+              <a:rPr/>
+              <a:t> </a:t>
+            </a:r>
+            <a:r>
+              <a:rPr/>
+              <a:t>losing</a:t>
+            </a:r>
+            <a:r>
+              <a:rPr/>
+              <a:t> </a:t>
+            </a:r>
+            <a:r>
+              <a:rPr/>
+              <a:t>important</a:t>
+            </a:r>
+            <a:r>
+              <a:rPr/>
+              <a:t> </a:t>
+            </a:r>
+            <a:r>
+              <a:rPr/>
+              <a:t>details,</a:t>
+            </a:r>
+            <a:r>
+              <a:rPr/>
+              <a:t> </a:t>
+            </a:r>
+            <a:r>
+              <a:rPr/>
+              <a:t>so</a:t>
+            </a:r>
+            <a:r>
+              <a:rPr/>
+              <a:t> </a:t>
+            </a:r>
+            <a:r>
+              <a:rPr/>
+              <a:t>you</a:t>
+            </a:r>
+            <a:r>
+              <a:rPr/>
+              <a:t> </a:t>
+            </a:r>
+            <a:r>
+              <a:rPr/>
+              <a:t>do</a:t>
+            </a:r>
+            <a:r>
+              <a:rPr/>
+              <a:t> </a:t>
+            </a:r>
+            <a:r>
+              <a:rPr/>
+              <a:t>need</a:t>
+            </a:r>
+            <a:r>
+              <a:rPr/>
+              <a:t> </a:t>
+            </a:r>
+            <a:r>
+              <a:rPr/>
+              <a:t>to</a:t>
+            </a:r>
+            <a:r>
+              <a:rPr/>
+              <a:t> </a:t>
+            </a:r>
+            <a:r>
+              <a:rPr/>
+              <a:t>be</a:t>
+            </a:r>
+            <a:r>
+              <a:rPr/>
+              <a:t> </a:t>
+            </a:r>
+            <a:r>
+              <a:rPr/>
+              <a:t>careful.</a:t>
+            </a:r>
+          </a:p>
+          <a:p>
+            <a:pPr lvl="0" marL="0" indent="0">
+              <a:buNone/>
+            </a:pPr>
+          </a:p>
+          <a:p>
+            <a:pPr lvl="0" marL="0" indent="0">
+              <a:buNone/>
+            </a:pPr>
+            <a:r>
+              <a:rPr/>
+              <a:t>In</a:t>
+            </a:r>
+            <a:r>
+              <a:rPr/>
+              <a:t> </a:t>
+            </a:r>
+            <a:r>
+              <a:rPr/>
+              <a:t>this</a:t>
+            </a:r>
+            <a:r>
+              <a:rPr/>
+              <a:t> </a:t>
+            </a:r>
+            <a:r>
+              <a:rPr/>
+              <a:t>particular</a:t>
+            </a:r>
+            <a:r>
+              <a:rPr/>
+              <a:t> </a:t>
+            </a:r>
+            <a:r>
+              <a:rPr/>
+              <a:t>example,</a:t>
+            </a:r>
+            <a:r>
+              <a:rPr/>
+              <a:t> </a:t>
+            </a:r>
+            <a:r>
+              <a:rPr/>
+              <a:t>narrow</a:t>
+            </a:r>
+            <a:r>
+              <a:rPr/>
+              <a:t> </a:t>
+            </a:r>
+            <a:r>
+              <a:rPr/>
+              <a:t>intervals</a:t>
+            </a:r>
+            <a:r>
+              <a:rPr/>
+              <a:t> </a:t>
+            </a:r>
+            <a:r>
+              <a:rPr/>
+              <a:t>are</a:t>
+            </a:r>
+            <a:r>
+              <a:rPr/>
+              <a:t> </a:t>
+            </a:r>
+            <a:r>
+              <a:rPr/>
+              <a:t>needed</a:t>
+            </a:r>
+            <a:r>
+              <a:rPr/>
+              <a:t> </a:t>
+            </a:r>
+            <a:r>
+              <a:rPr/>
+              <a:t>for</a:t>
+            </a:r>
+            <a:r>
+              <a:rPr/>
+              <a:t> </a:t>
+            </a:r>
+            <a:r>
+              <a:rPr/>
+              <a:t>children,</a:t>
+            </a:r>
+            <a:r>
+              <a:rPr/>
+              <a:t> </a:t>
+            </a:r>
+            <a:r>
+              <a:rPr/>
+              <a:t>because</a:t>
+            </a:r>
+            <a:r>
+              <a:rPr/>
+              <a:t> </a:t>
+            </a:r>
+            <a:r>
+              <a:rPr/>
+              <a:t>the</a:t>
+            </a:r>
+            <a:r>
+              <a:rPr/>
+              <a:t> </a:t>
+            </a:r>
+            <a:r>
+              <a:rPr/>
+              <a:t>survival</a:t>
+            </a:r>
+            <a:r>
+              <a:rPr/>
+              <a:t> </a:t>
+            </a:r>
+            <a:r>
+              <a:rPr/>
+              <a:t>probabilities</a:t>
+            </a:r>
+            <a:r>
+              <a:rPr/>
+              <a:t> </a:t>
+            </a:r>
+            <a:r>
+              <a:rPr/>
+              <a:t>change</a:t>
+            </a:r>
+            <a:r>
+              <a:rPr/>
+              <a:t> </a:t>
+            </a:r>
+            <a:r>
+              <a:rPr/>
+              <a:t>a</a:t>
+            </a:r>
+            <a:r>
+              <a:rPr/>
+              <a:t> </a:t>
+            </a:r>
+            <a:r>
+              <a:rPr/>
+              <a:t>lot</a:t>
+            </a:r>
+            <a:r>
+              <a:rPr/>
+              <a:t> </a:t>
+            </a:r>
+            <a:r>
+              <a:rPr/>
+              <a:t>between</a:t>
+            </a:r>
+            <a:r>
+              <a:rPr/>
+              <a:t> </a:t>
+            </a:r>
+            <a:r>
+              <a:rPr/>
+              <a:t>a</a:t>
+            </a:r>
+            <a:r>
+              <a:rPr/>
+              <a:t> </a:t>
+            </a:r>
+            <a:r>
+              <a:rPr/>
+              <a:t>2</a:t>
+            </a:r>
+            <a:r>
+              <a:rPr/>
+              <a:t> </a:t>
+            </a:r>
+            <a:r>
+              <a:rPr/>
+              <a:t>year</a:t>
+            </a:r>
+            <a:r>
+              <a:rPr/>
+              <a:t> </a:t>
+            </a:r>
+            <a:r>
+              <a:rPr/>
+              <a:t>old,</a:t>
+            </a:r>
+            <a:r>
+              <a:rPr/>
+              <a:t> </a:t>
+            </a:r>
+            <a:r>
+              <a:rPr/>
+              <a:t>a</a:t>
+            </a:r>
+            <a:r>
+              <a:rPr/>
+              <a:t> </a:t>
+            </a:r>
+            <a:r>
+              <a:rPr/>
+              <a:t>5</a:t>
+            </a:r>
+            <a:r>
+              <a:rPr/>
+              <a:t> </a:t>
+            </a:r>
+            <a:r>
+              <a:rPr/>
+              <a:t>year</a:t>
+            </a:r>
+            <a:r>
+              <a:rPr/>
+              <a:t> </a:t>
+            </a:r>
+            <a:r>
+              <a:rPr/>
+              <a:t>old,</a:t>
+            </a:r>
+            <a:r>
+              <a:rPr/>
+              <a:t> </a:t>
+            </a:r>
+            <a:r>
+              <a:rPr/>
+              <a:t>and</a:t>
+            </a:r>
+            <a:r>
+              <a:rPr/>
+              <a:t> </a:t>
+            </a:r>
+            <a:r>
+              <a:rPr/>
+              <a:t>a</a:t>
+            </a:r>
+            <a:r>
+              <a:rPr/>
+              <a:t> </a:t>
+            </a:r>
+            <a:r>
+              <a:rPr/>
+              <a:t>13</a:t>
+            </a:r>
+            <a:r>
+              <a:rPr/>
+              <a:t> </a:t>
+            </a:r>
+            <a:r>
+              <a:rPr/>
+              <a:t>year</a:t>
+            </a:r>
+            <a:r>
+              <a:rPr/>
+              <a:t> </a:t>
+            </a:r>
+            <a:r>
+              <a:rPr/>
+              <a:t>old</a:t>
+            </a:r>
+            <a:r>
+              <a:rPr/>
+              <a:t> </a:t>
+            </a:r>
+            <a:r>
+              <a:rPr/>
+              <a:t>passenger.</a:t>
+            </a:r>
+            <a:r>
+              <a:rPr/>
+              <a:t> </a:t>
+            </a:r>
+            <a:r>
+              <a:rPr/>
+              <a:t>But</a:t>
+            </a:r>
+            <a:r>
+              <a:rPr/>
+              <a:t> </a:t>
+            </a:r>
+            <a:r>
+              <a:rPr/>
+              <a:t>they</a:t>
+            </a:r>
+            <a:r>
+              <a:rPr/>
+              <a:t> </a:t>
+            </a:r>
+            <a:r>
+              <a:rPr/>
+              <a:t>don’t</a:t>
+            </a:r>
+            <a:r>
+              <a:rPr/>
+              <a:t> </a:t>
+            </a:r>
+            <a:r>
+              <a:rPr/>
+              <a:t>change</a:t>
+            </a:r>
+            <a:r>
+              <a:rPr/>
+              <a:t> </a:t>
+            </a:r>
+            <a:r>
+              <a:rPr/>
+              <a:t>as</a:t>
+            </a:r>
+            <a:r>
+              <a:rPr/>
+              <a:t> </a:t>
+            </a:r>
+            <a:r>
+              <a:rPr/>
+              <a:t>much</a:t>
+            </a:r>
+            <a:r>
+              <a:rPr/>
+              <a:t> </a:t>
+            </a:r>
+            <a:r>
+              <a:rPr/>
+              <a:t>for</a:t>
+            </a:r>
+            <a:r>
+              <a:rPr/>
+              <a:t> </a:t>
+            </a:r>
+            <a:r>
+              <a:rPr/>
+              <a:t>adults.</a:t>
+            </a:r>
+            <a:r>
+              <a:rPr/>
+              <a:t> </a:t>
+            </a:r>
+            <a:r>
+              <a:rPr/>
+              <a:t>So</a:t>
+            </a:r>
+            <a:r>
+              <a:rPr/>
+              <a:t> </a:t>
+            </a:r>
+            <a:r>
+              <a:rPr/>
+              <a:t>a</a:t>
+            </a:r>
+            <a:r>
+              <a:rPr/>
+              <a:t> </a:t>
+            </a:r>
+            <a:r>
+              <a:rPr/>
+              <a:t>chart</a:t>
+            </a:r>
+            <a:r>
+              <a:rPr/>
+              <a:t> </a:t>
+            </a:r>
+            <a:r>
+              <a:rPr/>
+              <a:t>with</a:t>
+            </a:r>
+            <a:r>
+              <a:rPr/>
+              <a:t> </a:t>
+            </a:r>
+            <a:r>
+              <a:rPr/>
+              <a:t>eighten</a:t>
+            </a:r>
+            <a:r>
+              <a:rPr/>
+              <a:t> </a:t>
+            </a:r>
+            <a:r>
+              <a:rPr/>
               <a:t>bars</a:t>
             </a:r>
             <a:r>
@@ -4904,6 +10619,196 @@
             </a:r>
             <a:r>
               <a:rPr/>
+              <a:t>for</a:t>
+            </a:r>
+            <a:r>
+              <a:rPr/>
+              <a:t> </a:t>
+            </a:r>
+            <a:r>
+              <a:rPr/>
+              <a:t>the</a:t>
+            </a:r>
+            <a:r>
+              <a:rPr/>
+              <a:t> </a:t>
+            </a:r>
+            <a:r>
+              <a:rPr/>
+              <a:t>first</a:t>
+            </a:r>
+            <a:r>
+              <a:rPr/>
+              <a:t> </a:t>
+            </a:r>
+            <a:r>
+              <a:rPr/>
+              <a:t>eighteen</a:t>
+            </a:r>
+            <a:r>
+              <a:rPr/>
+              <a:t> </a:t>
+            </a:r>
+            <a:r>
+              <a:rPr/>
+              <a:t>years</a:t>
+            </a:r>
+            <a:r>
+              <a:rPr/>
+              <a:t> </a:t>
+            </a:r>
+            <a:r>
+              <a:rPr/>
+              <a:t>of</a:t>
+            </a:r>
+            <a:r>
+              <a:rPr/>
+              <a:t> </a:t>
+            </a:r>
+            <a:r>
+              <a:rPr/>
+              <a:t>life</a:t>
+            </a:r>
+            <a:r>
+              <a:rPr/>
+              <a:t> </a:t>
+            </a:r>
+            <a:r>
+              <a:rPr/>
+              <a:t>plus</a:t>
+            </a:r>
+            <a:r>
+              <a:rPr/>
+              <a:t> </a:t>
+            </a:r>
+            <a:r>
+              <a:rPr/>
+              <a:t>a</a:t>
+            </a:r>
+            <a:r>
+              <a:rPr/>
+              <a:t> </a:t>
+            </a:r>
+            <a:r>
+              <a:rPr/>
+              <a:t>nineteenth</a:t>
+            </a:r>
+            <a:r>
+              <a:rPr/>
+              <a:t> </a:t>
+            </a:r>
+            <a:r>
+              <a:rPr/>
+              <a:t>bar</a:t>
+            </a:r>
+            <a:r>
+              <a:rPr/>
+              <a:t> </a:t>
+            </a:r>
+            <a:r>
+              <a:rPr/>
+              <a:t>showing</a:t>
+            </a:r>
+            <a:r>
+              <a:rPr/>
+              <a:t> </a:t>
+            </a:r>
+            <a:r>
+              <a:rPr/>
+              <a:t>survival</a:t>
+            </a:r>
+            <a:r>
+              <a:rPr/>
+              <a:t> </a:t>
+            </a:r>
+            <a:r>
+              <a:rPr/>
+              <a:t>for</a:t>
+            </a:r>
+            <a:r>
+              <a:rPr/>
+              <a:t> </a:t>
+            </a:r>
+            <a:r>
+              <a:rPr/>
+              <a:t>adults</a:t>
+            </a:r>
+            <a:r>
+              <a:rPr/>
+              <a:t> </a:t>
+            </a:r>
+            <a:r>
+              <a:rPr/>
+              <a:t>might</a:t>
+            </a:r>
+            <a:r>
+              <a:rPr/>
+              <a:t> </a:t>
+            </a:r>
+            <a:r>
+              <a:rPr/>
+              <a:t>be</a:t>
+            </a:r>
+            <a:r>
+              <a:rPr/>
+              <a:t> </a:t>
+            </a:r>
+            <a:r>
+              <a:rPr/>
+              <a:t>a</a:t>
+            </a:r>
+            <a:r>
+              <a:rPr/>
+              <a:t> </a:t>
+            </a:r>
+            <a:r>
+              <a:rPr/>
+              <a:t>good</a:t>
+            </a:r>
+            <a:r>
+              <a:rPr/>
+              <a:t> </a:t>
+            </a:r>
+            <a:r>
+              <a:rPr/>
+              <a:t>compromise.</a:t>
+            </a:r>
+          </a:p>
+          <a:p>
+            <a:pPr lvl="0" marL="0" indent="0">
+              <a:buNone/>
+            </a:pPr>
+          </a:p>
+          <a:p>
+            <a:pPr lvl="0" marL="0" indent="0">
+              <a:buNone/>
+            </a:pPr>
+            <a:r>
+              <a:rPr/>
+              <a:t>I</a:t>
+            </a:r>
+            <a:r>
+              <a:rPr/>
+              <a:t> </a:t>
+            </a:r>
+            <a:r>
+              <a:rPr/>
+              <a:t>chose</a:t>
+            </a:r>
+            <a:r>
+              <a:rPr/>
+              <a:t> </a:t>
+            </a:r>
+            <a:r>
+              <a:rPr/>
+              <a:t>480</a:t>
+            </a:r>
+            <a:r>
+              <a:rPr/>
+              <a:t> </a:t>
+            </a:r>
+            <a:r>
+              <a:rPr/>
               <a:t>by</a:t>
             </a:r>
             <a:r>
@@ -4912,23 +10817,159 @@
             </a:r>
             <a:r>
               <a:rPr/>
-              <a:t>size,</a:t>
-            </a:r>
-            <a:r>
-              <a:rPr/>
-              <a:t> </a:t>
-            </a:r>
-            <a:r>
-              <a:rPr/>
-              <a:t>then</a:t>
-            </a:r>
-            <a:r>
-              <a:rPr/>
-              <a:t> </a:t>
-            </a:r>
-            <a:r>
-              <a:rPr/>
-              <a:t>comparisons</a:t>
+              <a:t>480</a:t>
+            </a:r>
+            <a:r>
+              <a:rPr/>
+              <a:t> </a:t>
+            </a:r>
+            <a:r>
+              <a:rPr/>
+              <a:t>pixels</a:t>
+            </a:r>
+            <a:r>
+              <a:rPr/>
+              <a:t> </a:t>
+            </a:r>
+            <a:r>
+              <a:rPr/>
+              <a:t>for</a:t>
+            </a:r>
+            <a:r>
+              <a:rPr/>
+              <a:t> </a:t>
+            </a:r>
+            <a:r>
+              <a:rPr/>
+              <a:t>most</a:t>
+            </a:r>
+            <a:r>
+              <a:rPr/>
+              <a:t> </a:t>
+            </a:r>
+            <a:r>
+              <a:rPr/>
+              <a:t>of</a:t>
+            </a:r>
+            <a:r>
+              <a:rPr/>
+              <a:t> </a:t>
+            </a:r>
+            <a:r>
+              <a:rPr/>
+              <a:t>the</a:t>
+            </a:r>
+            <a:r>
+              <a:rPr/>
+              <a:t> </a:t>
+            </a:r>
+            <a:r>
+              <a:rPr/>
+              <a:t>graphs</a:t>
+            </a:r>
+            <a:r>
+              <a:rPr/>
+              <a:t> </a:t>
+            </a:r>
+            <a:r>
+              <a:rPr/>
+              <a:t>in</a:t>
+            </a:r>
+            <a:r>
+              <a:rPr/>
+              <a:t> </a:t>
+            </a:r>
+            <a:r>
+              <a:rPr/>
+              <a:t>this</a:t>
+            </a:r>
+            <a:r>
+              <a:rPr/>
+              <a:t> </a:t>
+            </a:r>
+            <a:r>
+              <a:rPr/>
+              <a:t>talk</a:t>
+            </a:r>
+            <a:r>
+              <a:rPr/>
+              <a:t> </a:t>
+            </a:r>
+            <a:r>
+              <a:rPr/>
+              <a:t>because</a:t>
+            </a:r>
+            <a:r>
+              <a:rPr/>
+              <a:t> </a:t>
+            </a:r>
+            <a:r>
+              <a:rPr/>
+              <a:t>it</a:t>
+            </a:r>
+            <a:r>
+              <a:rPr/>
+              <a:t> </a:t>
+            </a:r>
+            <a:r>
+              <a:rPr/>
+              <a:t>is,</a:t>
+            </a:r>
+            <a:r>
+              <a:rPr/>
+              <a:t> </a:t>
+            </a:r>
+            <a:r>
+              <a:rPr/>
+              <a:t>for</a:t>
+            </a:r>
+            <a:r>
+              <a:rPr/>
+              <a:t> </a:t>
+            </a:r>
+            <a:r>
+              <a:rPr/>
+              <a:t>the</a:t>
+            </a:r>
+            <a:r>
+              <a:rPr/>
+              <a:t> </a:t>
+            </a:r>
+            <a:r>
+              <a:rPr/>
+              <a:t>most</a:t>
+            </a:r>
+            <a:r>
+              <a:rPr/>
+              <a:t> </a:t>
+            </a:r>
+            <a:r>
+              <a:rPr/>
+              <a:t>part,</a:t>
+            </a:r>
+            <a:r>
+              <a:rPr/>
+              <a:t> </a:t>
+            </a:r>
+            <a:r>
+              <a:rPr/>
+              <a:t>a</a:t>
+            </a:r>
+            <a:r>
+              <a:rPr/>
+              <a:t> </a:t>
+            </a:r>
+            <a:r>
+              <a:rPr/>
+              <a:t>good</a:t>
+            </a:r>
+            <a:r>
+              <a:rPr/>
+              <a:t> </a:t>
+            </a:r>
+            <a:r>
+              <a:rPr/>
+              <a:t>compromise</a:t>
             </a:r>
             <a:r>
               <a:rPr/>
@@ -4944,7 +10985,7 @@
             </a:r>
             <a:r>
               <a:rPr/>
-              <a:t>bars</a:t>
+              <a:t>size</a:t>
             </a:r>
             <a:r>
               <a:rPr/>
@@ -4960,14 +11001,6 @@
             </a:r>
             <a:r>
               <a:rPr/>
-              <a:t>approximately</a:t>
-            </a:r>
-            <a:r>
-              <a:rPr/>
-              <a:t> </a:t>
-            </a:r>
-            <a:r>
-              <a:rPr/>
               <a:t>the</a:t>
             </a:r>
             <a:r>
@@ -4976,7 +11009,423 @@
             </a:r>
             <a:r>
               <a:rPr/>
-              <a:t>same</a:t>
+              <a:t>file</a:t>
+            </a:r>
+            <a:r>
+              <a:rPr/>
+              <a:t> </a:t>
+            </a:r>
+            <a:r>
+              <a:rPr/>
+              <a:t>and</a:t>
+            </a:r>
+            <a:r>
+              <a:rPr/>
+              <a:t> </a:t>
+            </a:r>
+            <a:r>
+              <a:rPr/>
+              <a:t>quality</a:t>
+            </a:r>
+            <a:r>
+              <a:rPr/>
+              <a:t> </a:t>
+            </a:r>
+            <a:r>
+              <a:rPr/>
+              <a:t>of</a:t>
+            </a:r>
+            <a:r>
+              <a:rPr/>
+              <a:t> </a:t>
+            </a:r>
+            <a:r>
+              <a:rPr/>
+              <a:t>the</a:t>
+            </a:r>
+            <a:r>
+              <a:rPr/>
+              <a:t> </a:t>
+            </a:r>
+            <a:r>
+              <a:rPr/>
+              <a:t>image.</a:t>
+            </a:r>
+            <a:r>
+              <a:rPr/>
+              <a:t> </a:t>
+            </a:r>
+            <a:r>
+              <a:rPr/>
+              <a:t>But</a:t>
+            </a:r>
+            <a:r>
+              <a:rPr/>
+              <a:t> </a:t>
+            </a:r>
+            <a:r>
+              <a:rPr/>
+              <a:t>for</a:t>
+            </a:r>
+            <a:r>
+              <a:rPr/>
+              <a:t> </a:t>
+            </a:r>
+            <a:r>
+              <a:rPr/>
+              <a:t>a</a:t>
+            </a:r>
+            <a:r>
+              <a:rPr/>
+              <a:t> </a:t>
+            </a:r>
+            <a:r>
+              <a:rPr/>
+              <a:t>difficult</a:t>
+            </a:r>
+            <a:r>
+              <a:rPr/>
+              <a:t> </a:t>
+            </a:r>
+            <a:r>
+              <a:rPr/>
+              <a:t>graph</a:t>
+            </a:r>
+            <a:r>
+              <a:rPr/>
+              <a:t> </a:t>
+            </a:r>
+            <a:r>
+              <a:rPr/>
+              <a:t>with</a:t>
+            </a:r>
+            <a:r>
+              <a:rPr/>
+              <a:t> </a:t>
+            </a:r>
+            <a:r>
+              <a:rPr/>
+              <a:t>44</a:t>
+            </a:r>
+            <a:r>
+              <a:rPr/>
+              <a:t> </a:t>
+            </a:r>
+            <a:r>
+              <a:rPr/>
+              <a:t>bars,</a:t>
+            </a:r>
+            <a:r>
+              <a:rPr/>
+              <a:t> </a:t>
+            </a:r>
+            <a:r>
+              <a:rPr/>
+              <a:t>a</a:t>
+            </a:r>
+            <a:r>
+              <a:rPr/>
+              <a:t> </a:t>
+            </a:r>
+            <a:r>
+              <a:rPr/>
+              <a:t>resolution</a:t>
+            </a:r>
+            <a:r>
+              <a:rPr/>
+              <a:t> </a:t>
+            </a:r>
+            <a:r>
+              <a:rPr/>
+              <a:t>of</a:t>
+            </a:r>
+            <a:r>
+              <a:rPr/>
+              <a:t> </a:t>
+            </a:r>
+            <a:r>
+              <a:rPr/>
+              <a:t>960</a:t>
+            </a:r>
+            <a:r>
+              <a:rPr/>
+              <a:t> </a:t>
+            </a:r>
+            <a:r>
+              <a:rPr/>
+              <a:t>by</a:t>
+            </a:r>
+            <a:r>
+              <a:rPr/>
+              <a:t> </a:t>
+            </a:r>
+            <a:r>
+              <a:rPr/>
+              <a:t>960</a:t>
+            </a:r>
+            <a:r>
+              <a:rPr/>
+              <a:t> </a:t>
+            </a:r>
+            <a:r>
+              <a:rPr/>
+              <a:t>or</a:t>
+            </a:r>
+            <a:r>
+              <a:rPr/>
+              <a:t> </a:t>
+            </a:r>
+            <a:r>
+              <a:rPr/>
+              <a:t>even</a:t>
+            </a:r>
+            <a:r>
+              <a:rPr/>
+              <a:t> </a:t>
+            </a:r>
+            <a:r>
+              <a:rPr/>
+              <a:t>higher</a:t>
+            </a:r>
+            <a:r>
+              <a:rPr/>
+              <a:t> </a:t>
+            </a:r>
+            <a:r>
+              <a:rPr/>
+              <a:t>might</a:t>
+            </a:r>
+            <a:r>
+              <a:rPr/>
+              <a:t> </a:t>
+            </a:r>
+            <a:r>
+              <a:rPr/>
+              <a:t>be</a:t>
+            </a:r>
+            <a:r>
+              <a:rPr/>
+              <a:t> </a:t>
+            </a:r>
+            <a:r>
+              <a:rPr/>
+              <a:t>needed.</a:t>
+            </a:r>
+            <a:r>
+              <a:rPr/>
+              <a:t> </a:t>
+            </a:r>
+            <a:r>
+              <a:rPr/>
+              <a:t>Be</a:t>
+            </a:r>
+            <a:r>
+              <a:rPr/>
+              <a:t> </a:t>
+            </a:r>
+            <a:r>
+              <a:rPr/>
+              <a:t>careful,</a:t>
+            </a:r>
+            <a:r>
+              <a:rPr/>
+              <a:t> </a:t>
+            </a:r>
+            <a:r>
+              <a:rPr/>
+              <a:t>though.</a:t>
+            </a:r>
+            <a:r>
+              <a:rPr/>
+              <a:t> </a:t>
+            </a:r>
+            <a:r>
+              <a:rPr/>
+              <a:t>When</a:t>
+            </a:r>
+            <a:r>
+              <a:rPr/>
+              <a:t> </a:t>
+            </a:r>
+            <a:r>
+              <a:rPr/>
+              <a:t>I</a:t>
+            </a:r>
+            <a:r>
+              <a:rPr/>
+              <a:t> </a:t>
+            </a:r>
+            <a:r>
+              <a:rPr/>
+              <a:t>import</a:t>
+            </a:r>
+            <a:r>
+              <a:rPr/>
+              <a:t> </a:t>
+            </a:r>
+            <a:r>
+              <a:rPr/>
+              <a:t>these</a:t>
+            </a:r>
+            <a:r>
+              <a:rPr/>
+              <a:t> </a:t>
+            </a:r>
+            <a:r>
+              <a:rPr/>
+              <a:t>files</a:t>
+            </a:r>
+            <a:r>
+              <a:rPr/>
+              <a:t> </a:t>
+            </a:r>
+            <a:r>
+              <a:rPr/>
+              <a:t>into</a:t>
+            </a:r>
+            <a:r>
+              <a:rPr/>
+              <a:t> </a:t>
+            </a:r>
+            <a:r>
+              <a:rPr/>
+              <a:t>another</a:t>
+            </a:r>
+            <a:r>
+              <a:rPr/>
+              <a:t> </a:t>
+            </a:r>
+            <a:r>
+              <a:rPr/>
+              <a:t>program</a:t>
+            </a:r>
+            <a:r>
+              <a:rPr/>
+              <a:t> </a:t>
+            </a:r>
+            <a:r>
+              <a:rPr/>
+              <a:t>like</a:t>
+            </a:r>
+            <a:r>
+              <a:rPr/>
+              <a:t> </a:t>
+            </a:r>
+            <a:r>
+              <a:rPr/>
+              <a:t>PowerPoint,</a:t>
+            </a:r>
+            <a:r>
+              <a:rPr/>
+              <a:t> </a:t>
+            </a:r>
+            <a:r>
+              <a:rPr/>
+              <a:t>that</a:t>
+            </a:r>
+            <a:r>
+              <a:rPr/>
+              <a:t> </a:t>
+            </a:r>
+            <a:r>
+              <a:rPr/>
+              <a:t>software</a:t>
+            </a:r>
+            <a:r>
+              <a:rPr/>
+              <a:t> </a:t>
+            </a:r>
+            <a:r>
+              <a:rPr/>
+              <a:t>may</a:t>
+            </a:r>
+            <a:r>
+              <a:rPr/>
+              <a:t> </a:t>
+            </a:r>
+            <a:r>
+              <a:rPr/>
+              <a:t>reduce</a:t>
+            </a:r>
+            <a:r>
+              <a:rPr/>
+              <a:t> </a:t>
+            </a:r>
+            <a:r>
+              <a:rPr/>
+              <a:t>the</a:t>
+            </a:r>
+            <a:r>
+              <a:rPr/>
+              <a:t> </a:t>
+            </a:r>
+            <a:r>
+              <a:rPr/>
+              <a:t>resolution</a:t>
+            </a:r>
+            <a:r>
+              <a:rPr/>
+              <a:t> </a:t>
+            </a:r>
+            <a:r>
+              <a:rPr/>
+              <a:t>in</a:t>
+            </a:r>
+            <a:r>
+              <a:rPr/>
+              <a:t> </a:t>
+            </a:r>
+            <a:r>
+              <a:rPr/>
+              <a:t>order</a:t>
+            </a:r>
+            <a:r>
+              <a:rPr/>
+              <a:t> </a:t>
+            </a:r>
+            <a:r>
+              <a:rPr/>
+              <a:t>to</a:t>
+            </a:r>
+            <a:r>
+              <a:rPr/>
+              <a:t> </a:t>
+            </a:r>
+            <a:r>
+              <a:rPr/>
+              <a:t>fit</a:t>
+            </a:r>
+            <a:r>
+              <a:rPr/>
+              <a:t> </a:t>
+            </a:r>
+            <a:r>
+              <a:rPr/>
+              <a:t>within</a:t>
+            </a:r>
+            <a:r>
+              <a:rPr/>
+              <a:t> </a:t>
+            </a:r>
+            <a:r>
+              <a:rPr/>
+              <a:t>their</a:t>
+            </a:r>
+            <a:r>
+              <a:rPr/>
+              <a:t> </a:t>
+            </a:r>
+            <a:r>
+              <a:rPr/>
+              <a:t>own</a:t>
+            </a:r>
+            <a:r>
+              <a:rPr/>
+              <a:t> </a:t>
+            </a:r>
+            <a:r>
+              <a:rPr/>
+              <a:t>page</a:t>
             </a:r>
             <a:r>
               <a:rPr/>
@@ -4992,71 +11441,47 @@
             </a:r>
             <a:r>
               <a:rPr/>
-              <a:t>are</a:t>
-            </a:r>
-            <a:r>
-              <a:rPr/>
-              <a:t> </a:t>
-            </a:r>
-            <a:r>
-              <a:rPr/>
-              <a:t>comparisons</a:t>
-            </a:r>
-            <a:r>
-              <a:rPr/>
-              <a:t> </a:t>
-            </a:r>
-            <a:r>
-              <a:rPr/>
-              <a:t>that</a:t>
-            </a:r>
-            <a:r>
-              <a:rPr/>
-              <a:t> </a:t>
-            </a:r>
-            <a:r>
-              <a:rPr/>
-              <a:t>are</a:t>
-            </a:r>
-            <a:r>
-              <a:rPr/>
-              <a:t> </a:t>
-            </a:r>
-            <a:r>
-              <a:rPr/>
-              <a:t>side</a:t>
-            </a:r>
-            <a:r>
-              <a:rPr/>
-              <a:t> </a:t>
-            </a:r>
-            <a:r>
-              <a:rPr/>
-              <a:t>by</a:t>
-            </a:r>
-            <a:r>
-              <a:rPr/>
-              <a:t> </a:t>
-            </a:r>
-            <a:r>
-              <a:rPr/>
-              <a:t>side.</a:t>
-            </a:r>
-            <a:r>
-              <a:rPr/>
-              <a:t> </a:t>
-            </a:r>
-            <a:r>
-              <a:rPr/>
-              <a:t>This</a:t>
-            </a:r>
-            <a:r>
-              <a:rPr/>
-              <a:t> </a:t>
-            </a:r>
-            <a:r>
-              <a:rPr/>
-              <a:t>shortens</a:t>
+              <a:t>limits.</a:t>
+            </a:r>
+            <a:r>
+              <a:rPr/>
+              <a:t> </a:t>
+            </a:r>
+            <a:r>
+              <a:rPr/>
+              <a:t>Trial</a:t>
+            </a:r>
+            <a:r>
+              <a:rPr/>
+              <a:t> </a:t>
+            </a:r>
+            <a:r>
+              <a:rPr/>
+              <a:t>and</a:t>
+            </a:r>
+            <a:r>
+              <a:rPr/>
+              <a:t> </a:t>
+            </a:r>
+            <a:r>
+              <a:rPr/>
+              <a:t>error</a:t>
+            </a:r>
+            <a:r>
+              <a:rPr/>
+              <a:t> </a:t>
+            </a:r>
+            <a:r>
+              <a:rPr/>
+              <a:t>is</a:t>
+            </a:r>
+            <a:r>
+              <a:rPr/>
+              <a:t> </a:t>
+            </a:r>
+            <a:r>
+              <a:rPr/>
+              <a:t>often</a:t>
             </a:r>
             <a:r>
               <a:rPr/>
@@ -5072,47 +11497,31 @@
             </a:r>
             <a:r>
               <a:rPr/>
-              <a:t>distance</a:t>
-            </a:r>
-            <a:r>
-              <a:rPr/>
-              <a:t> </a:t>
-            </a:r>
-            <a:r>
-              <a:rPr/>
-              <a:t>that</a:t>
-            </a:r>
-            <a:r>
-              <a:rPr/>
-              <a:t> </a:t>
-            </a:r>
-            <a:r>
-              <a:rPr/>
-              <a:t>you</a:t>
-            </a:r>
-            <a:r>
-              <a:rPr/>
-              <a:t> </a:t>
-            </a:r>
-            <a:r>
-              <a:rPr/>
-              <a:t>have</a:t>
-            </a:r>
-            <a:r>
-              <a:rPr/>
-              <a:t> </a:t>
-            </a:r>
-            <a:r>
-              <a:rPr/>
-              <a:t>to</a:t>
-            </a:r>
-            <a:r>
-              <a:rPr/>
-              <a:t> </a:t>
-            </a:r>
-            <a:r>
-              <a:rPr/>
-              <a:t>project.</a:t>
+              <a:t>only</a:t>
+            </a:r>
+            <a:r>
+              <a:rPr/>
+              <a:t> </a:t>
+            </a:r>
+            <a:r>
+              <a:rPr/>
+              <a:t>good</a:t>
+            </a:r>
+            <a:r>
+              <a:rPr/>
+              <a:t> </a:t>
+            </a:r>
+            <a:r>
+              <a:rPr/>
+              <a:t>solution</a:t>
+            </a:r>
+            <a:r>
+              <a:rPr/>
+              <a:t> </a:t>
+            </a:r>
+            <a:r>
+              <a:rPr/>
+              <a:t>here.</a:t>
             </a:r>
           </a:p>
         </p:txBody>
@@ -5135,6 +11544,1556 @@
             <a:fld id="{18BDFEC3-8487-43E8-A154-7C12CBC1FFF2}" type="slidenum">
               <a:rPr lang="en-US"/>
               <a:t>9</a:t>
+            </a:fld>
+            <a:endParaRPr lang="en-US"/>
+          </a:p>
+        </p:txBody>
+      </p:sp>
+    </p:spTree>
+  </p:cSld>
+</p:notes>
+</file>
+
+<file path=ppt/notesSlides/notesSlide9.xml><?xml version="1.0" encoding="utf-8"?>
+<p:notes xmlns:a="http://schemas.openxmlformats.org/drawingml/2006/main" xmlns:r="http://schemas.openxmlformats.org/officeDocument/2006/relationships" xmlns:p="http://schemas.openxmlformats.org/presentationml/2006/main">
+  <p:cSld>
+    <p:spTree>
+      <p:nvGrpSpPr>
+        <p:cNvPr id="1" name=""/>
+        <p:cNvGrpSpPr/>
+        <p:nvPr/>
+      </p:nvGrpSpPr>
+      <p:grpSpPr>
+        <a:xfrm>
+          <a:off x="0" y="0"/>
+          <a:ext cx="0" cy="0"/>
+          <a:chOff x="0" y="0"/>
+          <a:chExt cx="0" cy="0"/>
+        </a:xfrm>
+      </p:grpSpPr>
+      <p:sp>
+        <p:nvSpPr>
+          <p:cNvPr id="2" name="Slide Image Placeholder 1"/>
+          <p:cNvSpPr>
+            <a:spLocks noGrp="1" noRot="1" noChangeAspect="1"/>
+          </p:cNvSpPr>
+          <p:nvPr>
+            <p:ph type="sldImg"/>
+          </p:nvPr>
+        </p:nvSpPr>
+        <p:spPr/>
+      </p:sp>
+      <p:sp>
+        <p:nvSpPr>
+          <p:cNvPr id="3" name="Notes Placeholder 2"/>
+          <p:cNvSpPr>
+            <a:spLocks noGrp="1"/>
+          </p:cNvSpPr>
+          <p:nvPr>
+            <p:ph type="body" idx="1"/>
+          </p:nvPr>
+        </p:nvSpPr>
+        <p:spPr/>
+        <p:txBody>
+          <a:bodyPr/>
+          <a:lstStyle/>
+          <a:p>
+            <a:pPr lvl="0" marL="0" indent="0">
+              <a:buNone/>
+            </a:pPr>
+            <a:r>
+              <a:rPr/>
+              <a:t>If</a:t>
+            </a:r>
+            <a:r>
+              <a:rPr/>
+              <a:t> </a:t>
+            </a:r>
+            <a:r>
+              <a:rPr/>
+              <a:t>you</a:t>
+            </a:r>
+            <a:r>
+              <a:rPr/>
+              <a:t> </a:t>
+            </a:r>
+            <a:r>
+              <a:rPr/>
+              <a:t>sort</a:t>
+            </a:r>
+            <a:r>
+              <a:rPr/>
+              <a:t> </a:t>
+            </a:r>
+            <a:r>
+              <a:rPr/>
+              <a:t>the</a:t>
+            </a:r>
+            <a:r>
+              <a:rPr/>
+              <a:t> </a:t>
+            </a:r>
+            <a:r>
+              <a:rPr/>
+              <a:t>bars</a:t>
+            </a:r>
+            <a:r>
+              <a:rPr/>
+              <a:t> </a:t>
+            </a:r>
+            <a:r>
+              <a:rPr/>
+              <a:t>by</a:t>
+            </a:r>
+            <a:r>
+              <a:rPr/>
+              <a:t> </a:t>
+            </a:r>
+            <a:r>
+              <a:rPr/>
+              <a:t>size,</a:t>
+            </a:r>
+            <a:r>
+              <a:rPr/>
+              <a:t> </a:t>
+            </a:r>
+            <a:r>
+              <a:rPr/>
+              <a:t>then</a:t>
+            </a:r>
+            <a:r>
+              <a:rPr/>
+              <a:t> </a:t>
+            </a:r>
+            <a:r>
+              <a:rPr/>
+              <a:t>comparisons</a:t>
+            </a:r>
+            <a:r>
+              <a:rPr/>
+              <a:t> </a:t>
+            </a:r>
+            <a:r>
+              <a:rPr/>
+              <a:t>between</a:t>
+            </a:r>
+            <a:r>
+              <a:rPr/>
+              <a:t> </a:t>
+            </a:r>
+            <a:r>
+              <a:rPr/>
+              <a:t>bars</a:t>
+            </a:r>
+            <a:r>
+              <a:rPr/>
+              <a:t> </a:t>
+            </a:r>
+            <a:r>
+              <a:rPr/>
+              <a:t>of</a:t>
+            </a:r>
+            <a:r>
+              <a:rPr/>
+              <a:t> </a:t>
+            </a:r>
+            <a:r>
+              <a:rPr/>
+              <a:t>approximately</a:t>
+            </a:r>
+            <a:r>
+              <a:rPr/>
+              <a:t> </a:t>
+            </a:r>
+            <a:r>
+              <a:rPr/>
+              <a:t>the</a:t>
+            </a:r>
+            <a:r>
+              <a:rPr/>
+              <a:t> </a:t>
+            </a:r>
+            <a:r>
+              <a:rPr/>
+              <a:t>same</a:t>
+            </a:r>
+            <a:r>
+              <a:rPr/>
+              <a:t> </a:t>
+            </a:r>
+            <a:r>
+              <a:rPr/>
+              <a:t>size</a:t>
+            </a:r>
+            <a:r>
+              <a:rPr/>
+              <a:t> </a:t>
+            </a:r>
+            <a:r>
+              <a:rPr/>
+              <a:t>are</a:t>
+            </a:r>
+            <a:r>
+              <a:rPr/>
+              <a:t> </a:t>
+            </a:r>
+            <a:r>
+              <a:rPr/>
+              <a:t>comparisons</a:t>
+            </a:r>
+            <a:r>
+              <a:rPr/>
+              <a:t> </a:t>
+            </a:r>
+            <a:r>
+              <a:rPr/>
+              <a:t>that</a:t>
+            </a:r>
+            <a:r>
+              <a:rPr/>
+              <a:t> </a:t>
+            </a:r>
+            <a:r>
+              <a:rPr/>
+              <a:t>are</a:t>
+            </a:r>
+            <a:r>
+              <a:rPr/>
+              <a:t> </a:t>
+            </a:r>
+            <a:r>
+              <a:rPr/>
+              <a:t>side</a:t>
+            </a:r>
+            <a:r>
+              <a:rPr/>
+              <a:t> </a:t>
+            </a:r>
+            <a:r>
+              <a:rPr/>
+              <a:t>by</a:t>
+            </a:r>
+            <a:r>
+              <a:rPr/>
+              <a:t> </a:t>
+            </a:r>
+            <a:r>
+              <a:rPr/>
+              <a:t>side.</a:t>
+            </a:r>
+            <a:r>
+              <a:rPr/>
+              <a:t> </a:t>
+            </a:r>
+            <a:r>
+              <a:rPr/>
+              <a:t>This</a:t>
+            </a:r>
+            <a:r>
+              <a:rPr/>
+              <a:t> </a:t>
+            </a:r>
+            <a:r>
+              <a:rPr/>
+              <a:t>shortens</a:t>
+            </a:r>
+            <a:r>
+              <a:rPr/>
+              <a:t> </a:t>
+            </a:r>
+            <a:r>
+              <a:rPr/>
+              <a:t>the</a:t>
+            </a:r>
+            <a:r>
+              <a:rPr/>
+              <a:t> </a:t>
+            </a:r>
+            <a:r>
+              <a:rPr/>
+              <a:t>distance</a:t>
+            </a:r>
+            <a:r>
+              <a:rPr/>
+              <a:t> </a:t>
+            </a:r>
+            <a:r>
+              <a:rPr/>
+              <a:t>that</a:t>
+            </a:r>
+            <a:r>
+              <a:rPr/>
+              <a:t> </a:t>
+            </a:r>
+            <a:r>
+              <a:rPr/>
+              <a:t>you</a:t>
+            </a:r>
+            <a:r>
+              <a:rPr/>
+              <a:t> </a:t>
+            </a:r>
+            <a:r>
+              <a:rPr/>
+              <a:t>have</a:t>
+            </a:r>
+            <a:r>
+              <a:rPr/>
+              <a:t> </a:t>
+            </a:r>
+            <a:r>
+              <a:rPr/>
+              <a:t>to</a:t>
+            </a:r>
+            <a:r>
+              <a:rPr/>
+              <a:t> </a:t>
+            </a:r>
+            <a:r>
+              <a:rPr/>
+              <a:t>project.</a:t>
+            </a:r>
+          </a:p>
+          <a:p>
+            <a:pPr lvl="0" marL="0" indent="0">
+              <a:buNone/>
+            </a:pPr>
+          </a:p>
+          <a:p>
+            <a:pPr lvl="0" marL="0" indent="0">
+              <a:buNone/>
+            </a:pPr>
+            <a:r>
+              <a:rPr/>
+              <a:t>If</a:t>
+            </a:r>
+            <a:r>
+              <a:rPr/>
+              <a:t> </a:t>
+            </a:r>
+            <a:r>
+              <a:rPr/>
+              <a:t>your</a:t>
+            </a:r>
+            <a:r>
+              <a:rPr/>
+              <a:t> </a:t>
+            </a:r>
+            <a:r>
+              <a:rPr/>
+              <a:t>categories</a:t>
+            </a:r>
+            <a:r>
+              <a:rPr/>
+              <a:t> </a:t>
+            </a:r>
+            <a:r>
+              <a:rPr/>
+              <a:t>have</a:t>
+            </a:r>
+            <a:r>
+              <a:rPr/>
+              <a:t> </a:t>
+            </a:r>
+            <a:r>
+              <a:rPr/>
+              <a:t>a</a:t>
+            </a:r>
+            <a:r>
+              <a:rPr/>
+              <a:t> </a:t>
+            </a:r>
+            <a:r>
+              <a:rPr/>
+              <a:t>natural</a:t>
+            </a:r>
+            <a:r>
+              <a:rPr/>
+              <a:t> </a:t>
+            </a:r>
+            <a:r>
+              <a:rPr/>
+              <a:t>ordering,</a:t>
+            </a:r>
+            <a:r>
+              <a:rPr/>
+              <a:t> </a:t>
+            </a:r>
+            <a:r>
+              <a:rPr/>
+              <a:t>like</a:t>
+            </a:r>
+            <a:r>
+              <a:rPr/>
+              <a:t> </a:t>
+            </a:r>
+            <a:r>
+              <a:rPr/>
+              <a:t>the</a:t>
+            </a:r>
+            <a:r>
+              <a:rPr/>
+              <a:t> </a:t>
+            </a:r>
+            <a:r>
+              <a:rPr/>
+              <a:t>age</a:t>
+            </a:r>
+            <a:r>
+              <a:rPr/>
+              <a:t> </a:t>
+            </a:r>
+            <a:r>
+              <a:rPr/>
+              <a:t>groups</a:t>
+            </a:r>
+            <a:r>
+              <a:rPr/>
+              <a:t> </a:t>
+            </a:r>
+            <a:r>
+              <a:rPr/>
+              <a:t>we</a:t>
+            </a:r>
+            <a:r>
+              <a:rPr/>
+              <a:t> </a:t>
+            </a:r>
+            <a:r>
+              <a:rPr/>
+              <a:t>saw</a:t>
+            </a:r>
+            <a:r>
+              <a:rPr/>
+              <a:t> </a:t>
+            </a:r>
+            <a:r>
+              <a:rPr/>
+              <a:t>in</a:t>
+            </a:r>
+            <a:r>
+              <a:rPr/>
+              <a:t> </a:t>
+            </a:r>
+            <a:r>
+              <a:rPr/>
+              <a:t>an</a:t>
+            </a:r>
+            <a:r>
+              <a:rPr/>
+              <a:t> </a:t>
+            </a:r>
+            <a:r>
+              <a:rPr/>
+              <a:t>earlier</a:t>
+            </a:r>
+            <a:r>
+              <a:rPr/>
+              <a:t> </a:t>
+            </a:r>
+            <a:r>
+              <a:rPr/>
+              <a:t>example,</a:t>
+            </a:r>
+            <a:r>
+              <a:rPr/>
+              <a:t> </a:t>
+            </a:r>
+            <a:r>
+              <a:rPr/>
+              <a:t>you</a:t>
+            </a:r>
+            <a:r>
+              <a:rPr/>
+              <a:t> </a:t>
+            </a:r>
+            <a:r>
+              <a:rPr/>
+              <a:t>can’t</a:t>
+            </a:r>
+            <a:r>
+              <a:rPr/>
+              <a:t> </a:t>
+            </a:r>
+            <a:r>
+              <a:rPr/>
+              <a:t>sort</a:t>
+            </a:r>
+            <a:r>
+              <a:rPr/>
+              <a:t> </a:t>
+            </a:r>
+            <a:r>
+              <a:rPr/>
+              <a:t>by</a:t>
+            </a:r>
+            <a:r>
+              <a:rPr/>
+              <a:t> </a:t>
+            </a:r>
+            <a:r>
+              <a:rPr/>
+              <a:t>size.</a:t>
+            </a:r>
+            <a:r>
+              <a:rPr/>
+              <a:t> </a:t>
+            </a:r>
+            <a:r>
+              <a:rPr/>
+              <a:t>A</a:t>
+            </a:r>
+            <a:r>
+              <a:rPr/>
+              <a:t> </a:t>
+            </a:r>
+            <a:r>
+              <a:rPr/>
+              <a:t>bar</a:t>
+            </a:r>
+            <a:r>
+              <a:rPr/>
+              <a:t> </a:t>
+            </a:r>
+            <a:r>
+              <a:rPr/>
+              <a:t>chart</a:t>
+            </a:r>
+            <a:r>
+              <a:rPr/>
+              <a:t> </a:t>
+            </a:r>
+            <a:r>
+              <a:rPr/>
+              <a:t>that</a:t>
+            </a:r>
+            <a:r>
+              <a:rPr/>
+              <a:t> </a:t>
+            </a:r>
+            <a:r>
+              <a:rPr/>
+              <a:t>starts</a:t>
+            </a:r>
+            <a:r>
+              <a:rPr/>
+              <a:t> </a:t>
+            </a:r>
+            <a:r>
+              <a:rPr/>
+              <a:t>with</a:t>
+            </a:r>
+            <a:r>
+              <a:rPr/>
+              <a:t> </a:t>
+            </a:r>
+            <a:r>
+              <a:rPr/>
+              <a:t>30</a:t>
+            </a:r>
+            <a:r>
+              <a:rPr/>
+              <a:t> </a:t>
+            </a:r>
+            <a:r>
+              <a:rPr/>
+              <a:t>to</a:t>
+            </a:r>
+            <a:r>
+              <a:rPr/>
+              <a:t> </a:t>
+            </a:r>
+            <a:r>
+              <a:rPr/>
+              <a:t>40</a:t>
+            </a:r>
+            <a:r>
+              <a:rPr/>
+              <a:t> </a:t>
+            </a:r>
+            <a:r>
+              <a:rPr/>
+              <a:t>year</a:t>
+            </a:r>
+            <a:r>
+              <a:rPr/>
+              <a:t> </a:t>
+            </a:r>
+            <a:r>
+              <a:rPr/>
+              <a:t>old</a:t>
+            </a:r>
+            <a:r>
+              <a:rPr/>
+              <a:t> </a:t>
+            </a:r>
+            <a:r>
+              <a:rPr/>
+              <a:t>passengers,</a:t>
+            </a:r>
+            <a:r>
+              <a:rPr/>
+              <a:t> </a:t>
+            </a:r>
+            <a:r>
+              <a:rPr/>
+              <a:t>jumps</a:t>
+            </a:r>
+            <a:r>
+              <a:rPr/>
+              <a:t> </a:t>
+            </a:r>
+            <a:r>
+              <a:rPr/>
+              <a:t>to</a:t>
+            </a:r>
+            <a:r>
+              <a:rPr/>
+              <a:t> </a:t>
+            </a:r>
+            <a:r>
+              <a:rPr/>
+              <a:t>60</a:t>
+            </a:r>
+            <a:r>
+              <a:rPr/>
+              <a:t> </a:t>
+            </a:r>
+            <a:r>
+              <a:rPr/>
+              <a:t>to</a:t>
+            </a:r>
+            <a:r>
+              <a:rPr/>
+              <a:t> </a:t>
+            </a:r>
+            <a:r>
+              <a:rPr/>
+              <a:t>70</a:t>
+            </a:r>
+            <a:r>
+              <a:rPr/>
+              <a:t> </a:t>
+            </a:r>
+            <a:r>
+              <a:rPr/>
+              <a:t>year</a:t>
+            </a:r>
+            <a:r>
+              <a:rPr/>
+              <a:t> </a:t>
+            </a:r>
+            <a:r>
+              <a:rPr/>
+              <a:t>old</a:t>
+            </a:r>
+            <a:r>
+              <a:rPr/>
+              <a:t> </a:t>
+            </a:r>
+            <a:r>
+              <a:rPr/>
+              <a:t>passengers,</a:t>
+            </a:r>
+            <a:r>
+              <a:rPr/>
+              <a:t> </a:t>
+            </a:r>
+            <a:r>
+              <a:rPr/>
+              <a:t>and</a:t>
+            </a:r>
+            <a:r>
+              <a:rPr/>
+              <a:t> </a:t>
+            </a:r>
+            <a:r>
+              <a:rPr/>
+              <a:t>then</a:t>
+            </a:r>
+            <a:r>
+              <a:rPr/>
+              <a:t> </a:t>
+            </a:r>
+            <a:r>
+              <a:rPr/>
+              <a:t>jumps</a:t>
+            </a:r>
+            <a:r>
+              <a:rPr/>
+              <a:t> </a:t>
+            </a:r>
+            <a:r>
+              <a:rPr/>
+              <a:t>again</a:t>
+            </a:r>
+            <a:r>
+              <a:rPr/>
+              <a:t> </a:t>
+            </a:r>
+            <a:r>
+              <a:rPr/>
+              <a:t>to</a:t>
+            </a:r>
+            <a:r>
+              <a:rPr/>
+              <a:t> </a:t>
+            </a:r>
+            <a:r>
+              <a:rPr/>
+              <a:t>20</a:t>
+            </a:r>
+            <a:r>
+              <a:rPr/>
+              <a:t> </a:t>
+            </a:r>
+            <a:r>
+              <a:rPr/>
+              <a:t>to</a:t>
+            </a:r>
+            <a:r>
+              <a:rPr/>
+              <a:t> </a:t>
+            </a:r>
+            <a:r>
+              <a:rPr/>
+              <a:t>30</a:t>
+            </a:r>
+            <a:r>
+              <a:rPr/>
+              <a:t> </a:t>
+            </a:r>
+            <a:r>
+              <a:rPr/>
+              <a:t>year</a:t>
+            </a:r>
+            <a:r>
+              <a:rPr/>
+              <a:t> </a:t>
+            </a:r>
+            <a:r>
+              <a:rPr/>
+              <a:t>old</a:t>
+            </a:r>
+            <a:r>
+              <a:rPr/>
+              <a:t> </a:t>
+            </a:r>
+            <a:r>
+              <a:rPr/>
+              <a:t>passengers</a:t>
+            </a:r>
+            <a:r>
+              <a:rPr/>
+              <a:t> </a:t>
+            </a:r>
+            <a:r>
+              <a:rPr/>
+              <a:t>will</a:t>
+            </a:r>
+            <a:r>
+              <a:rPr/>
+              <a:t> </a:t>
+            </a:r>
+            <a:r>
+              <a:rPr/>
+              <a:t>cause</a:t>
+            </a:r>
+            <a:r>
+              <a:rPr/>
+              <a:t> </a:t>
+            </a:r>
+            <a:r>
+              <a:rPr/>
+              <a:t>too</a:t>
+            </a:r>
+            <a:r>
+              <a:rPr/>
+              <a:t> </a:t>
+            </a:r>
+            <a:r>
+              <a:rPr/>
+              <a:t>much</a:t>
+            </a:r>
+            <a:r>
+              <a:rPr/>
+              <a:t> </a:t>
+            </a:r>
+            <a:r>
+              <a:rPr/>
+              <a:t>confusion.</a:t>
+            </a:r>
+            <a:r>
+              <a:rPr/>
+              <a:t> </a:t>
+            </a:r>
+            <a:r>
+              <a:rPr/>
+              <a:t>A</a:t>
+            </a:r>
+            <a:r>
+              <a:rPr/>
+              <a:t> </a:t>
+            </a:r>
+            <a:r>
+              <a:rPr/>
+              <a:t>Likert</a:t>
+            </a:r>
+            <a:r>
+              <a:rPr/>
+              <a:t> </a:t>
+            </a:r>
+            <a:r>
+              <a:rPr/>
+              <a:t>scale</a:t>
+            </a:r>
+            <a:r>
+              <a:rPr/>
+              <a:t> </a:t>
+            </a:r>
+            <a:r>
+              <a:rPr/>
+              <a:t>pretty</a:t>
+            </a:r>
+            <a:r>
+              <a:rPr/>
+              <a:t> </a:t>
+            </a:r>
+            <a:r>
+              <a:rPr/>
+              <a:t>much</a:t>
+            </a:r>
+            <a:r>
+              <a:rPr/>
+              <a:t> </a:t>
+            </a:r>
+            <a:r>
+              <a:rPr/>
+              <a:t>has</a:t>
+            </a:r>
+            <a:r>
+              <a:rPr/>
+              <a:t> </a:t>
+            </a:r>
+            <a:r>
+              <a:rPr/>
+              <a:t>to</a:t>
+            </a:r>
+            <a:r>
+              <a:rPr/>
+              <a:t> </a:t>
+            </a:r>
+            <a:r>
+              <a:rPr/>
+              <a:t>start</a:t>
+            </a:r>
+            <a:r>
+              <a:rPr/>
+              <a:t> </a:t>
+            </a:r>
+            <a:r>
+              <a:rPr/>
+              <a:t>with</a:t>
+            </a:r>
+            <a:r>
+              <a:rPr/>
+              <a:t> </a:t>
+            </a:r>
+            <a:r>
+              <a:rPr/>
+              <a:t>“</a:t>
+            </a:r>
+            <a:r>
+              <a:rPr/>
+              <a:t>strongly</a:t>
+            </a:r>
+            <a:r>
+              <a:rPr/>
+              <a:t> </a:t>
+            </a:r>
+            <a:r>
+              <a:rPr/>
+              <a:t>disagree</a:t>
+            </a:r>
+            <a:r>
+              <a:rPr/>
+              <a:t>”</a:t>
+            </a:r>
+            <a:r>
+              <a:rPr/>
+              <a:t> </a:t>
+            </a:r>
+            <a:r>
+              <a:rPr/>
+              <a:t>and</a:t>
+            </a:r>
+            <a:r>
+              <a:rPr/>
+              <a:t> </a:t>
+            </a:r>
+            <a:r>
+              <a:rPr/>
+              <a:t>follow</a:t>
+            </a:r>
+            <a:r>
+              <a:rPr/>
+              <a:t> </a:t>
+            </a:r>
+            <a:r>
+              <a:rPr/>
+              <a:t>the</a:t>
+            </a:r>
+            <a:r>
+              <a:rPr/>
+              <a:t> </a:t>
+            </a:r>
+            <a:r>
+              <a:rPr/>
+              <a:t>proper</a:t>
+            </a:r>
+            <a:r>
+              <a:rPr/>
+              <a:t> </a:t>
+            </a:r>
+            <a:r>
+              <a:rPr/>
+              <a:t>sequence</a:t>
+            </a:r>
+            <a:r>
+              <a:rPr/>
+              <a:t> </a:t>
+            </a:r>
+            <a:r>
+              <a:rPr/>
+              <a:t>through</a:t>
+            </a:r>
+            <a:r>
+              <a:rPr/>
+              <a:t> </a:t>
+            </a:r>
+            <a:r>
+              <a:rPr/>
+              <a:t>“</a:t>
+            </a:r>
+            <a:r>
+              <a:rPr/>
+              <a:t>disagree,</a:t>
+            </a:r>
+            <a:r>
+              <a:rPr/>
+              <a:t>”</a:t>
+            </a:r>
+            <a:r>
+              <a:rPr/>
+              <a:t> </a:t>
+            </a:r>
+            <a:r>
+              <a:rPr/>
+              <a:t>“</a:t>
+            </a:r>
+            <a:r>
+              <a:rPr/>
+              <a:t>neutral,</a:t>
+            </a:r>
+            <a:r>
+              <a:rPr/>
+              <a:t>”</a:t>
+            </a:r>
+            <a:r>
+              <a:rPr/>
+              <a:t> </a:t>
+            </a:r>
+            <a:r>
+              <a:rPr/>
+              <a:t>“</a:t>
+            </a:r>
+            <a:r>
+              <a:rPr/>
+              <a:t>agree,</a:t>
+            </a:r>
+            <a:r>
+              <a:rPr/>
+              <a:t>”</a:t>
+            </a:r>
+            <a:r>
+              <a:rPr/>
+              <a:t> </a:t>
+            </a:r>
+            <a:r>
+              <a:rPr/>
+              <a:t>and</a:t>
+            </a:r>
+            <a:r>
+              <a:rPr/>
+              <a:t> </a:t>
+            </a:r>
+            <a:r>
+              <a:rPr/>
+              <a:t>end</a:t>
+            </a:r>
+            <a:r>
+              <a:rPr/>
+              <a:t> </a:t>
+            </a:r>
+            <a:r>
+              <a:rPr/>
+              <a:t>up</a:t>
+            </a:r>
+            <a:r>
+              <a:rPr/>
+              <a:t> </a:t>
+            </a:r>
+            <a:r>
+              <a:rPr/>
+              <a:t>at</a:t>
+            </a:r>
+            <a:r>
+              <a:rPr/>
+              <a:t> </a:t>
+            </a:r>
+            <a:r>
+              <a:rPr/>
+              <a:t>“</a:t>
+            </a:r>
+            <a:r>
+              <a:rPr/>
+              <a:t>strongly</a:t>
+            </a:r>
+            <a:r>
+              <a:rPr/>
+              <a:t> </a:t>
+            </a:r>
+            <a:r>
+              <a:rPr/>
+              <a:t>agree.</a:t>
+            </a:r>
+            <a:r>
+              <a:rPr/>
+              <a:t>”</a:t>
+            </a:r>
+          </a:p>
+          <a:p>
+            <a:pPr lvl="0" marL="0" indent="0">
+              <a:buNone/>
+            </a:pPr>
+          </a:p>
+          <a:p>
+            <a:pPr lvl="0" marL="0" indent="0">
+              <a:buNone/>
+            </a:pPr>
+            <a:r>
+              <a:rPr/>
+              <a:t>Some</a:t>
+            </a:r>
+            <a:r>
+              <a:rPr/>
+              <a:t> </a:t>
+            </a:r>
+            <a:r>
+              <a:rPr/>
+              <a:t>people</a:t>
+            </a:r>
+            <a:r>
+              <a:rPr/>
+              <a:t> </a:t>
+            </a:r>
+            <a:r>
+              <a:rPr/>
+              <a:t>like</a:t>
+            </a:r>
+            <a:r>
+              <a:rPr/>
+              <a:t> </a:t>
+            </a:r>
+            <a:r>
+              <a:rPr/>
+              <a:t>a</a:t>
+            </a:r>
+            <a:r>
+              <a:rPr/>
+              <a:t> </a:t>
+            </a:r>
+            <a:r>
+              <a:rPr/>
+              <a:t>nice</a:t>
+            </a:r>
+            <a:r>
+              <a:rPr/>
+              <a:t> </a:t>
+            </a:r>
+            <a:r>
+              <a:rPr/>
+              <a:t>orderly</a:t>
+            </a:r>
+            <a:r>
+              <a:rPr/>
+              <a:t> </a:t>
+            </a:r>
+            <a:r>
+              <a:rPr/>
+              <a:t>alphabetical</a:t>
+            </a:r>
+            <a:r>
+              <a:rPr/>
+              <a:t> </a:t>
+            </a:r>
+            <a:r>
+              <a:rPr/>
+              <a:t>order</a:t>
+            </a:r>
+            <a:r>
+              <a:rPr/>
+              <a:t> </a:t>
+            </a:r>
+            <a:r>
+              <a:rPr/>
+              <a:t>to</a:t>
+            </a:r>
+            <a:r>
+              <a:rPr/>
+              <a:t> </a:t>
+            </a:r>
+            <a:r>
+              <a:rPr/>
+              <a:t>their</a:t>
+            </a:r>
+            <a:r>
+              <a:rPr/>
+              <a:t> </a:t>
+            </a:r>
+            <a:r>
+              <a:rPr/>
+              <a:t>bars.</a:t>
+            </a:r>
+            <a:r>
+              <a:rPr/>
+              <a:t> </a:t>
+            </a:r>
+            <a:r>
+              <a:rPr/>
+              <a:t>It</a:t>
+            </a:r>
+            <a:r>
+              <a:rPr/>
+              <a:t> </a:t>
+            </a:r>
+            <a:r>
+              <a:rPr/>
+              <a:t>helps</a:t>
+            </a:r>
+            <a:r>
+              <a:rPr/>
+              <a:t> </a:t>
+            </a:r>
+            <a:r>
+              <a:rPr/>
+              <a:t>a</a:t>
+            </a:r>
+            <a:r>
+              <a:rPr/>
+              <a:t> </a:t>
+            </a:r>
+            <a:r>
+              <a:rPr/>
+              <a:t>little</a:t>
+            </a:r>
+            <a:r>
+              <a:rPr/>
+              <a:t> </a:t>
+            </a:r>
+            <a:r>
+              <a:rPr/>
+              <a:t>bit</a:t>
+            </a:r>
+            <a:r>
+              <a:rPr/>
+              <a:t> </a:t>
+            </a:r>
+            <a:r>
+              <a:rPr/>
+              <a:t>with</a:t>
+            </a:r>
+            <a:r>
+              <a:rPr/>
+              <a:t> </a:t>
+            </a:r>
+            <a:r>
+              <a:rPr/>
+              <a:t>“</a:t>
+            </a:r>
+            <a:r>
+              <a:rPr/>
+              <a:t>look</a:t>
+            </a:r>
+            <a:r>
+              <a:rPr/>
+              <a:t> </a:t>
+            </a:r>
+            <a:r>
+              <a:rPr/>
+              <a:t>up</a:t>
+            </a:r>
+            <a:r>
+              <a:rPr/>
+              <a:t>”</a:t>
+            </a:r>
+            <a:r>
+              <a:rPr/>
+              <a:t> </a:t>
+            </a:r>
+            <a:r>
+              <a:rPr/>
+              <a:t>or</a:t>
+            </a:r>
+            <a:r>
+              <a:rPr/>
+              <a:t> </a:t>
+            </a:r>
+            <a:r>
+              <a:rPr/>
+              <a:t>the</a:t>
+            </a:r>
+            <a:r>
+              <a:rPr/>
+              <a:t> </a:t>
+            </a:r>
+            <a:r>
+              <a:rPr/>
+              <a:t>process</a:t>
+            </a:r>
+            <a:r>
+              <a:rPr/>
+              <a:t> </a:t>
+            </a:r>
+            <a:r>
+              <a:rPr/>
+              <a:t>of</a:t>
+            </a:r>
+            <a:r>
+              <a:rPr/>
+              <a:t> </a:t>
+            </a:r>
+            <a:r>
+              <a:rPr/>
+              <a:t>quickly</a:t>
+            </a:r>
+            <a:r>
+              <a:rPr/>
+              <a:t> </a:t>
+            </a:r>
+            <a:r>
+              <a:rPr/>
+              <a:t>finding</a:t>
+            </a:r>
+            <a:r>
+              <a:rPr/>
+              <a:t> </a:t>
+            </a:r>
+            <a:r>
+              <a:rPr/>
+              <a:t>a</a:t>
+            </a:r>
+            <a:r>
+              <a:rPr/>
+              <a:t> </a:t>
+            </a:r>
+            <a:r>
+              <a:rPr/>
+              <a:t>particular</a:t>
+            </a:r>
+            <a:r>
+              <a:rPr/>
+              <a:t> </a:t>
+            </a:r>
+            <a:r>
+              <a:rPr/>
+              <a:t>bar</a:t>
+            </a:r>
+            <a:r>
+              <a:rPr/>
+              <a:t> </a:t>
+            </a:r>
+            <a:r>
+              <a:rPr/>
+              <a:t>of</a:t>
+            </a:r>
+            <a:r>
+              <a:rPr/>
+              <a:t> </a:t>
+            </a:r>
+            <a:r>
+              <a:rPr/>
+              <a:t>interest.</a:t>
+            </a:r>
+            <a:r>
+              <a:rPr/>
+              <a:t> </a:t>
+            </a:r>
+            <a:r>
+              <a:rPr/>
+              <a:t>But</a:t>
+            </a:r>
+            <a:r>
+              <a:rPr/>
+              <a:t> </a:t>
+            </a:r>
+            <a:r>
+              <a:rPr/>
+              <a:t>the</a:t>
+            </a:r>
+            <a:r>
+              <a:rPr/>
+              <a:t> </a:t>
+            </a:r>
+            <a:r>
+              <a:rPr/>
+              <a:t>value</a:t>
+            </a:r>
+            <a:r>
+              <a:rPr/>
+              <a:t> </a:t>
+            </a:r>
+            <a:r>
+              <a:rPr/>
+              <a:t>of</a:t>
+            </a:r>
+            <a:r>
+              <a:rPr/>
+              <a:t> </a:t>
+            </a:r>
+            <a:r>
+              <a:rPr/>
+              <a:t>look</a:t>
+            </a:r>
+            <a:r>
+              <a:rPr/>
+              <a:t> </a:t>
+            </a:r>
+            <a:r>
+              <a:rPr/>
+              <a:t>up</a:t>
+            </a:r>
+            <a:r>
+              <a:rPr/>
+              <a:t> </a:t>
+            </a:r>
+            <a:r>
+              <a:rPr/>
+              <a:t>is</a:t>
+            </a:r>
+            <a:r>
+              <a:rPr/>
+              <a:t> </a:t>
+            </a:r>
+            <a:r>
+              <a:rPr/>
+              <a:t>often</a:t>
+            </a:r>
+            <a:r>
+              <a:rPr/>
+              <a:t> </a:t>
+            </a:r>
+            <a:r>
+              <a:rPr/>
+              <a:t>overrated,</a:t>
+            </a:r>
+            <a:r>
+              <a:rPr/>
+              <a:t> </a:t>
+            </a:r>
+            <a:r>
+              <a:rPr/>
+              <a:t>as</a:t>
+            </a:r>
+            <a:r>
+              <a:rPr/>
+              <a:t> </a:t>
+            </a:r>
+            <a:r>
+              <a:rPr/>
+              <a:t>the</a:t>
+            </a:r>
+            <a:r>
+              <a:rPr/>
+              <a:t> </a:t>
+            </a:r>
+            <a:r>
+              <a:rPr/>
+              <a:t>more</a:t>
+            </a:r>
+            <a:r>
+              <a:rPr/>
+              <a:t> </a:t>
+            </a:r>
+            <a:r>
+              <a:rPr/>
+              <a:t>important</a:t>
+            </a:r>
+            <a:r>
+              <a:rPr/>
+              <a:t> </a:t>
+            </a:r>
+            <a:r>
+              <a:rPr/>
+              <a:t>visual</a:t>
+            </a:r>
+            <a:r>
+              <a:rPr/>
+              <a:t> </a:t>
+            </a:r>
+            <a:r>
+              <a:rPr/>
+              <a:t>tasks</a:t>
+            </a:r>
+            <a:r>
+              <a:rPr/>
+              <a:t> </a:t>
+            </a:r>
+            <a:r>
+              <a:rPr/>
+              <a:t>are</a:t>
+            </a:r>
+            <a:r>
+              <a:rPr/>
+              <a:t> </a:t>
+            </a:r>
+            <a:r>
+              <a:rPr/>
+              <a:t>comparisons</a:t>
+            </a:r>
+            <a:r>
+              <a:rPr/>
+              <a:t> </a:t>
+            </a:r>
+            <a:r>
+              <a:rPr/>
+              <a:t>of</a:t>
+            </a:r>
+            <a:r>
+              <a:rPr/>
+              <a:t> </a:t>
+            </a:r>
+            <a:r>
+              <a:rPr/>
+              <a:t>one</a:t>
+            </a:r>
+            <a:r>
+              <a:rPr/>
+              <a:t> </a:t>
+            </a:r>
+            <a:r>
+              <a:rPr/>
+              <a:t>bar</a:t>
+            </a:r>
+            <a:r>
+              <a:rPr/>
+              <a:t> </a:t>
+            </a:r>
+            <a:r>
+              <a:rPr/>
+              <a:t>to</a:t>
+            </a:r>
+            <a:r>
+              <a:rPr/>
+              <a:t> </a:t>
+            </a:r>
+            <a:r>
+              <a:rPr/>
+              <a:t>another</a:t>
+            </a:r>
+            <a:r>
+              <a:rPr/>
+              <a:t> </a:t>
+            </a:r>
+            <a:r>
+              <a:rPr/>
+              <a:t>rather</a:t>
+            </a:r>
+            <a:r>
+              <a:rPr/>
+              <a:t> </a:t>
+            </a:r>
+            <a:r>
+              <a:rPr/>
+              <a:t>than</a:t>
+            </a:r>
+            <a:r>
+              <a:rPr/>
+              <a:t> </a:t>
+            </a:r>
+            <a:r>
+              <a:rPr/>
+              <a:t>the</a:t>
+            </a:r>
+            <a:r>
+              <a:rPr/>
+              <a:t> </a:t>
+            </a:r>
+            <a:r>
+              <a:rPr/>
+              <a:t>rapid</a:t>
+            </a:r>
+            <a:r>
+              <a:rPr/>
+              <a:t> </a:t>
+            </a:r>
+            <a:r>
+              <a:rPr/>
+              <a:t>identification</a:t>
+            </a:r>
+            <a:r>
+              <a:rPr/>
+              <a:t> </a:t>
+            </a:r>
+            <a:r>
+              <a:rPr/>
+              <a:t>of</a:t>
+            </a:r>
+            <a:r>
+              <a:rPr/>
+              <a:t> </a:t>
+            </a:r>
+            <a:r>
+              <a:rPr/>
+              <a:t>a</a:t>
+            </a:r>
+            <a:r>
+              <a:rPr/>
+              <a:t> </a:t>
+            </a:r>
+            <a:r>
+              <a:rPr/>
+              <a:t>single</a:t>
+            </a:r>
+            <a:r>
+              <a:rPr/>
+              <a:t> </a:t>
+            </a:r>
+            <a:r>
+              <a:rPr/>
+              <a:t>bar.</a:t>
+            </a:r>
+          </a:p>
+        </p:txBody>
+      </p:sp>
+      <p:sp>
+        <p:nvSpPr>
+          <p:cNvPr id="4" name="Slide Number Placeholder 3"/>
+          <p:cNvSpPr>
+            <a:spLocks noGrp="1"/>
+          </p:cNvSpPr>
+          <p:nvPr>
+            <p:ph type="sldNum" sz="quarter" idx="10"/>
+          </p:nvPr>
+        </p:nvSpPr>
+        <p:spPr/>
+        <p:txBody>
+          <a:bodyPr/>
+          <a:lstStyle/>
+          <a:p>
+            <a:fld id="{18BDFEC3-8487-43E8-A154-7C12CBC1FFF2}" type="slidenum">
+              <a:rPr lang="en-US"/>
+              <a:t>10</a:t>
             </a:fld>
             <a:endParaRPr lang="en-US"/>
           </a:p>
@@ -8286,37 +16245,77 @@
             </a:pPr>
             <a:r>
               <a:rPr/>
-              <a:t>Which</a:t>
-            </a:r>
-            <a:r>
-              <a:rPr/>
-              <a:t> </a:t>
-            </a:r>
-            <a:r>
-              <a:rPr/>
-              <a:t>percentage</a:t>
+              <a:t>Barchart</a:t>
+            </a:r>
+            <a:r>
+              <a:rPr/>
+              <a:t> </a:t>
+            </a:r>
+            <a:r>
+              <a:rPr/>
+              <a:t>recommendations,</a:t>
+            </a:r>
+            <a:r>
+              <a:rPr/>
+              <a:t> </a:t>
+            </a:r>
+            <a:r>
+              <a:rPr/>
+              <a:t>sort</a:t>
+            </a:r>
+            <a:r>
+              <a:rPr/>
+              <a:t> </a:t>
+            </a:r>
+            <a:r>
+              <a:rPr/>
+              <a:t>your</a:t>
+            </a:r>
+            <a:r>
+              <a:rPr/>
+              <a:t> </a:t>
+            </a:r>
+            <a:r>
+              <a:rPr/>
+              <a:t>bars</a:t>
+            </a:r>
+            <a:r>
+              <a:rPr/>
+              <a:t> </a:t>
+            </a:r>
+            <a:r>
+              <a:rPr/>
+              <a:t>by</a:t>
+            </a:r>
+            <a:r>
+              <a:rPr/>
+              <a:t> </a:t>
+            </a:r>
+            <a:r>
+              <a:rPr/>
+              <a:t>size</a:t>
             </a:r>
           </a:p>
         </p:txBody>
       </p:sp>
       <p:pic>
         <p:nvPicPr>
-          <p:cNvPr descr="../images/external/happiness-counts.gif" id="0" name="Picture 1"/>
+          <p:cNvPr descr="../images/r/sorted-barchart.png" id="0" name="Picture 1"/>
           <p:cNvPicPr>
             <a:picLocks noGrp="1" noChangeAspect="1"/>
           </p:cNvPicPr>
           <p:nvPr/>
         </p:nvPicPr>
         <p:blipFill>
-          <a:blip r:embed="rId2"/>
+          <a:blip r:embed="rId3"/>
           <a:stretch>
             <a:fillRect/>
           </a:stretch>
         </p:blipFill>
         <p:spPr bwMode="auto">
           <a:xfrm>
-            <a:off x="457200" y="1752600"/>
-            <a:ext cx="8229600" cy="4216400"/>
+            <a:off x="2565400" y="1600200"/>
+            <a:ext cx="4013200" cy="4013200"/>
           </a:xfrm>
           <a:prstGeom prst="rect">
             <a:avLst/>
@@ -8329,6 +16328,52 @@
           </a:ln>
         </p:spPr>
       </p:pic>
+      <p:sp>
+        <p:nvSpPr>
+          <p:cNvPr id="1" name="TextBox 3"/>
+          <p:cNvSpPr txBox="1"/>
+          <p:nvPr/>
+        </p:nvSpPr>
+        <p:spPr>
+          <a:xfrm>
+            <a:off x="457200" y="5613400"/>
+            <a:ext cx="8229600" cy="508000"/>
+          </a:xfrm>
+          <a:prstGeom prst="rect">
+            <a:avLst/>
+          </a:prstGeom>
+          <a:noFill/>
+        </p:spPr>
+        <p:txBody>
+          <a:bodyPr/>
+          <a:lstStyle/>
+          <a:p>
+            <a:pPr lvl="0" marL="0" indent="0" algn="ctr">
+              <a:buNone/>
+            </a:pPr>
+            <a:r>
+              <a:rPr/>
+              <a:t>Sorted</a:t>
+            </a:r>
+            <a:r>
+              <a:rPr/>
+              <a:t> </a:t>
+            </a:r>
+            <a:r>
+              <a:rPr/>
+              <a:t>Bar</a:t>
+            </a:r>
+            <a:r>
+              <a:rPr/>
+              <a:t> </a:t>
+            </a:r>
+            <a:r>
+              <a:rPr/>
+              <a:t>chart</a:t>
+            </a:r>
+          </a:p>
+        </p:txBody>
+      </p:sp>
     </p:spTree>
   </p:cSld>
 </p:sld>
@@ -8371,7 +16416,80 @@
             </a:pPr>
             <a:r>
               <a:rPr/>
-              <a:t>Data</a:t>
+              <a:t>Multiple</a:t>
+            </a:r>
+            <a:r>
+              <a:rPr/>
+              <a:t> </a:t>
+            </a:r>
+            <a:r>
+              <a:rPr/>
+              <a:t>categories</a:t>
+            </a:r>
+          </a:p>
+        </p:txBody>
+      </p:sp>
+      <p:sp>
+        <p:nvSpPr>
+          <p:cNvPr id="3" name="Content Placeholder 2"/>
+          <p:cNvSpPr>
+            <a:spLocks noGrp="1"/>
+          </p:cNvSpPr>
+          <p:nvPr>
+            <p:ph idx="1"/>
+          </p:nvPr>
+        </p:nvSpPr>
+        <p:spPr/>
+        <p:txBody>
+          <a:bodyPr/>
+          <a:lstStyle/>
+          <a:p>
+            <a:pPr lvl="1"/>
+            <a:r>
+              <a:rPr/>
+              <a:t>Which bars get to snuggle?</a:t>
+            </a:r>
+          </a:p>
+          <a:p>
+            <a:pPr lvl="2"/>
+            <a:r>
+              <a:rPr/>
+              <a:t>Minimize distance between important comparisons</a:t>
+            </a:r>
+          </a:p>
+          <a:p>
+            <a:pPr lvl="1"/>
+            <a:r>
+              <a:rPr/>
+              <a:t>When should you stack?</a:t>
+            </a:r>
+          </a:p>
+          <a:p>
+            <a:pPr lvl="1"/>
+            <a:r>
+              <a:rPr/>
+              <a:t>Counts versus percentages</a:t>
+            </a:r>
+          </a:p>
+          <a:p>
+            <a:pPr lvl="2"/>
+            <a:r>
+              <a:rPr/>
+              <a:t>HOw to de-ephasize small categories</a:t>
+            </a:r>
+          </a:p>
+          <a:p>
+            <a:pPr lvl="1"/>
+            <a:r>
+              <a:rPr/>
+              <a:t>What percentage to use?</a:t>
+            </a:r>
+          </a:p>
+          <a:p>
+            <a:pPr lvl="2"/>
+            <a:r>
+              <a:rPr/>
+              <a:t>Row, column, or cell percentages</a:t>
             </a:r>
           </a:p>
         </p:txBody>
@@ -8426,29 +16544,61 @@
             </a:r>
             <a:r>
               <a:rPr/>
-              <a:t>percentage</a:t>
+              <a:t>bars</a:t>
+            </a:r>
+            <a:r>
+              <a:rPr/>
+              <a:t> </a:t>
+            </a:r>
+            <a:r>
+              <a:rPr/>
+              <a:t>get</a:t>
+            </a:r>
+            <a:r>
+              <a:rPr/>
+              <a:t> </a:t>
+            </a:r>
+            <a:r>
+              <a:rPr/>
+              <a:t>to</a:t>
+            </a:r>
+            <a:r>
+              <a:rPr/>
+              <a:t> </a:t>
+            </a:r>
+            <a:r>
+              <a:rPr/>
+              <a:t>snuggle?</a:t>
+            </a:r>
+            <a:r>
+              <a:rPr/>
+              <a:t> </a:t>
+            </a:r>
+            <a:r>
+              <a:rPr/>
+              <a:t>(1/2)</a:t>
             </a:r>
           </a:p>
         </p:txBody>
       </p:sp>
       <p:pic>
         <p:nvPicPr>
-          <p:cNvPr descr="../images/external/happiness-row-percents.gif" id="0" name="Picture 1"/>
+          <p:cNvPr descr="../images/r/passenger-class-adjacent.png" id="0" name="Picture 1"/>
           <p:cNvPicPr>
             <a:picLocks noGrp="1" noChangeAspect="1"/>
           </p:cNvPicPr>
           <p:nvPr/>
         </p:nvPicPr>
         <p:blipFill>
-          <a:blip r:embed="rId2"/>
+          <a:blip r:embed="rId3"/>
           <a:stretch>
             <a:fillRect/>
           </a:stretch>
         </p:blipFill>
         <p:spPr bwMode="auto">
           <a:xfrm>
-            <a:off x="457200" y="1790700"/>
-            <a:ext cx="8229600" cy="4140200"/>
+            <a:off x="2565400" y="1600200"/>
+            <a:ext cx="4013200" cy="4013200"/>
           </a:xfrm>
           <a:prstGeom prst="rect">
             <a:avLst/>
@@ -8461,6 +16611,76 @@
           </a:ln>
         </p:spPr>
       </p:pic>
+      <p:sp>
+        <p:nvSpPr>
+          <p:cNvPr id="1" name="TextBox 3"/>
+          <p:cNvSpPr txBox="1"/>
+          <p:nvPr/>
+        </p:nvSpPr>
+        <p:spPr>
+          <a:xfrm>
+            <a:off x="457200" y="5613400"/>
+            <a:ext cx="8229600" cy="508000"/>
+          </a:xfrm>
+          <a:prstGeom prst="rect">
+            <a:avLst/>
+          </a:prstGeom>
+          <a:noFill/>
+        </p:spPr>
+        <p:txBody>
+          <a:bodyPr/>
+          <a:lstStyle/>
+          <a:p>
+            <a:pPr lvl="0" marL="0" indent="0" algn="ctr">
+              <a:buNone/>
+            </a:pPr>
+            <a:r>
+              <a:rPr/>
+              <a:t>Dodged</a:t>
+            </a:r>
+            <a:r>
+              <a:rPr/>
+              <a:t> </a:t>
+            </a:r>
+            <a:r>
+              <a:rPr/>
+              <a:t>barchart</a:t>
+            </a:r>
+            <a:r>
+              <a:rPr/>
+              <a:t> </a:t>
+            </a:r>
+            <a:r>
+              <a:rPr/>
+              <a:t>with</a:t>
+            </a:r>
+            <a:r>
+              <a:rPr/>
+              <a:t> </a:t>
+            </a:r>
+            <a:r>
+              <a:rPr/>
+              <a:t>passenger</a:t>
+            </a:r>
+            <a:r>
+              <a:rPr/>
+              <a:t> </a:t>
+            </a:r>
+            <a:r>
+              <a:rPr/>
+              <a:t>classes</a:t>
+            </a:r>
+            <a:r>
+              <a:rPr/>
+              <a:t> </a:t>
+            </a:r>
+            <a:r>
+              <a:rPr/>
+              <a:t>adjacent</a:t>
+            </a:r>
+          </a:p>
+        </p:txBody>
+      </p:sp>
     </p:spTree>
   </p:cSld>
 </p:sld>
@@ -8511,29 +16731,61 @@
             </a:r>
             <a:r>
               <a:rPr/>
-              <a:t>percentage</a:t>
+              <a:t>bars</a:t>
+            </a:r>
+            <a:r>
+              <a:rPr/>
+              <a:t> </a:t>
+            </a:r>
+            <a:r>
+              <a:rPr/>
+              <a:t>get</a:t>
+            </a:r>
+            <a:r>
+              <a:rPr/>
+              <a:t> </a:t>
+            </a:r>
+            <a:r>
+              <a:rPr/>
+              <a:t>to</a:t>
+            </a:r>
+            <a:r>
+              <a:rPr/>
+              <a:t> </a:t>
+            </a:r>
+            <a:r>
+              <a:rPr/>
+              <a:t>snuggle?</a:t>
+            </a:r>
+            <a:r>
+              <a:rPr/>
+              <a:t> </a:t>
+            </a:r>
+            <a:r>
+              <a:rPr/>
+              <a:t>(2/2)</a:t>
             </a:r>
           </a:p>
         </p:txBody>
       </p:sp>
       <p:pic>
         <p:nvPicPr>
-          <p:cNvPr descr="../images/external/happiness-column-percents.gif" id="0" name="Picture 1"/>
+          <p:cNvPr descr="../images/r/sex-adjacent.png" id="0" name="Picture 1"/>
           <p:cNvPicPr>
             <a:picLocks noGrp="1" noChangeAspect="1"/>
           </p:cNvPicPr>
           <p:nvPr/>
         </p:nvPicPr>
         <p:blipFill>
-          <a:blip r:embed="rId2"/>
+          <a:blip r:embed="rId3"/>
           <a:stretch>
             <a:fillRect/>
           </a:stretch>
         </p:blipFill>
         <p:spPr bwMode="auto">
           <a:xfrm>
-            <a:off x="457200" y="1765300"/>
-            <a:ext cx="8229600" cy="4178300"/>
+            <a:off x="2565400" y="1600200"/>
+            <a:ext cx="4013200" cy="4013200"/>
           </a:xfrm>
           <a:prstGeom prst="rect">
             <a:avLst/>
@@ -8546,6 +16798,68 @@
           </a:ln>
         </p:spPr>
       </p:pic>
+      <p:sp>
+        <p:nvSpPr>
+          <p:cNvPr id="1" name="TextBox 3"/>
+          <p:cNvSpPr txBox="1"/>
+          <p:nvPr/>
+        </p:nvSpPr>
+        <p:spPr>
+          <a:xfrm>
+            <a:off x="457200" y="5613400"/>
+            <a:ext cx="8229600" cy="508000"/>
+          </a:xfrm>
+          <a:prstGeom prst="rect">
+            <a:avLst/>
+          </a:prstGeom>
+          <a:noFill/>
+        </p:spPr>
+        <p:txBody>
+          <a:bodyPr/>
+          <a:lstStyle/>
+          <a:p>
+            <a:pPr lvl="0" marL="0" indent="0" algn="ctr">
+              <a:buNone/>
+            </a:pPr>
+            <a:r>
+              <a:rPr/>
+              <a:t>Dodged</a:t>
+            </a:r>
+            <a:r>
+              <a:rPr/>
+              <a:t> </a:t>
+            </a:r>
+            <a:r>
+              <a:rPr/>
+              <a:t>barchart</a:t>
+            </a:r>
+            <a:r>
+              <a:rPr/>
+              <a:t> </a:t>
+            </a:r>
+            <a:r>
+              <a:rPr/>
+              <a:t>with</a:t>
+            </a:r>
+            <a:r>
+              <a:rPr/>
+              <a:t> </a:t>
+            </a:r>
+            <a:r>
+              <a:rPr/>
+              <a:t>sex</a:t>
+            </a:r>
+            <a:r>
+              <a:rPr/>
+              <a:t> </a:t>
+            </a:r>
+            <a:r>
+              <a:rPr/>
+              <a:t>adjacent</a:t>
+            </a:r>
+          </a:p>
+        </p:txBody>
+      </p:sp>
     </p:spTree>
   </p:cSld>
 </p:sld>
@@ -8588,22 +16902,412 @@
             </a:pPr>
             <a:r>
               <a:rPr/>
-              <a:t>Which</a:t>
-            </a:r>
-            <a:r>
-              <a:rPr/>
-              <a:t> </a:t>
-            </a:r>
-            <a:r>
-              <a:rPr/>
-              <a:t>percentage</a:t>
+              <a:t>When</a:t>
+            </a:r>
+            <a:r>
+              <a:rPr/>
+              <a:t> </a:t>
+            </a:r>
+            <a:r>
+              <a:rPr/>
+              <a:t>should</a:t>
+            </a:r>
+            <a:r>
+              <a:rPr/>
+              <a:t> </a:t>
+            </a:r>
+            <a:r>
+              <a:rPr/>
+              <a:t>you</a:t>
+            </a:r>
+            <a:r>
+              <a:rPr/>
+              <a:t> </a:t>
+            </a:r>
+            <a:r>
+              <a:rPr/>
+              <a:t>stack?</a:t>
+            </a:r>
+            <a:r>
+              <a:rPr/>
+              <a:t> </a:t>
+            </a:r>
+            <a:r>
+              <a:rPr/>
+              <a:t>(1/3)</a:t>
             </a:r>
           </a:p>
         </p:txBody>
       </p:sp>
       <p:pic>
         <p:nvPicPr>
-          <p:cNvPr descr="../images/external/happiness-cell-percents.gif" id="0" name="Picture 1"/>
+          <p:cNvPr descr="../images/r/passenger-class-stacked.png" id="0" name="Picture 1"/>
+          <p:cNvPicPr>
+            <a:picLocks noGrp="1" noChangeAspect="1"/>
+          </p:cNvPicPr>
+          <p:nvPr/>
+        </p:nvPicPr>
+        <p:blipFill>
+          <a:blip r:embed="rId3"/>
+          <a:stretch>
+            <a:fillRect/>
+          </a:stretch>
+        </p:blipFill>
+        <p:spPr bwMode="auto">
+          <a:xfrm>
+            <a:off x="2565400" y="1600200"/>
+            <a:ext cx="4013200" cy="4013200"/>
+          </a:xfrm>
+          <a:prstGeom prst="rect">
+            <a:avLst/>
+          </a:prstGeom>
+          <a:noFill/>
+          <a:ln w="9525">
+            <a:noFill/>
+            <a:headEnd/>
+            <a:tailEnd/>
+          </a:ln>
+        </p:spPr>
+      </p:pic>
+      <p:sp>
+        <p:nvSpPr>
+          <p:cNvPr id="1" name="TextBox 3"/>
+          <p:cNvSpPr txBox="1"/>
+          <p:nvPr/>
+        </p:nvSpPr>
+        <p:spPr>
+          <a:xfrm>
+            <a:off x="457200" y="5613400"/>
+            <a:ext cx="8229600" cy="508000"/>
+          </a:xfrm>
+          <a:prstGeom prst="rect">
+            <a:avLst/>
+          </a:prstGeom>
+          <a:noFill/>
+        </p:spPr>
+        <p:txBody>
+          <a:bodyPr/>
+          <a:lstStyle/>
+          <a:p>
+            <a:pPr lvl="0" marL="0" indent="0" algn="ctr">
+              <a:buNone/>
+            </a:pPr>
+            <a:r>
+              <a:rPr/>
+              <a:t>Barchart</a:t>
+            </a:r>
+            <a:r>
+              <a:rPr/>
+              <a:t> </a:t>
+            </a:r>
+            <a:r>
+              <a:rPr/>
+              <a:t>with</a:t>
+            </a:r>
+            <a:r>
+              <a:rPr/>
+              <a:t> </a:t>
+            </a:r>
+            <a:r>
+              <a:rPr/>
+              <a:t>passenger</a:t>
+            </a:r>
+            <a:r>
+              <a:rPr/>
+              <a:t> </a:t>
+            </a:r>
+            <a:r>
+              <a:rPr/>
+              <a:t>class</a:t>
+            </a:r>
+            <a:r>
+              <a:rPr/>
+              <a:t> </a:t>
+            </a:r>
+            <a:r>
+              <a:rPr/>
+              <a:t>stacked</a:t>
+            </a:r>
+          </a:p>
+        </p:txBody>
+      </p:sp>
+    </p:spTree>
+  </p:cSld>
+</p:sld>
+</file>
+
+<file path=ppt/slides/slide15.xml><?xml version="1.0" encoding="utf-8"?>
+<p:sld xmlns:a="http://schemas.openxmlformats.org/drawingml/2006/main" xmlns:r="http://schemas.openxmlformats.org/officeDocument/2006/relationships" xmlns:p="http://schemas.openxmlformats.org/presentationml/2006/main">
+  <p:cSld>
+    <p:spTree>
+      <p:nvGrpSpPr>
+        <p:cNvPr id="1" name=""/>
+        <p:cNvGrpSpPr/>
+        <p:nvPr/>
+      </p:nvGrpSpPr>
+      <p:grpSpPr>
+        <a:xfrm>
+          <a:off x="0" y="0"/>
+          <a:ext cx="0" cy="0"/>
+          <a:chOff x="0" y="0"/>
+          <a:chExt cx="0" cy="0"/>
+        </a:xfrm>
+      </p:grpSpPr>
+      <p:sp>
+        <p:nvSpPr>
+          <p:cNvPr id="2" name="Title 1"/>
+          <p:cNvSpPr>
+            <a:spLocks noGrp="1"/>
+          </p:cNvSpPr>
+          <p:nvPr>
+            <p:ph type="title"/>
+          </p:nvPr>
+        </p:nvSpPr>
+        <p:spPr/>
+        <p:txBody>
+          <a:bodyPr/>
+          <a:lstStyle/>
+          <a:p>
+            <a:pPr lvl="0" marL="0" indent="0">
+              <a:buNone/>
+            </a:pPr>
+            <a:r>
+              <a:rPr/>
+              <a:t>When</a:t>
+            </a:r>
+            <a:r>
+              <a:rPr/>
+              <a:t> </a:t>
+            </a:r>
+            <a:r>
+              <a:rPr/>
+              <a:t>should</a:t>
+            </a:r>
+            <a:r>
+              <a:rPr/>
+              <a:t> </a:t>
+            </a:r>
+            <a:r>
+              <a:rPr/>
+              <a:t>you</a:t>
+            </a:r>
+            <a:r>
+              <a:rPr/>
+              <a:t> </a:t>
+            </a:r>
+            <a:r>
+              <a:rPr/>
+              <a:t>stack?</a:t>
+            </a:r>
+            <a:r>
+              <a:rPr/>
+              <a:t> </a:t>
+            </a:r>
+            <a:r>
+              <a:rPr/>
+              <a:t>(2/3)</a:t>
+            </a:r>
+          </a:p>
+        </p:txBody>
+      </p:sp>
+      <p:pic>
+        <p:nvPicPr>
+          <p:cNvPr descr="../images/r/passenger-class-reverse-stacked.png" id="0" name="Picture 1"/>
+          <p:cNvPicPr>
+            <a:picLocks noGrp="1" noChangeAspect="1"/>
+          </p:cNvPicPr>
+          <p:nvPr/>
+        </p:nvPicPr>
+        <p:blipFill>
+          <a:blip r:embed="rId3"/>
+          <a:stretch>
+            <a:fillRect/>
+          </a:stretch>
+        </p:blipFill>
+        <p:spPr bwMode="auto">
+          <a:xfrm>
+            <a:off x="2565400" y="1600200"/>
+            <a:ext cx="4013200" cy="4013200"/>
+          </a:xfrm>
+          <a:prstGeom prst="rect">
+            <a:avLst/>
+          </a:prstGeom>
+          <a:noFill/>
+          <a:ln w="9525">
+            <a:noFill/>
+            <a:headEnd/>
+            <a:tailEnd/>
+          </a:ln>
+        </p:spPr>
+      </p:pic>
+      <p:sp>
+        <p:nvSpPr>
+          <p:cNvPr id="1" name="TextBox 3"/>
+          <p:cNvSpPr txBox="1"/>
+          <p:nvPr/>
+        </p:nvSpPr>
+        <p:spPr>
+          <a:xfrm>
+            <a:off x="457200" y="5613400"/>
+            <a:ext cx="8229600" cy="508000"/>
+          </a:xfrm>
+          <a:prstGeom prst="rect">
+            <a:avLst/>
+          </a:prstGeom>
+          <a:noFill/>
+        </p:spPr>
+        <p:txBody>
+          <a:bodyPr/>
+          <a:lstStyle/>
+          <a:p>
+            <a:pPr lvl="0" marL="0" indent="0" algn="ctr">
+              <a:buNone/>
+            </a:pPr>
+            <a:r>
+              <a:rPr/>
+              <a:t>Barchart</a:t>
+            </a:r>
+            <a:r>
+              <a:rPr/>
+              <a:t> </a:t>
+            </a:r>
+            <a:r>
+              <a:rPr/>
+              <a:t>with</a:t>
+            </a:r>
+            <a:r>
+              <a:rPr/>
+              <a:t> </a:t>
+            </a:r>
+            <a:r>
+              <a:rPr/>
+              <a:t>passenger</a:t>
+            </a:r>
+            <a:r>
+              <a:rPr/>
+              <a:t> </a:t>
+            </a:r>
+            <a:r>
+              <a:rPr/>
+              <a:t>class</a:t>
+            </a:r>
+            <a:r>
+              <a:rPr/>
+              <a:t> </a:t>
+            </a:r>
+            <a:r>
+              <a:rPr/>
+              <a:t>stacked</a:t>
+            </a:r>
+            <a:r>
+              <a:rPr/>
+              <a:t> </a:t>
+            </a:r>
+            <a:r>
+              <a:rPr/>
+              <a:t>in</a:t>
+            </a:r>
+            <a:r>
+              <a:rPr/>
+              <a:t> </a:t>
+            </a:r>
+            <a:r>
+              <a:rPr/>
+              <a:t>reverse</a:t>
+            </a:r>
+            <a:r>
+              <a:rPr/>
+              <a:t> </a:t>
+            </a:r>
+            <a:r>
+              <a:rPr/>
+              <a:t>order</a:t>
+            </a:r>
+          </a:p>
+        </p:txBody>
+      </p:sp>
+    </p:spTree>
+  </p:cSld>
+</p:sld>
+</file>
+
+<file path=ppt/slides/slide16.xml><?xml version="1.0" encoding="utf-8"?>
+<p:sld xmlns:a="http://schemas.openxmlformats.org/drawingml/2006/main" xmlns:r="http://schemas.openxmlformats.org/officeDocument/2006/relationships" xmlns:p="http://schemas.openxmlformats.org/presentationml/2006/main">
+  <p:cSld>
+    <p:spTree>
+      <p:nvGrpSpPr>
+        <p:cNvPr id="1" name=""/>
+        <p:cNvGrpSpPr/>
+        <p:nvPr/>
+      </p:nvGrpSpPr>
+      <p:grpSpPr>
+        <a:xfrm>
+          <a:off x="0" y="0"/>
+          <a:ext cx="0" cy="0"/>
+          <a:chOff x="0" y="0"/>
+          <a:chExt cx="0" cy="0"/>
+        </a:xfrm>
+      </p:grpSpPr>
+      <p:sp>
+        <p:nvSpPr>
+          <p:cNvPr id="2" name="Title 1"/>
+          <p:cNvSpPr>
+            <a:spLocks noGrp="1"/>
+          </p:cNvSpPr>
+          <p:nvPr>
+            <p:ph type="title"/>
+          </p:nvPr>
+        </p:nvSpPr>
+        <p:spPr/>
+        <p:txBody>
+          <a:bodyPr/>
+          <a:lstStyle/>
+          <a:p>
+            <a:pPr lvl="0" marL="0" indent="0">
+              <a:buNone/>
+            </a:pPr>
+            <a:r>
+              <a:rPr/>
+              <a:t>When</a:t>
+            </a:r>
+            <a:r>
+              <a:rPr/>
+              <a:t> </a:t>
+            </a:r>
+            <a:r>
+              <a:rPr/>
+              <a:t>should</a:t>
+            </a:r>
+            <a:r>
+              <a:rPr/>
+              <a:t> </a:t>
+            </a:r>
+            <a:r>
+              <a:rPr/>
+              <a:t>you</a:t>
+            </a:r>
+            <a:r>
+              <a:rPr/>
+              <a:t> </a:t>
+            </a:r>
+            <a:r>
+              <a:rPr/>
+              <a:t>stack?</a:t>
+            </a:r>
+            <a:r>
+              <a:rPr/>
+              <a:t> </a:t>
+            </a:r>
+            <a:r>
+              <a:rPr/>
+              <a:t>(3/3)</a:t>
+            </a:r>
+          </a:p>
+        </p:txBody>
+      </p:sp>
+      <p:pic>
+        <p:nvPicPr>
+          <p:cNvPr descr="../images/r/sex-stacked.png" id="0" name="Picture 1"/>
           <p:cNvPicPr>
             <a:picLocks noGrp="1" noChangeAspect="1"/>
           </p:cNvPicPr>
@@ -8617,8 +17321,279 @@
         </p:blipFill>
         <p:spPr bwMode="auto">
           <a:xfrm>
-            <a:off x="457200" y="1778000"/>
-            <a:ext cx="8229600" cy="4152900"/>
+            <a:off x="2565400" y="1600200"/>
+            <a:ext cx="4013200" cy="4013200"/>
+          </a:xfrm>
+          <a:prstGeom prst="rect">
+            <a:avLst/>
+          </a:prstGeom>
+          <a:noFill/>
+          <a:ln w="9525">
+            <a:noFill/>
+            <a:headEnd/>
+            <a:tailEnd/>
+          </a:ln>
+        </p:spPr>
+      </p:pic>
+      <p:sp>
+        <p:nvSpPr>
+          <p:cNvPr id="1" name="TextBox 3"/>
+          <p:cNvSpPr txBox="1"/>
+          <p:nvPr/>
+        </p:nvSpPr>
+        <p:spPr>
+          <a:xfrm>
+            <a:off x="457200" y="5613400"/>
+            <a:ext cx="8229600" cy="508000"/>
+          </a:xfrm>
+          <a:prstGeom prst="rect">
+            <a:avLst/>
+          </a:prstGeom>
+          <a:noFill/>
+        </p:spPr>
+        <p:txBody>
+          <a:bodyPr/>
+          <a:lstStyle/>
+          <a:p>
+            <a:pPr lvl="0" marL="0" indent="0" algn="ctr">
+              <a:buNone/>
+            </a:pPr>
+            <a:r>
+              <a:rPr/>
+              <a:t>Barchart</a:t>
+            </a:r>
+            <a:r>
+              <a:rPr/>
+              <a:t> </a:t>
+            </a:r>
+            <a:r>
+              <a:rPr/>
+              <a:t>with</a:t>
+            </a:r>
+            <a:r>
+              <a:rPr/>
+              <a:t> </a:t>
+            </a:r>
+            <a:r>
+              <a:rPr/>
+              <a:t>sex</a:t>
+            </a:r>
+            <a:r>
+              <a:rPr/>
+              <a:t> </a:t>
+            </a:r>
+            <a:r>
+              <a:rPr/>
+              <a:t>stacked</a:t>
+            </a:r>
+          </a:p>
+        </p:txBody>
+      </p:sp>
+    </p:spTree>
+  </p:cSld>
+</p:sld>
+</file>
+
+<file path=ppt/slides/slide17.xml><?xml version="1.0" encoding="utf-8"?>
+<p:sld xmlns:a="http://schemas.openxmlformats.org/drawingml/2006/main" xmlns:r="http://schemas.openxmlformats.org/officeDocument/2006/relationships" xmlns:p="http://schemas.openxmlformats.org/presentationml/2006/main">
+  <p:cSld>
+    <p:spTree>
+      <p:nvGrpSpPr>
+        <p:cNvPr id="1" name=""/>
+        <p:cNvGrpSpPr/>
+        <p:nvPr/>
+      </p:nvGrpSpPr>
+      <p:grpSpPr>
+        <a:xfrm>
+          <a:off x="0" y="0"/>
+          <a:ext cx="0" cy="0"/>
+          <a:chOff x="0" y="0"/>
+          <a:chExt cx="0" cy="0"/>
+        </a:xfrm>
+      </p:grpSpPr>
+      <p:sp>
+        <p:nvSpPr>
+          <p:cNvPr id="2" name="Title 1"/>
+          <p:cNvSpPr>
+            <a:spLocks noGrp="1"/>
+          </p:cNvSpPr>
+          <p:nvPr>
+            <p:ph type="title"/>
+          </p:nvPr>
+        </p:nvSpPr>
+        <p:spPr/>
+        <p:txBody>
+          <a:bodyPr/>
+          <a:lstStyle/>
+          <a:p>
+            <a:pPr lvl="0" marL="0" indent="0">
+              <a:buNone/>
+            </a:pPr>
+            <a:r>
+              <a:rPr/>
+              <a:t>Which</a:t>
+            </a:r>
+            <a:r>
+              <a:rPr/>
+              <a:t> </a:t>
+            </a:r>
+            <a:r>
+              <a:rPr/>
+              <a:t>percentage</a:t>
+            </a:r>
+          </a:p>
+        </p:txBody>
+      </p:sp>
+      <p:pic>
+        <p:nvPicPr>
+          <p:cNvPr descr="../images/external/happiness-counts.gif" id="0" name="Picture 1"/>
+          <p:cNvPicPr>
+            <a:picLocks noGrp="1" noChangeAspect="1"/>
+          </p:cNvPicPr>
+          <p:nvPr/>
+        </p:nvPicPr>
+        <p:blipFill>
+          <a:blip r:embed="rId2"/>
+          <a:stretch>
+            <a:fillRect/>
+          </a:stretch>
+        </p:blipFill>
+        <p:spPr bwMode="auto">
+          <a:xfrm>
+            <a:off x="457200" y="1752600"/>
+            <a:ext cx="8229600" cy="4216400"/>
+          </a:xfrm>
+          <a:prstGeom prst="rect">
+            <a:avLst/>
+          </a:prstGeom>
+          <a:noFill/>
+          <a:ln w="9525">
+            <a:noFill/>
+            <a:headEnd/>
+            <a:tailEnd/>
+          </a:ln>
+        </p:spPr>
+      </p:pic>
+    </p:spTree>
+  </p:cSld>
+</p:sld>
+</file>
+
+<file path=ppt/slides/slide18.xml><?xml version="1.0" encoding="utf-8"?>
+<p:sld xmlns:a="http://schemas.openxmlformats.org/drawingml/2006/main" xmlns:r="http://schemas.openxmlformats.org/officeDocument/2006/relationships" xmlns:p="http://schemas.openxmlformats.org/presentationml/2006/main">
+  <p:cSld>
+    <p:spTree>
+      <p:nvGrpSpPr>
+        <p:cNvPr id="1" name=""/>
+        <p:cNvGrpSpPr/>
+        <p:nvPr/>
+      </p:nvGrpSpPr>
+      <p:grpSpPr>
+        <a:xfrm>
+          <a:off x="0" y="0"/>
+          <a:ext cx="0" cy="0"/>
+          <a:chOff x="0" y="0"/>
+          <a:chExt cx="0" cy="0"/>
+        </a:xfrm>
+      </p:grpSpPr>
+      <p:sp>
+        <p:nvSpPr>
+          <p:cNvPr id="2" name="Title 1"/>
+          <p:cNvSpPr>
+            <a:spLocks noGrp="1"/>
+          </p:cNvSpPr>
+          <p:nvPr>
+            <p:ph type="title"/>
+          </p:nvPr>
+        </p:nvSpPr>
+        <p:spPr/>
+        <p:txBody>
+          <a:bodyPr/>
+          <a:lstStyle/>
+          <a:p>
+            <a:pPr lvl="0" marL="0" indent="0">
+              <a:buNone/>
+            </a:pPr>
+            <a:r>
+              <a:rPr/>
+              <a:t>Data</a:t>
+            </a:r>
+          </a:p>
+        </p:txBody>
+      </p:sp>
+    </p:spTree>
+  </p:cSld>
+</p:sld>
+</file>
+
+<file path=ppt/slides/slide19.xml><?xml version="1.0" encoding="utf-8"?>
+<p:sld xmlns:a="http://schemas.openxmlformats.org/drawingml/2006/main" xmlns:r="http://schemas.openxmlformats.org/officeDocument/2006/relationships" xmlns:p="http://schemas.openxmlformats.org/presentationml/2006/main">
+  <p:cSld>
+    <p:spTree>
+      <p:nvGrpSpPr>
+        <p:cNvPr id="1" name=""/>
+        <p:cNvGrpSpPr/>
+        <p:nvPr/>
+      </p:nvGrpSpPr>
+      <p:grpSpPr>
+        <a:xfrm>
+          <a:off x="0" y="0"/>
+          <a:ext cx="0" cy="0"/>
+          <a:chOff x="0" y="0"/>
+          <a:chExt cx="0" cy="0"/>
+        </a:xfrm>
+      </p:grpSpPr>
+      <p:sp>
+        <p:nvSpPr>
+          <p:cNvPr id="2" name="Title 1"/>
+          <p:cNvSpPr>
+            <a:spLocks noGrp="1"/>
+          </p:cNvSpPr>
+          <p:nvPr>
+            <p:ph type="title"/>
+          </p:nvPr>
+        </p:nvSpPr>
+        <p:spPr/>
+        <p:txBody>
+          <a:bodyPr/>
+          <a:lstStyle/>
+          <a:p>
+            <a:pPr lvl="0" marL="0" indent="0">
+              <a:buNone/>
+            </a:pPr>
+            <a:r>
+              <a:rPr/>
+              <a:t>Which</a:t>
+            </a:r>
+            <a:r>
+              <a:rPr/>
+              <a:t> </a:t>
+            </a:r>
+            <a:r>
+              <a:rPr/>
+              <a:t>percentage</a:t>
+            </a:r>
+          </a:p>
+        </p:txBody>
+      </p:sp>
+      <p:pic>
+        <p:nvPicPr>
+          <p:cNvPr descr="../images/external/happiness-row-percents.gif" id="0" name="Picture 1"/>
+          <p:cNvPicPr>
+            <a:picLocks noGrp="1" noChangeAspect="1"/>
+          </p:cNvPicPr>
+          <p:nvPr/>
+        </p:nvPicPr>
+        <p:blipFill>
+          <a:blip r:embed="rId2"/>
+          <a:stretch>
+            <a:fillRect/>
+          </a:stretch>
+        </p:blipFill>
+        <p:spPr bwMode="auto">
+          <a:xfrm>
+            <a:off x="457200" y="1790700"/>
+            <a:ext cx="8229600" cy="4140200"/>
           </a:xfrm>
           <a:prstGeom prst="rect">
             <a:avLst/>
@@ -8866,6 +17841,176 @@
           </a:p>
         </p:txBody>
       </p:sp>
+    </p:spTree>
+  </p:cSld>
+</p:sld>
+</file>
+
+<file path=ppt/slides/slide20.xml><?xml version="1.0" encoding="utf-8"?>
+<p:sld xmlns:a="http://schemas.openxmlformats.org/drawingml/2006/main" xmlns:r="http://schemas.openxmlformats.org/officeDocument/2006/relationships" xmlns:p="http://schemas.openxmlformats.org/presentationml/2006/main">
+  <p:cSld>
+    <p:spTree>
+      <p:nvGrpSpPr>
+        <p:cNvPr id="1" name=""/>
+        <p:cNvGrpSpPr/>
+        <p:nvPr/>
+      </p:nvGrpSpPr>
+      <p:grpSpPr>
+        <a:xfrm>
+          <a:off x="0" y="0"/>
+          <a:ext cx="0" cy="0"/>
+          <a:chOff x="0" y="0"/>
+          <a:chExt cx="0" cy="0"/>
+        </a:xfrm>
+      </p:grpSpPr>
+      <p:sp>
+        <p:nvSpPr>
+          <p:cNvPr id="2" name="Title 1"/>
+          <p:cNvSpPr>
+            <a:spLocks noGrp="1"/>
+          </p:cNvSpPr>
+          <p:nvPr>
+            <p:ph type="title"/>
+          </p:nvPr>
+        </p:nvSpPr>
+        <p:spPr/>
+        <p:txBody>
+          <a:bodyPr/>
+          <a:lstStyle/>
+          <a:p>
+            <a:pPr lvl="0" marL="0" indent="0">
+              <a:buNone/>
+            </a:pPr>
+            <a:r>
+              <a:rPr/>
+              <a:t>Which</a:t>
+            </a:r>
+            <a:r>
+              <a:rPr/>
+              <a:t> </a:t>
+            </a:r>
+            <a:r>
+              <a:rPr/>
+              <a:t>percentage</a:t>
+            </a:r>
+          </a:p>
+        </p:txBody>
+      </p:sp>
+      <p:pic>
+        <p:nvPicPr>
+          <p:cNvPr descr="../images/external/happiness-column-percents.gif" id="0" name="Picture 1"/>
+          <p:cNvPicPr>
+            <a:picLocks noGrp="1" noChangeAspect="1"/>
+          </p:cNvPicPr>
+          <p:nvPr/>
+        </p:nvPicPr>
+        <p:blipFill>
+          <a:blip r:embed="rId2"/>
+          <a:stretch>
+            <a:fillRect/>
+          </a:stretch>
+        </p:blipFill>
+        <p:spPr bwMode="auto">
+          <a:xfrm>
+            <a:off x="457200" y="1765300"/>
+            <a:ext cx="8229600" cy="4178300"/>
+          </a:xfrm>
+          <a:prstGeom prst="rect">
+            <a:avLst/>
+          </a:prstGeom>
+          <a:noFill/>
+          <a:ln w="9525">
+            <a:noFill/>
+            <a:headEnd/>
+            <a:tailEnd/>
+          </a:ln>
+        </p:spPr>
+      </p:pic>
+    </p:spTree>
+  </p:cSld>
+</p:sld>
+</file>
+
+<file path=ppt/slides/slide21.xml><?xml version="1.0" encoding="utf-8"?>
+<p:sld xmlns:a="http://schemas.openxmlformats.org/drawingml/2006/main" xmlns:r="http://schemas.openxmlformats.org/officeDocument/2006/relationships" xmlns:p="http://schemas.openxmlformats.org/presentationml/2006/main">
+  <p:cSld>
+    <p:spTree>
+      <p:nvGrpSpPr>
+        <p:cNvPr id="1" name=""/>
+        <p:cNvGrpSpPr/>
+        <p:nvPr/>
+      </p:nvGrpSpPr>
+      <p:grpSpPr>
+        <a:xfrm>
+          <a:off x="0" y="0"/>
+          <a:ext cx="0" cy="0"/>
+          <a:chOff x="0" y="0"/>
+          <a:chExt cx="0" cy="0"/>
+        </a:xfrm>
+      </p:grpSpPr>
+      <p:sp>
+        <p:nvSpPr>
+          <p:cNvPr id="2" name="Title 1"/>
+          <p:cNvSpPr>
+            <a:spLocks noGrp="1"/>
+          </p:cNvSpPr>
+          <p:nvPr>
+            <p:ph type="title"/>
+          </p:nvPr>
+        </p:nvSpPr>
+        <p:spPr/>
+        <p:txBody>
+          <a:bodyPr/>
+          <a:lstStyle/>
+          <a:p>
+            <a:pPr lvl="0" marL="0" indent="0">
+              <a:buNone/>
+            </a:pPr>
+            <a:r>
+              <a:rPr/>
+              <a:t>Which</a:t>
+            </a:r>
+            <a:r>
+              <a:rPr/>
+              <a:t> </a:t>
+            </a:r>
+            <a:r>
+              <a:rPr/>
+              <a:t>percentage</a:t>
+            </a:r>
+          </a:p>
+        </p:txBody>
+      </p:sp>
+      <p:pic>
+        <p:nvPicPr>
+          <p:cNvPr descr="../images/external/happiness-cell-percents.gif" id="0" name="Picture 1"/>
+          <p:cNvPicPr>
+            <a:picLocks noGrp="1" noChangeAspect="1"/>
+          </p:cNvPicPr>
+          <p:nvPr/>
+        </p:nvPicPr>
+        <p:blipFill>
+          <a:blip r:embed="rId2"/>
+          <a:stretch>
+            <a:fillRect/>
+          </a:stretch>
+        </p:blipFill>
+        <p:spPr bwMode="auto">
+          <a:xfrm>
+            <a:off x="457200" y="1778000"/>
+            <a:ext cx="8229600" cy="4152900"/>
+          </a:xfrm>
+          <a:prstGeom prst="rect">
+            <a:avLst/>
+          </a:prstGeom>
+          <a:noFill/>
+          <a:ln w="9525">
+            <a:noFill/>
+            <a:headEnd/>
+            <a:tailEnd/>
+          </a:ln>
+        </p:spPr>
+      </p:pic>
     </p:spTree>
   </p:cSld>
 </p:sld>
@@ -9765,115 +18910,68 @@
             </a:r>
             <a:r>
               <a:rPr/>
-              <a:t>sort</a:t>
-            </a:r>
-            <a:r>
-              <a:rPr/>
-              <a:t> </a:t>
-            </a:r>
-            <a:r>
-              <a:rPr/>
-              <a:t>your</a:t>
-            </a:r>
-            <a:r>
-              <a:rPr/>
-              <a:t> </a:t>
-            </a:r>
-            <a:r>
-              <a:rPr/>
-              <a:t>bars</a:t>
-            </a:r>
-            <a:r>
-              <a:rPr/>
-              <a:t> </a:t>
-            </a:r>
-            <a:r>
-              <a:rPr/>
-              <a:t>by</a:t>
-            </a:r>
-            <a:r>
-              <a:rPr/>
-              <a:t> </a:t>
-            </a:r>
-            <a:r>
-              <a:rPr/>
-              <a:t>size</a:t>
+              <a:t>Solutions</a:t>
+            </a:r>
+            <a:r>
+              <a:rPr/>
+              <a:t> </a:t>
+            </a:r>
+            <a:r>
+              <a:rPr/>
+              <a:t>to</a:t>
+            </a:r>
+            <a:r>
+              <a:rPr/>
+              <a:t> </a:t>
+            </a:r>
+            <a:r>
+              <a:rPr/>
+              <a:t>rounding</a:t>
+            </a:r>
+            <a:r>
+              <a:rPr/>
+              <a:t> </a:t>
+            </a:r>
+            <a:r>
+              <a:rPr/>
+              <a:t>artefacts</a:t>
             </a:r>
           </a:p>
         </p:txBody>
       </p:sp>
-      <p:pic>
-        <p:nvPicPr>
-          <p:cNvPr descr="../images/r/sorted-barchart.png" id="0" name="Picture 1"/>
-          <p:cNvPicPr>
-            <a:picLocks noGrp="1" noChangeAspect="1"/>
-          </p:cNvPicPr>
-          <p:nvPr/>
-        </p:nvPicPr>
-        <p:blipFill>
-          <a:blip r:embed="rId3"/>
-          <a:stretch>
-            <a:fillRect/>
-          </a:stretch>
-        </p:blipFill>
-        <p:spPr bwMode="auto">
-          <a:xfrm>
-            <a:off x="2565400" y="1600200"/>
-            <a:ext cx="4013200" cy="4013200"/>
-          </a:xfrm>
-          <a:prstGeom prst="rect">
-            <a:avLst/>
-          </a:prstGeom>
-          <a:noFill/>
-          <a:ln w="9525">
-            <a:noFill/>
-            <a:headEnd/>
-            <a:tailEnd/>
-          </a:ln>
-        </p:spPr>
-      </p:pic>
       <p:sp>
         <p:nvSpPr>
-          <p:cNvPr id="1" name="TextBox 3"/>
-          <p:cNvSpPr txBox="1"/>
-          <p:nvPr/>
+          <p:cNvPr id="3" name="Content Placeholder 2"/>
+          <p:cNvSpPr>
+            <a:spLocks noGrp="1"/>
+          </p:cNvSpPr>
+          <p:nvPr>
+            <p:ph idx="1"/>
+          </p:nvPr>
         </p:nvSpPr>
-        <p:spPr>
-          <a:xfrm>
-            <a:off x="457200" y="5613400"/>
-            <a:ext cx="8229600" cy="508000"/>
-          </a:xfrm>
-          <a:prstGeom prst="rect">
-            <a:avLst/>
-          </a:prstGeom>
-          <a:noFill/>
-        </p:spPr>
+        <p:spPr/>
         <p:txBody>
           <a:bodyPr/>
           <a:lstStyle/>
           <a:p>
-            <a:pPr lvl="0" marL="0" indent="0" algn="ctr">
-              <a:buNone/>
-            </a:pPr>
-            <a:r>
-              <a:rPr/>
-              <a:t>Sorted</a:t>
-            </a:r>
-            <a:r>
-              <a:rPr/>
-              <a:t> </a:t>
-            </a:r>
-            <a:r>
-              <a:rPr/>
-              <a:t>Bar</a:t>
-            </a:r>
-            <a:r>
-              <a:rPr/>
-              <a:t> </a:t>
-            </a:r>
-            <a:r>
-              <a:rPr/>
-              <a:t>chart</a:t>
+            <a:pPr lvl="1"/>
+            <a:r>
+              <a:rPr/>
+              <a:t>Combine categories to reduce the number of bars.</a:t>
+            </a:r>
+          </a:p>
+          <a:p>
+            <a:pPr lvl="1"/>
+            <a:r>
+              <a:rPr/>
+              <a:t>Increase the resolution of your plot</a:t>
+            </a:r>
+          </a:p>
+          <a:p>
+            <a:pPr lvl="1"/>
+            <a:r>
+              <a:rPr/>
+              <a:t>Switch to a line graph</a:t>
             </a:r>
           </a:p>
         </p:txBody>

--- a/data-viz-02/component/recommendations-barcharts.pptx
+++ b/data-viz-02/component/recommendations-barcharts.pptx
@@ -5,7 +5,7 @@
     <p:sldMasterId id="2147483648" r:id="rId1"/>
   </p:sldMasterIdLst>
   <p:notesMasterIdLst>
-    <p:NotesMasterId r:id="rId23"/>
+    <p:NotesMasterId r:id="rId25"/>
   </p:notesMasterIdLst>
   <p:sldIdLst>
     <p:sldId id="256" r:id="rId2"/>
@@ -29,6 +29,8 @@
     <p:sldId id="274" r:id="rId20"/>
     <p:sldId id="275" r:id="rId21"/>
     <p:sldId id="276" r:id="rId22"/>
+    <p:sldId id="277" r:id="rId23"/>
+    <p:sldId id="278" r:id="rId24"/>
   </p:sldIdLst>
   <p:sldSz cx="9144000" cy="6858000" type="screen4x3"/>
   <p:notesSz cx="6858000" cy="9144000"/>
@@ -4726,6 +4728,952 @@
             <a:fld id="{18BDFEC3-8487-43E8-A154-7C12CBC1FFF2}" type="slidenum">
               <a:rPr lang="en-US"/>
               <a:t>15</a:t>
+            </a:fld>
+            <a:endParaRPr lang="en-US"/>
+          </a:p>
+        </p:txBody>
+      </p:sp>
+    </p:spTree>
+  </p:cSld>
+</p:notes>
+</file>
+
+<file path=ppt/notesSlides/notesSlide15.xml><?xml version="1.0" encoding="utf-8"?>
+<p:notes xmlns:a="http://schemas.openxmlformats.org/drawingml/2006/main" xmlns:r="http://schemas.openxmlformats.org/officeDocument/2006/relationships" xmlns:p="http://schemas.openxmlformats.org/presentationml/2006/main">
+  <p:cSld>
+    <p:spTree>
+      <p:nvGrpSpPr>
+        <p:cNvPr id="1" name=""/>
+        <p:cNvGrpSpPr/>
+        <p:nvPr/>
+      </p:nvGrpSpPr>
+      <p:grpSpPr>
+        <a:xfrm>
+          <a:off x="0" y="0"/>
+          <a:ext cx="0" cy="0"/>
+          <a:chOff x="0" y="0"/>
+          <a:chExt cx="0" cy="0"/>
+        </a:xfrm>
+      </p:grpSpPr>
+      <p:sp>
+        <p:nvSpPr>
+          <p:cNvPr id="2" name="Slide Image Placeholder 1"/>
+          <p:cNvSpPr>
+            <a:spLocks noGrp="1" noRot="1" noChangeAspect="1"/>
+          </p:cNvSpPr>
+          <p:nvPr>
+            <p:ph type="sldImg"/>
+          </p:nvPr>
+        </p:nvSpPr>
+        <p:spPr/>
+      </p:sp>
+      <p:sp>
+        <p:nvSpPr>
+          <p:cNvPr id="3" name="Notes Placeholder 2"/>
+          <p:cNvSpPr>
+            <a:spLocks noGrp="1"/>
+          </p:cNvSpPr>
+          <p:nvPr>
+            <p:ph type="body" idx="1"/>
+          </p:nvPr>
+        </p:nvSpPr>
+        <p:spPr/>
+        <p:txBody>
+          <a:bodyPr/>
+          <a:lstStyle/>
+          <a:p>
+            <a:pPr lvl="0" marL="0" indent="0">
+              <a:buNone/>
+            </a:pPr>
+            <a:r>
+              <a:rPr/>
+              <a:t>You</a:t>
+            </a:r>
+            <a:r>
+              <a:rPr/>
+              <a:t> </a:t>
+            </a:r>
+            <a:r>
+              <a:rPr/>
+              <a:t>can</a:t>
+            </a:r>
+            <a:r>
+              <a:rPr/>
+              <a:t> </a:t>
+            </a:r>
+            <a:r>
+              <a:rPr/>
+              <a:t>switch</a:t>
+            </a:r>
+            <a:r>
+              <a:rPr/>
+              <a:t> </a:t>
+            </a:r>
+            <a:r>
+              <a:rPr/>
+              <a:t>things</a:t>
+            </a:r>
+            <a:r>
+              <a:rPr/>
+              <a:t> </a:t>
+            </a:r>
+            <a:r>
+              <a:rPr/>
+              <a:t>so</a:t>
+            </a:r>
+            <a:r>
+              <a:rPr/>
+              <a:t> </a:t>
+            </a:r>
+            <a:r>
+              <a:rPr/>
+              <a:t>that</a:t>
+            </a:r>
+            <a:r>
+              <a:rPr/>
+              <a:t> </a:t>
+            </a:r>
+            <a:r>
+              <a:rPr/>
+              <a:t>gender</a:t>
+            </a:r>
+            <a:r>
+              <a:rPr/>
+              <a:t> </a:t>
+            </a:r>
+            <a:r>
+              <a:rPr/>
+              <a:t>is</a:t>
+            </a:r>
+            <a:r>
+              <a:rPr/>
+              <a:t> </a:t>
+            </a:r>
+            <a:r>
+              <a:rPr/>
+              <a:t>stacked</a:t>
+            </a:r>
+            <a:r>
+              <a:rPr/>
+              <a:t> </a:t>
+            </a:r>
+            <a:r>
+              <a:rPr/>
+              <a:t>for</a:t>
+            </a:r>
+            <a:r>
+              <a:rPr/>
+              <a:t> </a:t>
+            </a:r>
+            <a:r>
+              <a:rPr/>
+              <a:t>each</a:t>
+            </a:r>
+            <a:r>
+              <a:rPr/>
+              <a:t> </a:t>
+            </a:r>
+            <a:r>
+              <a:rPr/>
+              <a:t>passenger</a:t>
+            </a:r>
+            <a:r>
+              <a:rPr/>
+              <a:t> </a:t>
+            </a:r>
+            <a:r>
+              <a:rPr/>
+              <a:t>class.</a:t>
+            </a:r>
+            <a:r>
+              <a:rPr/>
+              <a:t> </a:t>
+            </a:r>
+            <a:r>
+              <a:rPr/>
+              <a:t>This</a:t>
+            </a:r>
+            <a:r>
+              <a:rPr/>
+              <a:t> </a:t>
+            </a:r>
+            <a:r>
+              <a:rPr/>
+              <a:t>barchart</a:t>
+            </a:r>
+            <a:r>
+              <a:rPr/>
+              <a:t> </a:t>
+            </a:r>
+            <a:r>
+              <a:rPr/>
+              <a:t>shows</a:t>
+            </a:r>
+            <a:r>
+              <a:rPr/>
+              <a:t> </a:t>
+            </a:r>
+            <a:r>
+              <a:rPr/>
+              <a:t>that</a:t>
+            </a:r>
+            <a:r>
+              <a:rPr/>
+              <a:t> </a:t>
+            </a:r>
+            <a:r>
+              <a:rPr/>
+              <a:t>setting</a:t>
+            </a:r>
+            <a:r>
+              <a:rPr/>
+              <a:t> </a:t>
+            </a:r>
+            <a:r>
+              <a:rPr/>
+              <a:t>up</a:t>
+            </a:r>
+            <a:r>
+              <a:rPr/>
+              <a:t> </a:t>
+            </a:r>
+            <a:r>
+              <a:rPr/>
+              <a:t>a</a:t>
+            </a:r>
+            <a:r>
+              <a:rPr/>
+              <a:t> </a:t>
+            </a:r>
+            <a:r>
+              <a:rPr/>
+              <a:t>co-ed</a:t>
+            </a:r>
+            <a:r>
+              <a:rPr/>
+              <a:t> </a:t>
+            </a:r>
+            <a:r>
+              <a:rPr/>
+              <a:t>volleyball</a:t>
+            </a:r>
+            <a:r>
+              <a:rPr/>
+              <a:t> </a:t>
+            </a:r>
+            <a:r>
+              <a:rPr/>
+              <a:t>team</a:t>
+            </a:r>
+            <a:r>
+              <a:rPr/>
+              <a:t> </a:t>
+            </a:r>
+            <a:r>
+              <a:rPr/>
+              <a:t>would</a:t>
+            </a:r>
+            <a:r>
+              <a:rPr/>
+              <a:t> </a:t>
+            </a:r>
+            <a:r>
+              <a:rPr/>
+              <a:t>be</a:t>
+            </a:r>
+            <a:r>
+              <a:rPr/>
+              <a:t> </a:t>
+            </a:r>
+            <a:r>
+              <a:rPr/>
+              <a:t>a</a:t>
+            </a:r>
+            <a:r>
+              <a:rPr/>
+              <a:t> </a:t>
+            </a:r>
+            <a:r>
+              <a:rPr/>
+              <a:t>lot</a:t>
+            </a:r>
+            <a:r>
+              <a:rPr/>
+              <a:t> </a:t>
+            </a:r>
+            <a:r>
+              <a:rPr/>
+              <a:t>easier</a:t>
+            </a:r>
+            <a:r>
+              <a:rPr/>
+              <a:t> </a:t>
+            </a:r>
+            <a:r>
+              <a:rPr/>
+              <a:t>in</a:t>
+            </a:r>
+            <a:r>
+              <a:rPr/>
+              <a:t> </a:t>
+            </a:r>
+            <a:r>
+              <a:rPr/>
+              <a:t>first</a:t>
+            </a:r>
+            <a:r>
+              <a:rPr/>
+              <a:t> </a:t>
+            </a:r>
+            <a:r>
+              <a:rPr/>
+              <a:t>or</a:t>
+            </a:r>
+            <a:r>
+              <a:rPr/>
+              <a:t> </a:t>
+            </a:r>
+            <a:r>
+              <a:rPr/>
+              <a:t>second</a:t>
+            </a:r>
+            <a:r>
+              <a:rPr/>
+              <a:t> </a:t>
+            </a:r>
+            <a:r>
+              <a:rPr/>
+              <a:t>class,</a:t>
+            </a:r>
+            <a:r>
+              <a:rPr/>
+              <a:t> </a:t>
+            </a:r>
+            <a:r>
+              <a:rPr/>
+              <a:t>which</a:t>
+            </a:r>
+            <a:r>
+              <a:rPr/>
+              <a:t> </a:t>
+            </a:r>
+            <a:r>
+              <a:rPr/>
+              <a:t>have</a:t>
+            </a:r>
+            <a:r>
+              <a:rPr/>
+              <a:t> </a:t>
+            </a:r>
+            <a:r>
+              <a:rPr/>
+              <a:t>a</a:t>
+            </a:r>
+            <a:r>
+              <a:rPr/>
+              <a:t> </a:t>
+            </a:r>
+            <a:r>
+              <a:rPr/>
+              <a:t>roughly</a:t>
+            </a:r>
+            <a:r>
+              <a:rPr/>
+              <a:t> </a:t>
+            </a:r>
+            <a:r>
+              <a:rPr/>
+              <a:t>equal</a:t>
+            </a:r>
+            <a:r>
+              <a:rPr/>
+              <a:t> </a:t>
+            </a:r>
+            <a:r>
+              <a:rPr/>
+              <a:t>distribution</a:t>
+            </a:r>
+            <a:r>
+              <a:rPr/>
+              <a:t> </a:t>
+            </a:r>
+            <a:r>
+              <a:rPr/>
+              <a:t>of</a:t>
+            </a:r>
+            <a:r>
+              <a:rPr/>
+              <a:t> </a:t>
+            </a:r>
+            <a:r>
+              <a:rPr/>
+              <a:t>mean</a:t>
+            </a:r>
+            <a:r>
+              <a:rPr/>
+              <a:t> </a:t>
+            </a:r>
+            <a:r>
+              <a:rPr/>
+              <a:t>and</a:t>
+            </a:r>
+            <a:r>
+              <a:rPr/>
+              <a:t> </a:t>
+            </a:r>
+            <a:r>
+              <a:rPr/>
+              <a:t>women</a:t>
+            </a:r>
+            <a:r>
+              <a:rPr/>
+              <a:t> </a:t>
+            </a:r>
+            <a:r>
+              <a:rPr/>
+              <a:t>compared</a:t>
+            </a:r>
+            <a:r>
+              <a:rPr/>
+              <a:t> </a:t>
+            </a:r>
+            <a:r>
+              <a:rPr/>
+              <a:t>to</a:t>
+            </a:r>
+            <a:r>
+              <a:rPr/>
+              <a:t> </a:t>
+            </a:r>
+            <a:r>
+              <a:rPr/>
+              <a:t>third</a:t>
+            </a:r>
+            <a:r>
+              <a:rPr/>
+              <a:t> </a:t>
+            </a:r>
+            <a:r>
+              <a:rPr/>
+              <a:t>class.</a:t>
+            </a:r>
+          </a:p>
+        </p:txBody>
+      </p:sp>
+      <p:sp>
+        <p:nvSpPr>
+          <p:cNvPr id="4" name="Slide Number Placeholder 3"/>
+          <p:cNvSpPr>
+            <a:spLocks noGrp="1"/>
+          </p:cNvSpPr>
+          <p:nvPr>
+            <p:ph type="sldNum" sz="quarter" idx="10"/>
+          </p:nvPr>
+        </p:nvSpPr>
+        <p:spPr/>
+        <p:txBody>
+          <a:bodyPr/>
+          <a:lstStyle/>
+          <a:p>
+            <a:fld id="{18BDFEC3-8487-43E8-A154-7C12CBC1FFF2}" type="slidenum">
+              <a:rPr lang="en-US"/>
+              <a:t>16</a:t>
+            </a:fld>
+            <a:endParaRPr lang="en-US"/>
+          </a:p>
+        </p:txBody>
+      </p:sp>
+    </p:spTree>
+  </p:cSld>
+</p:notes>
+</file>
+
+<file path=ppt/notesSlides/notesSlide16.xml><?xml version="1.0" encoding="utf-8"?>
+<p:notes xmlns:a="http://schemas.openxmlformats.org/drawingml/2006/main" xmlns:r="http://schemas.openxmlformats.org/officeDocument/2006/relationships" xmlns:p="http://schemas.openxmlformats.org/presentationml/2006/main">
+  <p:cSld>
+    <p:spTree>
+      <p:nvGrpSpPr>
+        <p:cNvPr id="1" name=""/>
+        <p:cNvGrpSpPr/>
+        <p:nvPr/>
+      </p:nvGrpSpPr>
+      <p:grpSpPr>
+        <a:xfrm>
+          <a:off x="0" y="0"/>
+          <a:ext cx="0" cy="0"/>
+          <a:chOff x="0" y="0"/>
+          <a:chExt cx="0" cy="0"/>
+        </a:xfrm>
+      </p:grpSpPr>
+      <p:sp>
+        <p:nvSpPr>
+          <p:cNvPr id="2" name="Slide Image Placeholder 1"/>
+          <p:cNvSpPr>
+            <a:spLocks noGrp="1" noRot="1" noChangeAspect="1"/>
+          </p:cNvSpPr>
+          <p:nvPr>
+            <p:ph type="sldImg"/>
+          </p:nvPr>
+        </p:nvSpPr>
+        <p:spPr/>
+      </p:sp>
+      <p:sp>
+        <p:nvSpPr>
+          <p:cNvPr id="3" name="Notes Placeholder 2"/>
+          <p:cNvSpPr>
+            <a:spLocks noGrp="1"/>
+          </p:cNvSpPr>
+          <p:nvPr>
+            <p:ph type="body" idx="1"/>
+          </p:nvPr>
+        </p:nvSpPr>
+        <p:spPr/>
+        <p:txBody>
+          <a:bodyPr/>
+          <a:lstStyle/>
+          <a:p>
+            <a:pPr lvl="0" marL="0" indent="0">
+              <a:buNone/>
+            </a:pPr>
+            <a:r>
+              <a:rPr/>
+              <a:t>When</a:t>
+            </a:r>
+            <a:r>
+              <a:rPr/>
+              <a:t> </a:t>
+            </a:r>
+            <a:r>
+              <a:rPr/>
+              <a:t>you</a:t>
+            </a:r>
+            <a:r>
+              <a:rPr/>
+              <a:t> </a:t>
+            </a:r>
+            <a:r>
+              <a:rPr/>
+              <a:t>are</a:t>
+            </a:r>
+            <a:r>
+              <a:rPr/>
+              <a:t> </a:t>
+            </a:r>
+            <a:r>
+              <a:rPr/>
+              <a:t>computing</a:t>
+            </a:r>
+            <a:r>
+              <a:rPr/>
+              <a:t> </a:t>
+            </a:r>
+            <a:r>
+              <a:rPr/>
+              <a:t>percentages,</a:t>
+            </a:r>
+            <a:r>
+              <a:rPr/>
+              <a:t> </a:t>
+            </a:r>
+            <a:r>
+              <a:rPr/>
+              <a:t>you</a:t>
+            </a:r>
+            <a:r>
+              <a:rPr/>
+              <a:t> </a:t>
+            </a:r>
+            <a:r>
+              <a:rPr/>
+              <a:t>need</a:t>
+            </a:r>
+            <a:r>
+              <a:rPr/>
+              <a:t> </a:t>
+            </a:r>
+            <a:r>
+              <a:rPr/>
+              <a:t>to</a:t>
+            </a:r>
+            <a:r>
+              <a:rPr/>
+              <a:t> </a:t>
+            </a:r>
+            <a:r>
+              <a:rPr/>
+              <a:t>decide</a:t>
+            </a:r>
+            <a:r>
+              <a:rPr/>
+              <a:t> </a:t>
+            </a:r>
+            <a:r>
+              <a:rPr/>
+              <a:t>what</a:t>
+            </a:r>
+            <a:r>
+              <a:rPr/>
+              <a:t> </a:t>
+            </a:r>
+            <a:r>
+              <a:rPr/>
+              <a:t>particular</a:t>
+            </a:r>
+            <a:r>
+              <a:rPr/>
+              <a:t> </a:t>
+            </a:r>
+            <a:r>
+              <a:rPr/>
+              <a:t>percentage</a:t>
+            </a:r>
+            <a:r>
+              <a:rPr/>
+              <a:t> </a:t>
+            </a:r>
+            <a:r>
+              <a:rPr/>
+              <a:t>you</a:t>
+            </a:r>
+            <a:r>
+              <a:rPr/>
+              <a:t> </a:t>
+            </a:r>
+            <a:r>
+              <a:rPr/>
+              <a:t>want.</a:t>
+            </a:r>
+            <a:r>
+              <a:rPr/>
+              <a:t> </a:t>
+            </a:r>
+            <a:r>
+              <a:rPr/>
+              <a:t>The</a:t>
+            </a:r>
+            <a:r>
+              <a:rPr/>
+              <a:t> </a:t>
+            </a:r>
+            <a:r>
+              <a:rPr/>
+              <a:t>data</a:t>
+            </a:r>
+            <a:r>
+              <a:rPr/>
+              <a:t> </a:t>
+            </a:r>
+            <a:r>
+              <a:rPr/>
+              <a:t>set</a:t>
+            </a:r>
+            <a:r>
+              <a:rPr/>
+              <a:t> </a:t>
+            </a:r>
+            <a:r>
+              <a:rPr/>
+              <a:t>shown</a:t>
+            </a:r>
+            <a:r>
+              <a:rPr/>
+              <a:t> </a:t>
+            </a:r>
+            <a:r>
+              <a:rPr/>
+              <a:t>above</a:t>
+            </a:r>
+            <a:r>
+              <a:rPr/>
+              <a:t> </a:t>
+            </a:r>
+            <a:r>
+              <a:rPr/>
+              <a:t>is</a:t>
+            </a:r>
+            <a:r>
+              <a:rPr/>
+              <a:t> </a:t>
+            </a:r>
+            <a:r>
+              <a:rPr/>
+              <a:t>totally</a:t>
+            </a:r>
+            <a:r>
+              <a:rPr/>
+              <a:t> </a:t>
+            </a:r>
+            <a:r>
+              <a:rPr/>
+              <a:t>fictional,</a:t>
+            </a:r>
+            <a:r>
+              <a:rPr/>
+              <a:t> </a:t>
+            </a:r>
+            <a:r>
+              <a:rPr/>
+              <a:t>but</a:t>
+            </a:r>
+            <a:r>
+              <a:rPr/>
+              <a:t> </a:t>
+            </a:r>
+            <a:r>
+              <a:rPr/>
+              <a:t>it</a:t>
+            </a:r>
+            <a:r>
+              <a:rPr/>
+              <a:t> </a:t>
+            </a:r>
+            <a:r>
+              <a:rPr/>
+              <a:t>helps</a:t>
+            </a:r>
+            <a:r>
+              <a:rPr/>
+              <a:t> </a:t>
+            </a:r>
+            <a:r>
+              <a:rPr/>
+              <a:t>you</a:t>
+            </a:r>
+            <a:r>
+              <a:rPr/>
+              <a:t> </a:t>
+            </a:r>
+            <a:r>
+              <a:rPr/>
+              <a:t>understand</a:t>
+            </a:r>
+            <a:r>
+              <a:rPr/>
+              <a:t> </a:t>
+            </a:r>
+            <a:r>
+              <a:rPr/>
+              <a:t>what</a:t>
+            </a:r>
+            <a:r>
+              <a:rPr/>
+              <a:t> </a:t>
+            </a:r>
+            <a:r>
+              <a:rPr/>
+              <a:t>your</a:t>
+            </a:r>
+            <a:r>
+              <a:rPr/>
+              <a:t> </a:t>
+            </a:r>
+            <a:r>
+              <a:rPr/>
+              <a:t>options</a:t>
+            </a:r>
+            <a:r>
+              <a:rPr/>
+              <a:t> </a:t>
+            </a:r>
+            <a:r>
+              <a:rPr/>
+              <a:t>are.</a:t>
+            </a:r>
+          </a:p>
+          <a:p>
+            <a:pPr lvl="0" marL="0" indent="0">
+              <a:buNone/>
+            </a:pPr>
+          </a:p>
+          <a:p>
+            <a:pPr lvl="0" marL="0" indent="0">
+              <a:buNone/>
+            </a:pPr>
+            <a:r>
+              <a:rPr/>
+              <a:t>This</a:t>
+            </a:r>
+            <a:r>
+              <a:rPr/>
+              <a:t> </a:t>
+            </a:r>
+            <a:r>
+              <a:rPr/>
+              <a:t>represents</a:t>
+            </a:r>
+            <a:r>
+              <a:rPr/>
+              <a:t> </a:t>
+            </a:r>
+            <a:r>
+              <a:rPr/>
+              <a:t>a</a:t>
+            </a:r>
+            <a:r>
+              <a:rPr/>
+              <a:t> </a:t>
+            </a:r>
+            <a:r>
+              <a:rPr/>
+              <a:t>sample</a:t>
+            </a:r>
+            <a:r>
+              <a:rPr/>
+              <a:t> </a:t>
+            </a:r>
+            <a:r>
+              <a:rPr/>
+              <a:t>of</a:t>
+            </a:r>
+            <a:r>
+              <a:rPr/>
+              <a:t> </a:t>
+            </a:r>
+            <a:r>
+              <a:rPr/>
+              <a:t>200</a:t>
+            </a:r>
+            <a:r>
+              <a:rPr/>
+              <a:t> </a:t>
+            </a:r>
+            <a:r>
+              <a:rPr/>
+              <a:t>people</a:t>
+            </a:r>
+            <a:r>
+              <a:rPr/>
+              <a:t> </a:t>
+            </a:r>
+            <a:r>
+              <a:rPr/>
+              <a:t>who</a:t>
+            </a:r>
+            <a:r>
+              <a:rPr/>
+              <a:t> </a:t>
+            </a:r>
+            <a:r>
+              <a:rPr/>
+              <a:t>are</a:t>
+            </a:r>
+            <a:r>
+              <a:rPr/>
+              <a:t> </a:t>
+            </a:r>
+            <a:r>
+              <a:rPr/>
+              <a:t>classified</a:t>
+            </a:r>
+            <a:r>
+              <a:rPr/>
+              <a:t> </a:t>
+            </a:r>
+            <a:r>
+              <a:rPr/>
+              <a:t>by</a:t>
+            </a:r>
+            <a:r>
+              <a:rPr/>
+              <a:t> </a:t>
+            </a:r>
+            <a:r>
+              <a:rPr/>
+              <a:t>income</a:t>
+            </a:r>
+            <a:r>
+              <a:rPr/>
+              <a:t> </a:t>
+            </a:r>
+            <a:r>
+              <a:rPr/>
+              <a:t>(rich</a:t>
+            </a:r>
+            <a:r>
+              <a:rPr/>
+              <a:t> </a:t>
+            </a:r>
+            <a:r>
+              <a:rPr/>
+              <a:t>or</a:t>
+            </a:r>
+            <a:r>
+              <a:rPr/>
+              <a:t> </a:t>
+            </a:r>
+            <a:r>
+              <a:rPr/>
+              <a:t>poor)</a:t>
+            </a:r>
+            <a:r>
+              <a:rPr/>
+              <a:t> </a:t>
+            </a:r>
+            <a:r>
+              <a:rPr/>
+              <a:t>and</a:t>
+            </a:r>
+            <a:r>
+              <a:rPr/>
+              <a:t> </a:t>
+            </a:r>
+            <a:r>
+              <a:rPr/>
+              <a:t>by</a:t>
+            </a:r>
+            <a:r>
+              <a:rPr/>
+              <a:t> </a:t>
+            </a:r>
+            <a:r>
+              <a:rPr/>
+              <a:t>outlook</a:t>
+            </a:r>
+            <a:r>
+              <a:rPr/>
+              <a:t> </a:t>
+            </a:r>
+            <a:r>
+              <a:rPr/>
+              <a:t>(happy</a:t>
+            </a:r>
+            <a:r>
+              <a:rPr/>
+              <a:t> </a:t>
+            </a:r>
+            <a:r>
+              <a:rPr/>
+              <a:t>or</a:t>
+            </a:r>
+            <a:r>
+              <a:rPr/>
+              <a:t> </a:t>
+            </a:r>
+            <a:r>
+              <a:rPr/>
+              <a:t>miserable).</a:t>
+            </a:r>
+          </a:p>
+        </p:txBody>
+      </p:sp>
+      <p:sp>
+        <p:nvSpPr>
+          <p:cNvPr id="4" name="Slide Number Placeholder 3"/>
+          <p:cNvSpPr>
+            <a:spLocks noGrp="1"/>
+          </p:cNvSpPr>
+          <p:nvPr>
+            <p:ph type="sldNum" sz="quarter" idx="10"/>
+          </p:nvPr>
+        </p:nvSpPr>
+        <p:spPr/>
+        <p:txBody>
+          <a:bodyPr/>
+          <a:lstStyle/>
+          <a:p>
+            <a:fld id="{18BDFEC3-8487-43E8-A154-7C12CBC1FFF2}" type="slidenum">
+              <a:rPr lang="en-US"/>
+              <a:t>17</a:t>
             </a:fld>
             <a:endParaRPr lang="en-US"/>
           </a:p>
@@ -17314,7 +18262,7 @@
           <p:nvPr/>
         </p:nvPicPr>
         <p:blipFill>
-          <a:blip r:embed="rId2"/>
+          <a:blip r:embed="rId3"/>
           <a:stretch>
             <a:fillRect/>
           </a:stretch>
@@ -17453,7 +18401,7 @@
           <p:nvPr/>
         </p:nvPicPr>
         <p:blipFill>
-          <a:blip r:embed="rId2"/>
+          <a:blip r:embed="rId3"/>
           <a:stretch>
             <a:fillRect/>
           </a:stretch>
@@ -17865,6 +18813,129 @@
       </p:grpSpPr>
       <p:sp>
         <p:nvSpPr>
+          <p:cNvPr id="3" name="Content Placeholder 2"/>
+          <p:cNvSpPr>
+            <a:spLocks noGrp="1"/>
+          </p:cNvSpPr>
+          <p:nvPr>
+            <p:ph idx="1"/>
+          </p:nvPr>
+        </p:nvSpPr>
+        <p:spPr/>
+        <p:txBody>
+          <a:bodyPr/>
+          <a:lstStyle/>
+          <a:p>
+            <a:pPr lvl="0" marL="0" indent="0">
+              <a:buNone/>
+            </a:pPr>
+            <a:r>
+              <a:rPr/>
+              <a:t>You can compute row percentages which divide the entry in each row by the row total. Row percents add up to 100% within each row.</a:t>
+            </a:r>
+          </a:p>
+          <a:p>
+            <a:pPr lvl="0" marL="1270000" indent="0">
+              <a:buNone/>
+            </a:pPr>
+            <a:r>
+              <a:rPr sz="1800">
+                <a:latin typeface="Courier"/>
+              </a:rPr>
+              <a:t>## Warning in rep(rep(c("Rich", "Poor"), each = 2), each = n): first element
+## used of 'each' argument</a:t>
+            </a:r>
+          </a:p>
+          <a:p>
+            <a:pPr lvl="0" marL="1270000" indent="0">
+              <a:buNone/>
+            </a:pPr>
+            <a:r>
+              <a:rPr sz="1800">
+                <a:latin typeface="Courier"/>
+              </a:rPr>
+              <a:t>## Warning in rep(rep(c("Happy", "Miserable"), 2), each = n): first element
+## used of 'each' argument</a:t>
+            </a:r>
+          </a:p>
+        </p:txBody>
+      </p:sp>
+    </p:spTree>
+  </p:cSld>
+</p:sld>
+</file>
+
+<file path=ppt/slides/slide21.xml><?xml version="1.0" encoding="utf-8"?>
+<p:sld xmlns:a="http://schemas.openxmlformats.org/drawingml/2006/main" xmlns:r="http://schemas.openxmlformats.org/officeDocument/2006/relationships" xmlns:p="http://schemas.openxmlformats.org/presentationml/2006/main">
+  <p:cSld>
+    <p:spTree>
+      <p:nvGrpSpPr>
+        <p:cNvPr id="1" name=""/>
+        <p:cNvGrpSpPr/>
+        <p:nvPr/>
+      </p:nvGrpSpPr>
+      <p:grpSpPr>
+        <a:xfrm>
+          <a:off x="0" y="0"/>
+          <a:ext cx="0" cy="0"/>
+          <a:chOff x="0" y="0"/>
+          <a:chExt cx="0" cy="0"/>
+        </a:xfrm>
+      </p:grpSpPr>
+      <p:pic>
+        <p:nvPicPr>
+          <p:cNvPr descr="../images/r/outlook-stack.png" id="0" name="Picture 1"/>
+          <p:cNvPicPr>
+            <a:picLocks noGrp="1" noChangeAspect="1"/>
+          </p:cNvPicPr>
+          <p:nvPr/>
+        </p:nvPicPr>
+        <p:blipFill>
+          <a:blip r:embed="rId2"/>
+          <a:stretch>
+            <a:fillRect/>
+          </a:stretch>
+        </p:blipFill>
+        <p:spPr bwMode="auto">
+          <a:xfrm>
+            <a:off x="2311400" y="1600200"/>
+            <a:ext cx="4521200" cy="4521200"/>
+          </a:xfrm>
+          <a:prstGeom prst="rect">
+            <a:avLst/>
+          </a:prstGeom>
+          <a:noFill/>
+          <a:ln w="9525">
+            <a:noFill/>
+            <a:headEnd/>
+            <a:tailEnd/>
+          </a:ln>
+        </p:spPr>
+      </p:pic>
+    </p:spTree>
+  </p:cSld>
+</p:sld>
+</file>
+
+<file path=ppt/slides/slide22.xml><?xml version="1.0" encoding="utf-8"?>
+<p:sld xmlns:a="http://schemas.openxmlformats.org/drawingml/2006/main" xmlns:r="http://schemas.openxmlformats.org/officeDocument/2006/relationships" xmlns:p="http://schemas.openxmlformats.org/presentationml/2006/main">
+  <p:cSld>
+    <p:spTree>
+      <p:nvGrpSpPr>
+        <p:cNvPr id="1" name=""/>
+        <p:cNvGrpSpPr/>
+        <p:nvPr/>
+      </p:nvGrpSpPr>
+      <p:grpSpPr>
+        <a:xfrm>
+          <a:off x="0" y="0"/>
+          <a:ext cx="0" cy="0"/>
+          <a:chOff x="0" y="0"/>
+          <a:chExt cx="0" cy="0"/>
+        </a:xfrm>
+      </p:grpSpPr>
+      <p:sp>
+        <p:nvSpPr>
           <p:cNvPr id="2" name="Title 1"/>
           <p:cNvSpPr>
             <a:spLocks noGrp="1"/>
@@ -17931,7 +19002,7 @@
 </p:sld>
 </file>
 
-<file path=ppt/slides/slide21.xml><?xml version="1.0" encoding="utf-8"?>
+<file path=ppt/slides/slide23.xml><?xml version="1.0" encoding="utf-8"?>
 <p:sld xmlns:a="http://schemas.openxmlformats.org/drawingml/2006/main" xmlns:r="http://schemas.openxmlformats.org/officeDocument/2006/relationships" xmlns:p="http://schemas.openxmlformats.org/presentationml/2006/main">
   <p:cSld>
     <p:spTree>

--- a/data-viz-02/component/recommendations-barcharts.pptx
+++ b/data-viz-02/component/recommendations-barcharts.pptx
@@ -5674,6 +5674,280 @@
             <a:fld id="{18BDFEC3-8487-43E8-A154-7C12CBC1FFF2}" type="slidenum">
               <a:rPr lang="en-US"/>
               <a:t>17</a:t>
+            </a:fld>
+            <a:endParaRPr lang="en-US"/>
+          </a:p>
+        </p:txBody>
+      </p:sp>
+    </p:spTree>
+  </p:cSld>
+</p:notes>
+</file>
+
+<file path=ppt/notesSlides/notesSlide17.xml><?xml version="1.0" encoding="utf-8"?>
+<p:notes xmlns:a="http://schemas.openxmlformats.org/drawingml/2006/main" xmlns:r="http://schemas.openxmlformats.org/officeDocument/2006/relationships" xmlns:p="http://schemas.openxmlformats.org/presentationml/2006/main">
+  <p:cSld>
+    <p:spTree>
+      <p:nvGrpSpPr>
+        <p:cNvPr id="1" name=""/>
+        <p:cNvGrpSpPr/>
+        <p:nvPr/>
+      </p:nvGrpSpPr>
+      <p:grpSpPr>
+        <a:xfrm>
+          <a:off x="0" y="0"/>
+          <a:ext cx="0" cy="0"/>
+          <a:chOff x="0" y="0"/>
+          <a:chExt cx="0" cy="0"/>
+        </a:xfrm>
+      </p:grpSpPr>
+      <p:sp>
+        <p:nvSpPr>
+          <p:cNvPr id="2" name="Slide Image Placeholder 1"/>
+          <p:cNvSpPr>
+            <a:spLocks noGrp="1" noRot="1" noChangeAspect="1"/>
+          </p:cNvSpPr>
+          <p:nvPr>
+            <p:ph type="sldImg"/>
+          </p:nvPr>
+        </p:nvSpPr>
+        <p:spPr/>
+      </p:sp>
+      <p:sp>
+        <p:nvSpPr>
+          <p:cNvPr id="3" name="Notes Placeholder 2"/>
+          <p:cNvSpPr>
+            <a:spLocks noGrp="1"/>
+          </p:cNvSpPr>
+          <p:nvPr>
+            <p:ph type="body" idx="1"/>
+          </p:nvPr>
+        </p:nvSpPr>
+        <p:spPr/>
+        <p:txBody>
+          <a:bodyPr/>
+          <a:lstStyle/>
+          <a:p>
+            <a:pPr lvl="0" marL="0" indent="0">
+              <a:buNone/>
+            </a:pPr>
+            <a:r>
+              <a:rPr/>
+              <a:t>You</a:t>
+            </a:r>
+            <a:r>
+              <a:rPr/>
+              <a:t> </a:t>
+            </a:r>
+            <a:r>
+              <a:rPr/>
+              <a:t>can</a:t>
+            </a:r>
+            <a:r>
+              <a:rPr/>
+              <a:t> </a:t>
+            </a:r>
+            <a:r>
+              <a:rPr/>
+              <a:t>compute</a:t>
+            </a:r>
+            <a:r>
+              <a:rPr/>
+              <a:t> </a:t>
+            </a:r>
+            <a:r>
+              <a:rPr/>
+              <a:t>row</a:t>
+            </a:r>
+            <a:r>
+              <a:rPr/>
+              <a:t> </a:t>
+            </a:r>
+            <a:r>
+              <a:rPr/>
+              <a:t>percentages</a:t>
+            </a:r>
+            <a:r>
+              <a:rPr/>
+              <a:t> </a:t>
+            </a:r>
+            <a:r>
+              <a:rPr/>
+              <a:t>which</a:t>
+            </a:r>
+            <a:r>
+              <a:rPr/>
+              <a:t> </a:t>
+            </a:r>
+            <a:r>
+              <a:rPr/>
+              <a:t>divide</a:t>
+            </a:r>
+            <a:r>
+              <a:rPr/>
+              <a:t> </a:t>
+            </a:r>
+            <a:r>
+              <a:rPr/>
+              <a:t>the</a:t>
+            </a:r>
+            <a:r>
+              <a:rPr/>
+              <a:t> </a:t>
+            </a:r>
+            <a:r>
+              <a:rPr/>
+              <a:t>entry</a:t>
+            </a:r>
+            <a:r>
+              <a:rPr/>
+              <a:t> </a:t>
+            </a:r>
+            <a:r>
+              <a:rPr/>
+              <a:t>in</a:t>
+            </a:r>
+            <a:r>
+              <a:rPr/>
+              <a:t> </a:t>
+            </a:r>
+            <a:r>
+              <a:rPr/>
+              <a:t>each</a:t>
+            </a:r>
+            <a:r>
+              <a:rPr/>
+              <a:t> </a:t>
+            </a:r>
+            <a:r>
+              <a:rPr/>
+              <a:t>row</a:t>
+            </a:r>
+            <a:r>
+              <a:rPr/>
+              <a:t> </a:t>
+            </a:r>
+            <a:r>
+              <a:rPr/>
+              <a:t>by</a:t>
+            </a:r>
+            <a:r>
+              <a:rPr/>
+              <a:t> </a:t>
+            </a:r>
+            <a:r>
+              <a:rPr/>
+              <a:t>the</a:t>
+            </a:r>
+            <a:r>
+              <a:rPr/>
+              <a:t> </a:t>
+            </a:r>
+            <a:r>
+              <a:rPr/>
+              <a:t>row</a:t>
+            </a:r>
+            <a:r>
+              <a:rPr/>
+              <a:t> </a:t>
+            </a:r>
+            <a:r>
+              <a:rPr/>
+              <a:t>total.</a:t>
+            </a:r>
+            <a:r>
+              <a:rPr/>
+              <a:t> </a:t>
+            </a:r>
+            <a:r>
+              <a:rPr/>
+              <a:t>Row</a:t>
+            </a:r>
+            <a:r>
+              <a:rPr/>
+              <a:t> </a:t>
+            </a:r>
+            <a:r>
+              <a:rPr/>
+              <a:t>percents</a:t>
+            </a:r>
+            <a:r>
+              <a:rPr/>
+              <a:t> </a:t>
+            </a:r>
+            <a:r>
+              <a:rPr/>
+              <a:t>add</a:t>
+            </a:r>
+            <a:r>
+              <a:rPr/>
+              <a:t> </a:t>
+            </a:r>
+            <a:r>
+              <a:rPr/>
+              <a:t>up</a:t>
+            </a:r>
+            <a:r>
+              <a:rPr/>
+              <a:t> </a:t>
+            </a:r>
+            <a:r>
+              <a:rPr/>
+              <a:t>to</a:t>
+            </a:r>
+            <a:r>
+              <a:rPr/>
+              <a:t> </a:t>
+            </a:r>
+            <a:r>
+              <a:rPr/>
+              <a:t>100%</a:t>
+            </a:r>
+            <a:r>
+              <a:rPr/>
+              <a:t> </a:t>
+            </a:r>
+            <a:r>
+              <a:rPr/>
+              <a:t>within</a:t>
+            </a:r>
+            <a:r>
+              <a:rPr/>
+              <a:t> </a:t>
+            </a:r>
+            <a:r>
+              <a:rPr/>
+              <a:t>each</a:t>
+            </a:r>
+            <a:r>
+              <a:rPr/>
+              <a:t> </a:t>
+            </a:r>
+            <a:r>
+              <a:rPr/>
+              <a:t>row.</a:t>
+            </a:r>
+          </a:p>
+        </p:txBody>
+      </p:sp>
+      <p:sp>
+        <p:nvSpPr>
+          <p:cNvPr id="4" name="Slide Number Placeholder 3"/>
+          <p:cNvSpPr>
+            <a:spLocks noGrp="1"/>
+          </p:cNvSpPr>
+          <p:nvPr>
+            <p:ph type="sldNum" sz="quarter" idx="10"/>
+          </p:nvPr>
+        </p:nvSpPr>
+        <p:spPr/>
+        <p:txBody>
+          <a:bodyPr/>
+          <a:lstStyle/>
+          <a:p>
+            <a:fld id="{18BDFEC3-8487-43E8-A154-7C12CBC1FFF2}" type="slidenum">
+              <a:rPr lang="en-US"/>
+              <a:t>18</a:t>
             </a:fld>
             <a:endParaRPr lang="en-US"/>
           </a:p>
@@ -18464,11 +18738,49 @@
             </a:pPr>
             <a:r>
               <a:rPr/>
-              <a:t>Data</a:t>
+              <a:t>Which</a:t>
+            </a:r>
+            <a:r>
+              <a:rPr/>
+              <a:t> </a:t>
+            </a:r>
+            <a:r>
+              <a:rPr/>
+              <a:t>percentage</a:t>
             </a:r>
           </a:p>
         </p:txBody>
       </p:sp>
+      <p:pic>
+        <p:nvPicPr>
+          <p:cNvPr descr="../images/external/happiness-row-percents.gif" id="0" name="Picture 1"/>
+          <p:cNvPicPr>
+            <a:picLocks noGrp="1" noChangeAspect="1"/>
+          </p:cNvPicPr>
+          <p:nvPr/>
+        </p:nvPicPr>
+        <p:blipFill>
+          <a:blip r:embed="rId3"/>
+          <a:stretch>
+            <a:fillRect/>
+          </a:stretch>
+        </p:blipFill>
+        <p:spPr bwMode="auto">
+          <a:xfrm>
+            <a:off x="457200" y="1790700"/>
+            <a:ext cx="8229600" cy="4140200"/>
+          </a:xfrm>
+          <a:prstGeom prst="rect">
+            <a:avLst/>
+          </a:prstGeom>
+          <a:noFill/>
+          <a:ln w="9525">
+            <a:noFill/>
+            <a:headEnd/>
+            <a:tailEnd/>
+          </a:ln>
+        </p:spPr>
+      </p:pic>
     </p:spTree>
   </p:cSld>
 </p:sld>
@@ -18491,42 +18803,9 @@
           <a:chExt cx="0" cy="0"/>
         </a:xfrm>
       </p:grpSpPr>
-      <p:sp>
-        <p:nvSpPr>
-          <p:cNvPr id="2" name="Title 1"/>
-          <p:cNvSpPr>
-            <a:spLocks noGrp="1"/>
-          </p:cNvSpPr>
-          <p:nvPr>
-            <p:ph type="title"/>
-          </p:nvPr>
-        </p:nvSpPr>
-        <p:spPr/>
-        <p:txBody>
-          <a:bodyPr/>
-          <a:lstStyle/>
-          <a:p>
-            <a:pPr lvl="0" marL="0" indent="0">
-              <a:buNone/>
-            </a:pPr>
-            <a:r>
-              <a:rPr/>
-              <a:t>Which</a:t>
-            </a:r>
-            <a:r>
-              <a:rPr/>
-              <a:t> </a:t>
-            </a:r>
-            <a:r>
-              <a:rPr/>
-              <a:t>percentage</a:t>
-            </a:r>
-          </a:p>
-        </p:txBody>
-      </p:sp>
       <p:pic>
         <p:nvPicPr>
-          <p:cNvPr descr="../images/external/happiness-row-percents.gif" id="0" name="Picture 1"/>
+          <p:cNvPr descr="../images/r/outlook-stack.png" id="0" name="Picture 1"/>
           <p:cNvPicPr>
             <a:picLocks noGrp="1" noChangeAspect="1"/>
           </p:cNvPicPr>
@@ -18540,8 +18819,8 @@
         </p:blipFill>
         <p:spPr bwMode="auto">
           <a:xfrm>
-            <a:off x="457200" y="1790700"/>
-            <a:ext cx="8229600" cy="4140200"/>
+            <a:off x="2311400" y="1600200"/>
+            <a:ext cx="4521200" cy="4521200"/>
           </a:xfrm>
           <a:prstGeom prst="rect">
             <a:avLst/>
@@ -18813,12 +19092,12 @@
       </p:grpSpPr>
       <p:sp>
         <p:nvSpPr>
-          <p:cNvPr id="3" name="Content Placeholder 2"/>
+          <p:cNvPr id="2" name="Title 1"/>
           <p:cNvSpPr>
             <a:spLocks noGrp="1"/>
           </p:cNvSpPr>
           <p:nvPr>
-            <p:ph idx="1"/>
+            <p:ph type="title"/>
           </p:nvPr>
         </p:nvSpPr>
         <p:spPr/>
@@ -18831,35 +19110,49 @@
             </a:pPr>
             <a:r>
               <a:rPr/>
-              <a:t>You can compute row percentages which divide the entry in each row by the row total. Row percents add up to 100% within each row.</a:t>
-            </a:r>
-          </a:p>
-          <a:p>
-            <a:pPr lvl="0" marL="1270000" indent="0">
-              <a:buNone/>
-            </a:pPr>
-            <a:r>
-              <a:rPr sz="1800">
-                <a:latin typeface="Courier"/>
-              </a:rPr>
-              <a:t>## Warning in rep(rep(c("Rich", "Poor"), each = 2), each = n): first element
-## used of 'each' argument</a:t>
-            </a:r>
-          </a:p>
-          <a:p>
-            <a:pPr lvl="0" marL="1270000" indent="0">
-              <a:buNone/>
-            </a:pPr>
-            <a:r>
-              <a:rPr sz="1800">
-                <a:latin typeface="Courier"/>
-              </a:rPr>
-              <a:t>## Warning in rep(rep(c("Happy", "Miserable"), 2), each = n): first element
-## used of 'each' argument</a:t>
+              <a:t>Which</a:t>
+            </a:r>
+            <a:r>
+              <a:rPr/>
+              <a:t> </a:t>
+            </a:r>
+            <a:r>
+              <a:rPr/>
+              <a:t>percentage</a:t>
             </a:r>
           </a:p>
         </p:txBody>
       </p:sp>
+      <p:pic>
+        <p:nvPicPr>
+          <p:cNvPr descr="../images/external/happiness-column-percents.gif" id="0" name="Picture 1"/>
+          <p:cNvPicPr>
+            <a:picLocks noGrp="1" noChangeAspect="1"/>
+          </p:cNvPicPr>
+          <p:nvPr/>
+        </p:nvPicPr>
+        <p:blipFill>
+          <a:blip r:embed="rId2"/>
+          <a:stretch>
+            <a:fillRect/>
+          </a:stretch>
+        </p:blipFill>
+        <p:spPr bwMode="auto">
+          <a:xfrm>
+            <a:off x="457200" y="1765300"/>
+            <a:ext cx="8229600" cy="4178300"/>
+          </a:xfrm>
+          <a:prstGeom prst="rect">
+            <a:avLst/>
+          </a:prstGeom>
+          <a:noFill/>
+          <a:ln w="9525">
+            <a:noFill/>
+            <a:headEnd/>
+            <a:tailEnd/>
+          </a:ln>
+        </p:spPr>
+      </p:pic>
     </p:spTree>
   </p:cSld>
 </p:sld>
@@ -18884,7 +19177,7 @@
       </p:grpSpPr>
       <p:pic>
         <p:nvPicPr>
-          <p:cNvPr descr="../images/r/outlook-stack.png" id="0" name="Picture 1"/>
+          <p:cNvPr descr="../images/r/income-stack.png" id="0" name="Picture 1"/>
           <p:cNvPicPr>
             <a:picLocks noGrp="1" noChangeAspect="1"/>
           </p:cNvPicPr>
@@ -18969,7 +19262,7 @@
       </p:sp>
       <p:pic>
         <p:nvPicPr>
-          <p:cNvPr descr="../images/external/happiness-column-percents.gif" id="0" name="Picture 1"/>
+          <p:cNvPr descr="../images/external/happiness-cell-percents.gif" id="0" name="Picture 1"/>
           <p:cNvPicPr>
             <a:picLocks noGrp="1" noChangeAspect="1"/>
           </p:cNvPicPr>
@@ -18983,8 +19276,8 @@
         </p:blipFill>
         <p:spPr bwMode="auto">
           <a:xfrm>
-            <a:off x="457200" y="1765300"/>
-            <a:ext cx="8229600" cy="4178300"/>
+            <a:off x="457200" y="1778000"/>
+            <a:ext cx="8229600" cy="4152900"/>
           </a:xfrm>
           <a:prstGeom prst="rect">
             <a:avLst/>
@@ -19019,42 +19312,9 @@
           <a:chExt cx="0" cy="0"/>
         </a:xfrm>
       </p:grpSpPr>
-      <p:sp>
-        <p:nvSpPr>
-          <p:cNvPr id="2" name="Title 1"/>
-          <p:cNvSpPr>
-            <a:spLocks noGrp="1"/>
-          </p:cNvSpPr>
-          <p:nvPr>
-            <p:ph type="title"/>
-          </p:nvPr>
-        </p:nvSpPr>
-        <p:spPr/>
-        <p:txBody>
-          <a:bodyPr/>
-          <a:lstStyle/>
-          <a:p>
-            <a:pPr lvl="0" marL="0" indent="0">
-              <a:buNone/>
-            </a:pPr>
-            <a:r>
-              <a:rPr/>
-              <a:t>Which</a:t>
-            </a:r>
-            <a:r>
-              <a:rPr/>
-              <a:t> </a:t>
-            </a:r>
-            <a:r>
-              <a:rPr/>
-              <a:t>percentage</a:t>
-            </a:r>
-          </a:p>
-        </p:txBody>
-      </p:sp>
       <p:pic>
         <p:nvPicPr>
-          <p:cNvPr descr="../images/external/happiness-cell-percents.gif" id="0" name="Picture 1"/>
+          <p:cNvPr descr="../images/r/cell-stack.png" id="0" name="Picture 1"/>
           <p:cNvPicPr>
             <a:picLocks noGrp="1" noChangeAspect="1"/>
           </p:cNvPicPr>
@@ -19068,8 +19328,8 @@
         </p:blipFill>
         <p:spPr bwMode="auto">
           <a:xfrm>
-            <a:off x="457200" y="1778000"/>
-            <a:ext cx="8229600" cy="4152900"/>
+            <a:off x="2311400" y="1600200"/>
+            <a:ext cx="4521200" cy="4521200"/>
           </a:xfrm>
           <a:prstGeom prst="rect">
             <a:avLst/>
